--- a/Day1/Js.pptx
+++ b/Day1/Js.pptx
@@ -18,14 +18,14 @@
     <p:sldId id="261" r:id="rId12"/>
     <p:sldId id="274" r:id="rId13"/>
     <p:sldId id="264" r:id="rId14"/>
-    <p:sldId id="262" r:id="rId15"/>
-    <p:sldId id="265" r:id="rId16"/>
-    <p:sldId id="266" r:id="rId17"/>
-    <p:sldId id="267" r:id="rId18"/>
-    <p:sldId id="268" r:id="rId19"/>
-    <p:sldId id="269" r:id="rId20"/>
-    <p:sldId id="270" r:id="rId21"/>
-    <p:sldId id="263" r:id="rId22"/>
+    <p:sldId id="265" r:id="rId15"/>
+    <p:sldId id="266" r:id="rId16"/>
+    <p:sldId id="267" r:id="rId17"/>
+    <p:sldId id="268" r:id="rId18"/>
+    <p:sldId id="269" r:id="rId19"/>
+    <p:sldId id="270" r:id="rId20"/>
+    <p:sldId id="263" r:id="rId21"/>
+    <p:sldId id="262" r:id="rId22"/>
   </p:sldIdLst>
   <p:sldSz cx="9144000" cy="6858000" type="screen4x3"/>
   <p:notesSz cx="6858000" cy="9144000"/>
@@ -124,6 +124,22 @@
       </a:defRPr>
     </a:lvl9pPr>
   </p:defaultTextStyle>
+  <p:extLst>
+    <p:ext uri="{EFAFB233-063F-42B5-8137-9DF3F51BA10A}">
+      <p15:sldGuideLst xmlns:p15="http://schemas.microsoft.com/office/powerpoint/2012/main">
+        <p15:guide id="1" orient="horz" pos="2160">
+          <p15:clr>
+            <a:srgbClr val="A4A3A4"/>
+          </p15:clr>
+        </p15:guide>
+        <p15:guide id="2" pos="2880">
+          <p15:clr>
+            <a:srgbClr val="A4A3A4"/>
+          </p15:clr>
+        </p15:guide>
+      </p15:sldGuideLst>
+    </p:ext>
+  </p:extLst>
 </p:presentation>
 </file>
 
@@ -1651,10 +1667,9 @@
         <a:lstStyle/>
         <a:p>
           <a:r>
-            <a:rPr lang="en-US" dirty="0" smtClean="0"/>
+            <a:rPr lang="en-US" dirty="0"/>
             <a:t>Variable &amp; Data Types</a:t>
           </a:r>
-          <a:endParaRPr lang="en-US" dirty="0"/>
         </a:p>
       </dgm:t>
     </dgm:pt>
@@ -1688,10 +1703,9 @@
         <a:lstStyle/>
         <a:p>
           <a:r>
-            <a:rPr lang="en-US" dirty="0" smtClean="0"/>
+            <a:rPr lang="en-US" dirty="0"/>
             <a:t>Operators</a:t>
           </a:r>
-          <a:endParaRPr lang="en-US" dirty="0"/>
         </a:p>
       </dgm:t>
     </dgm:pt>
@@ -1725,7 +1739,7 @@
         <a:lstStyle/>
         <a:p>
           <a:r>
-            <a:rPr lang="en-US" smtClean="0"/>
+            <a:rPr lang="en-US"/>
             <a:t>Introduction</a:t>
           </a:r>
           <a:endParaRPr lang="en-US" dirty="0"/>
@@ -1762,10 +1776,9 @@
         <a:lstStyle/>
         <a:p>
           <a:r>
-            <a:rPr lang="en-US" dirty="0" smtClean="0"/>
+            <a:rPr lang="en-US" dirty="0"/>
             <a:t>Statements</a:t>
           </a:r>
-          <a:endParaRPr lang="en-US" dirty="0"/>
         </a:p>
       </dgm:t>
     </dgm:pt>
@@ -1799,7 +1812,7 @@
         <a:lstStyle/>
         <a:p>
           <a:r>
-            <a:rPr lang="en-US" dirty="0" smtClean="0"/>
+            <a:rPr lang="en-US" dirty="0"/>
             <a:t>Object</a:t>
           </a:r>
         </a:p>
@@ -1836,13 +1849,6 @@
         </dgm:presLayoutVars>
       </dgm:prSet>
       <dgm:spPr/>
-      <dgm:t>
-        <a:bodyPr/>
-        <a:lstStyle/>
-        <a:p>
-          <a:endParaRPr lang="en-US"/>
-        </a:p>
-      </dgm:t>
     </dgm:pt>
     <dgm:pt modelId="{7A684C9B-A86F-4B91-8AF2-3A6609C793FF}" type="pres">
       <dgm:prSet presAssocID="{91D649F2-0744-4059-B198-952429E3C499}" presName="dummyMaxCanvas" presStyleCnt="0">
@@ -1857,13 +1863,6 @@
         </dgm:presLayoutVars>
       </dgm:prSet>
       <dgm:spPr/>
-      <dgm:t>
-        <a:bodyPr/>
-        <a:lstStyle/>
-        <a:p>
-          <a:endParaRPr lang="en-US"/>
-        </a:p>
-      </dgm:t>
     </dgm:pt>
     <dgm:pt modelId="{D64E19B1-F225-4A93-B512-06896EF48871}" type="pres">
       <dgm:prSet presAssocID="{91D649F2-0744-4059-B198-952429E3C499}" presName="FiveNodes_2" presStyleLbl="node1" presStyleIdx="1" presStyleCnt="5">
@@ -1872,13 +1871,6 @@
         </dgm:presLayoutVars>
       </dgm:prSet>
       <dgm:spPr/>
-      <dgm:t>
-        <a:bodyPr/>
-        <a:lstStyle/>
-        <a:p>
-          <a:endParaRPr lang="en-US"/>
-        </a:p>
-      </dgm:t>
     </dgm:pt>
     <dgm:pt modelId="{BFFD6550-729C-47DD-9AFD-89BC7949E632}" type="pres">
       <dgm:prSet presAssocID="{91D649F2-0744-4059-B198-952429E3C499}" presName="FiveNodes_3" presStyleLbl="node1" presStyleIdx="2" presStyleCnt="5">
@@ -1887,13 +1879,6 @@
         </dgm:presLayoutVars>
       </dgm:prSet>
       <dgm:spPr/>
-      <dgm:t>
-        <a:bodyPr/>
-        <a:lstStyle/>
-        <a:p>
-          <a:endParaRPr lang="en-US"/>
-        </a:p>
-      </dgm:t>
     </dgm:pt>
     <dgm:pt modelId="{0CB4AAAA-7946-4B6A-940E-1587BE73884F}" type="pres">
       <dgm:prSet presAssocID="{91D649F2-0744-4059-B198-952429E3C499}" presName="FiveNodes_4" presStyleLbl="node1" presStyleIdx="3" presStyleCnt="5">
@@ -1902,13 +1887,6 @@
         </dgm:presLayoutVars>
       </dgm:prSet>
       <dgm:spPr/>
-      <dgm:t>
-        <a:bodyPr/>
-        <a:lstStyle/>
-        <a:p>
-          <a:endParaRPr lang="en-US"/>
-        </a:p>
-      </dgm:t>
     </dgm:pt>
     <dgm:pt modelId="{9686F47A-C1F9-4E47-A0C6-3B1428C816E8}" type="pres">
       <dgm:prSet presAssocID="{91D649F2-0744-4059-B198-952429E3C499}" presName="FiveNodes_5" presStyleLbl="node1" presStyleIdx="4" presStyleCnt="5">
@@ -1917,13 +1895,6 @@
         </dgm:presLayoutVars>
       </dgm:prSet>
       <dgm:spPr/>
-      <dgm:t>
-        <a:bodyPr/>
-        <a:lstStyle/>
-        <a:p>
-          <a:endParaRPr lang="en-US"/>
-        </a:p>
-      </dgm:t>
     </dgm:pt>
     <dgm:pt modelId="{291E1AD9-098C-40A2-BFD6-A279D3B4286E}" type="pres">
       <dgm:prSet presAssocID="{91D649F2-0744-4059-B198-952429E3C499}" presName="FiveConn_1-2" presStyleLbl="fgAccFollowNode1" presStyleIdx="0" presStyleCnt="4">
@@ -1932,13 +1903,6 @@
         </dgm:presLayoutVars>
       </dgm:prSet>
       <dgm:spPr/>
-      <dgm:t>
-        <a:bodyPr/>
-        <a:lstStyle/>
-        <a:p>
-          <a:endParaRPr lang="en-US"/>
-        </a:p>
-      </dgm:t>
     </dgm:pt>
     <dgm:pt modelId="{39D949BD-A995-445C-8CB8-7595001D627E}" type="pres">
       <dgm:prSet presAssocID="{91D649F2-0744-4059-B198-952429E3C499}" presName="FiveConn_2-3" presStyleLbl="fgAccFollowNode1" presStyleIdx="1" presStyleCnt="4">
@@ -1947,13 +1911,6 @@
         </dgm:presLayoutVars>
       </dgm:prSet>
       <dgm:spPr/>
-      <dgm:t>
-        <a:bodyPr/>
-        <a:lstStyle/>
-        <a:p>
-          <a:endParaRPr lang="en-US"/>
-        </a:p>
-      </dgm:t>
     </dgm:pt>
     <dgm:pt modelId="{9233E3CB-9C79-4C5B-A426-82B0F773B133}" type="pres">
       <dgm:prSet presAssocID="{91D649F2-0744-4059-B198-952429E3C499}" presName="FiveConn_3-4" presStyleLbl="fgAccFollowNode1" presStyleIdx="2" presStyleCnt="4">
@@ -1962,13 +1919,6 @@
         </dgm:presLayoutVars>
       </dgm:prSet>
       <dgm:spPr/>
-      <dgm:t>
-        <a:bodyPr/>
-        <a:lstStyle/>
-        <a:p>
-          <a:endParaRPr lang="en-US"/>
-        </a:p>
-      </dgm:t>
     </dgm:pt>
     <dgm:pt modelId="{10902763-47D0-41B1-8E12-77ABA91D9B3F}" type="pres">
       <dgm:prSet presAssocID="{91D649F2-0744-4059-B198-952429E3C499}" presName="FiveConn_4-5" presStyleLbl="fgAccFollowNode1" presStyleIdx="3" presStyleCnt="4">
@@ -1977,13 +1927,6 @@
         </dgm:presLayoutVars>
       </dgm:prSet>
       <dgm:spPr/>
-      <dgm:t>
-        <a:bodyPr/>
-        <a:lstStyle/>
-        <a:p>
-          <a:endParaRPr lang="en-US"/>
-        </a:p>
-      </dgm:t>
     </dgm:pt>
     <dgm:pt modelId="{FD8B7508-3CD5-4A79-9C45-BF0FECA9A6E3}" type="pres">
       <dgm:prSet presAssocID="{91D649F2-0744-4059-B198-952429E3C499}" presName="FiveNodes_1_text" presStyleLbl="node1" presStyleIdx="4" presStyleCnt="5">
@@ -1992,13 +1935,6 @@
         </dgm:presLayoutVars>
       </dgm:prSet>
       <dgm:spPr/>
-      <dgm:t>
-        <a:bodyPr/>
-        <a:lstStyle/>
-        <a:p>
-          <a:endParaRPr lang="en-US"/>
-        </a:p>
-      </dgm:t>
     </dgm:pt>
     <dgm:pt modelId="{F91A93BB-8EA2-42A3-8EEE-2008F4C35A1E}" type="pres">
       <dgm:prSet presAssocID="{91D649F2-0744-4059-B198-952429E3C499}" presName="FiveNodes_2_text" presStyleLbl="node1" presStyleIdx="4" presStyleCnt="5">
@@ -2007,13 +1943,6 @@
         </dgm:presLayoutVars>
       </dgm:prSet>
       <dgm:spPr/>
-      <dgm:t>
-        <a:bodyPr/>
-        <a:lstStyle/>
-        <a:p>
-          <a:endParaRPr lang="en-US"/>
-        </a:p>
-      </dgm:t>
     </dgm:pt>
     <dgm:pt modelId="{8729B9FD-C2B7-4ED4-BCFB-AB44D0CAC3B6}" type="pres">
       <dgm:prSet presAssocID="{91D649F2-0744-4059-B198-952429E3C499}" presName="FiveNodes_3_text" presStyleLbl="node1" presStyleIdx="4" presStyleCnt="5">
@@ -2022,13 +1951,6 @@
         </dgm:presLayoutVars>
       </dgm:prSet>
       <dgm:spPr/>
-      <dgm:t>
-        <a:bodyPr/>
-        <a:lstStyle/>
-        <a:p>
-          <a:endParaRPr lang="en-US"/>
-        </a:p>
-      </dgm:t>
     </dgm:pt>
     <dgm:pt modelId="{E36649E4-BF60-4D9F-9F9C-387FF1E88161}" type="pres">
       <dgm:prSet presAssocID="{91D649F2-0744-4059-B198-952429E3C499}" presName="FiveNodes_4_text" presStyleLbl="node1" presStyleIdx="4" presStyleCnt="5">
@@ -2037,13 +1959,6 @@
         </dgm:presLayoutVars>
       </dgm:prSet>
       <dgm:spPr/>
-      <dgm:t>
-        <a:bodyPr/>
-        <a:lstStyle/>
-        <a:p>
-          <a:endParaRPr lang="en-US"/>
-        </a:p>
-      </dgm:t>
     </dgm:pt>
     <dgm:pt modelId="{C8AC5CF7-0D90-4018-B533-A2209E449EFE}" type="pres">
       <dgm:prSet presAssocID="{91D649F2-0744-4059-B198-952429E3C499}" presName="FiveNodes_5_text" presStyleLbl="node1" presStyleIdx="4" presStyleCnt="5">
@@ -2052,36 +1967,29 @@
         </dgm:presLayoutVars>
       </dgm:prSet>
       <dgm:spPr/>
-      <dgm:t>
-        <a:bodyPr/>
-        <a:lstStyle/>
-        <a:p>
-          <a:endParaRPr lang="en-US"/>
-        </a:p>
-      </dgm:t>
     </dgm:pt>
   </dgm:ptLst>
   <dgm:cxnLst>
+    <dgm:cxn modelId="{00992114-E512-4D1D-85AA-3EA96EF92073}" type="presOf" srcId="{92DE2064-C849-4491-96C6-3FAA40A8184F}" destId="{F91A93BB-8EA2-42A3-8EEE-2008F4C35A1E}" srcOrd="1" destOrd="0" presId="urn:microsoft.com/office/officeart/2005/8/layout/vProcess5"/>
+    <dgm:cxn modelId="{1EE60E20-657D-4F5D-9A53-C92435F93B65}" srcId="{91D649F2-0744-4059-B198-952429E3C499}" destId="{371CCC51-D848-4EF8-8A7B-3D1C1AC3AE0C}" srcOrd="0" destOrd="0" parTransId="{2A9B7D3A-9972-40F6-B837-0CD5805BBD24}" sibTransId="{96A62B56-E476-4373-9C1A-7769A9F1D563}"/>
     <dgm:cxn modelId="{62F49A22-5D31-4C12-B7AC-B7CE90390E22}" type="presOf" srcId="{E28F3113-C101-4A83-AA11-7A6880E73C7B}" destId="{8729B9FD-C2B7-4ED4-BCFB-AB44D0CAC3B6}" srcOrd="1" destOrd="0" presId="urn:microsoft.com/office/officeart/2005/8/layout/vProcess5"/>
+    <dgm:cxn modelId="{6D6D1D27-0EC7-4E5D-B953-41B5237E0C40}" type="presOf" srcId="{52B727E9-F6BD-43D8-8ACD-10E9CD0FF205}" destId="{9233E3CB-9C79-4C5B-A426-82B0F773B133}" srcOrd="0" destOrd="0" presId="urn:microsoft.com/office/officeart/2005/8/layout/vProcess5"/>
     <dgm:cxn modelId="{6189D63A-12F9-4A86-94E2-B4E51DE65A46}" type="presOf" srcId="{92DE2064-C849-4491-96C6-3FAA40A8184F}" destId="{D64E19B1-F225-4A93-B512-06896EF48871}" srcOrd="0" destOrd="0" presId="urn:microsoft.com/office/officeart/2005/8/layout/vProcess5"/>
+    <dgm:cxn modelId="{0603F75E-2162-4809-B3E4-40143FDC8636}" srcId="{91D649F2-0744-4059-B198-952429E3C499}" destId="{92DE2064-C849-4491-96C6-3FAA40A8184F}" srcOrd="1" destOrd="0" parTransId="{492AE8B8-6D3E-4266-B7C0-01F6C8A92177}" sibTransId="{65DEDE1B-DABF-40EE-8A65-0BEB269B4368}"/>
     <dgm:cxn modelId="{A357AF6A-C1B2-40C8-8F48-A2B6E37188E9}" srcId="{91D649F2-0744-4059-B198-952429E3C499}" destId="{5A3F9EE3-297F-41BC-ACD6-E5DB23B07609}" srcOrd="3" destOrd="0" parTransId="{8BD07561-5371-43D6-854D-46F3F061CE4E}" sibTransId="{A54CCC0E-A473-4F21-9603-FC9E1109E881}"/>
+    <dgm:cxn modelId="{2D4D9953-BF72-4F28-8FCA-A4CC423C9700}" type="presOf" srcId="{5A3F9EE3-297F-41BC-ACD6-E5DB23B07609}" destId="{0CB4AAAA-7946-4B6A-940E-1587BE73884F}" srcOrd="0" destOrd="0" presId="urn:microsoft.com/office/officeart/2005/8/layout/vProcess5"/>
+    <dgm:cxn modelId="{313ECE78-29B1-45C5-A75F-BB7993218D98}" type="presOf" srcId="{65DEDE1B-DABF-40EE-8A65-0BEB269B4368}" destId="{39D949BD-A995-445C-8CB8-7595001D627E}" srcOrd="0" destOrd="0" presId="urn:microsoft.com/office/officeart/2005/8/layout/vProcess5"/>
+    <dgm:cxn modelId="{569FD086-FCC4-4FCD-B0AA-89B12DAA3EB6}" srcId="{91D649F2-0744-4059-B198-952429E3C499}" destId="{4D989076-282E-490E-9107-81738BA91F25}" srcOrd="4" destOrd="0" parTransId="{4AC3EFCB-355B-4FAF-AFFC-B6FDA414533A}" sibTransId="{458055A7-E982-48FA-9ADD-8A6960547D2E}"/>
     <dgm:cxn modelId="{5C695390-E4F3-4EFF-AB1B-634D508F214A}" type="presOf" srcId="{A54CCC0E-A473-4F21-9603-FC9E1109E881}" destId="{10902763-47D0-41B1-8E12-77ABA91D9B3F}" srcOrd="0" destOrd="0" presId="urn:microsoft.com/office/officeart/2005/8/layout/vProcess5"/>
-    <dgm:cxn modelId="{00992114-E512-4D1D-85AA-3EA96EF92073}" type="presOf" srcId="{92DE2064-C849-4491-96C6-3FAA40A8184F}" destId="{F91A93BB-8EA2-42A3-8EEE-2008F4C35A1E}" srcOrd="1" destOrd="0" presId="urn:microsoft.com/office/officeart/2005/8/layout/vProcess5"/>
-    <dgm:cxn modelId="{569FD086-FCC4-4FCD-B0AA-89B12DAA3EB6}" srcId="{91D649F2-0744-4059-B198-952429E3C499}" destId="{4D989076-282E-490E-9107-81738BA91F25}" srcOrd="4" destOrd="0" parTransId="{4AC3EFCB-355B-4FAF-AFFC-B6FDA414533A}" sibTransId="{458055A7-E982-48FA-9ADD-8A6960547D2E}"/>
+    <dgm:cxn modelId="{CA54FF91-B220-47B4-BD45-A365DC43D3F3}" type="presOf" srcId="{4D989076-282E-490E-9107-81738BA91F25}" destId="{9686F47A-C1F9-4E47-A0C6-3B1428C816E8}" srcOrd="0" destOrd="0" presId="urn:microsoft.com/office/officeart/2005/8/layout/vProcess5"/>
+    <dgm:cxn modelId="{93E70CA4-24F6-4B9C-AE91-492D2B79D1C5}" type="presOf" srcId="{5A3F9EE3-297F-41BC-ACD6-E5DB23B07609}" destId="{E36649E4-BF60-4D9F-9F9C-387FF1E88161}" srcOrd="1" destOrd="0" presId="urn:microsoft.com/office/officeart/2005/8/layout/vProcess5"/>
+    <dgm:cxn modelId="{B8B2A1A9-08AE-4B2A-AB6F-96A7097666A8}" type="presOf" srcId="{371CCC51-D848-4EF8-8A7B-3D1C1AC3AE0C}" destId="{455B54F1-4C92-403C-84B1-773C170D586E}" srcOrd="0" destOrd="0" presId="urn:microsoft.com/office/officeart/2005/8/layout/vProcess5"/>
+    <dgm:cxn modelId="{206C44C1-5F78-4F08-99CC-D6CA0854C5FE}" type="presOf" srcId="{E28F3113-C101-4A83-AA11-7A6880E73C7B}" destId="{BFFD6550-729C-47DD-9AFD-89BC7949E632}" srcOrd="0" destOrd="0" presId="urn:microsoft.com/office/officeart/2005/8/layout/vProcess5"/>
     <dgm:cxn modelId="{C279E1C8-7C26-4618-9E92-EBF4944D5DB3}" type="presOf" srcId="{371CCC51-D848-4EF8-8A7B-3D1C1AC3AE0C}" destId="{FD8B7508-3CD5-4A79-9C45-BF0FECA9A6E3}" srcOrd="1" destOrd="0" presId="urn:microsoft.com/office/officeart/2005/8/layout/vProcess5"/>
     <dgm:cxn modelId="{E516D2C9-A7E3-4216-A06B-4EE691C46631}" type="presOf" srcId="{91D649F2-0744-4059-B198-952429E3C499}" destId="{35B73DE4-079E-4B4A-8E4D-7E0381A55C35}" srcOrd="0" destOrd="0" presId="urn:microsoft.com/office/officeart/2005/8/layout/vProcess5"/>
-    <dgm:cxn modelId="{93E70CA4-24F6-4B9C-AE91-492D2B79D1C5}" type="presOf" srcId="{5A3F9EE3-297F-41BC-ACD6-E5DB23B07609}" destId="{E36649E4-BF60-4D9F-9F9C-387FF1E88161}" srcOrd="1" destOrd="0" presId="urn:microsoft.com/office/officeart/2005/8/layout/vProcess5"/>
     <dgm:cxn modelId="{FBD096CB-1C01-46CF-8B0A-472FBB133643}" type="presOf" srcId="{96A62B56-E476-4373-9C1A-7769A9F1D563}" destId="{291E1AD9-098C-40A2-BFD6-A279D3B4286E}" srcOrd="0" destOrd="0" presId="urn:microsoft.com/office/officeart/2005/8/layout/vProcess5"/>
-    <dgm:cxn modelId="{206C44C1-5F78-4F08-99CC-D6CA0854C5FE}" type="presOf" srcId="{E28F3113-C101-4A83-AA11-7A6880E73C7B}" destId="{BFFD6550-729C-47DD-9AFD-89BC7949E632}" srcOrd="0" destOrd="0" presId="urn:microsoft.com/office/officeart/2005/8/layout/vProcess5"/>
-    <dgm:cxn modelId="{6D6D1D27-0EC7-4E5D-B953-41B5237E0C40}" type="presOf" srcId="{52B727E9-F6BD-43D8-8ACD-10E9CD0FF205}" destId="{9233E3CB-9C79-4C5B-A426-82B0F773B133}" srcOrd="0" destOrd="0" presId="urn:microsoft.com/office/officeart/2005/8/layout/vProcess5"/>
-    <dgm:cxn modelId="{2D4D9953-BF72-4F28-8FCA-A4CC423C9700}" type="presOf" srcId="{5A3F9EE3-297F-41BC-ACD6-E5DB23B07609}" destId="{0CB4AAAA-7946-4B6A-940E-1587BE73884F}" srcOrd="0" destOrd="0" presId="urn:microsoft.com/office/officeart/2005/8/layout/vProcess5"/>
+    <dgm:cxn modelId="{AA147DEF-0370-4D80-AC2D-39170AF61AA1}" srcId="{91D649F2-0744-4059-B198-952429E3C499}" destId="{E28F3113-C101-4A83-AA11-7A6880E73C7B}" srcOrd="2" destOrd="0" parTransId="{FDED3FE7-8BA7-4A4C-BC2E-9C873A1502E2}" sibTransId="{52B727E9-F6BD-43D8-8ACD-10E9CD0FF205}"/>
     <dgm:cxn modelId="{946599FD-8772-40A4-A9C5-EAEC31D0F944}" type="presOf" srcId="{4D989076-282E-490E-9107-81738BA91F25}" destId="{C8AC5CF7-0D90-4018-B533-A2209E449EFE}" srcOrd="1" destOrd="0" presId="urn:microsoft.com/office/officeart/2005/8/layout/vProcess5"/>
-    <dgm:cxn modelId="{CA54FF91-B220-47B4-BD45-A365DC43D3F3}" type="presOf" srcId="{4D989076-282E-490E-9107-81738BA91F25}" destId="{9686F47A-C1F9-4E47-A0C6-3B1428C816E8}" srcOrd="0" destOrd="0" presId="urn:microsoft.com/office/officeart/2005/8/layout/vProcess5"/>
-    <dgm:cxn modelId="{B8B2A1A9-08AE-4B2A-AB6F-96A7097666A8}" type="presOf" srcId="{371CCC51-D848-4EF8-8A7B-3D1C1AC3AE0C}" destId="{455B54F1-4C92-403C-84B1-773C170D586E}" srcOrd="0" destOrd="0" presId="urn:microsoft.com/office/officeart/2005/8/layout/vProcess5"/>
-    <dgm:cxn modelId="{0603F75E-2162-4809-B3E4-40143FDC8636}" srcId="{91D649F2-0744-4059-B198-952429E3C499}" destId="{92DE2064-C849-4491-96C6-3FAA40A8184F}" srcOrd="1" destOrd="0" parTransId="{492AE8B8-6D3E-4266-B7C0-01F6C8A92177}" sibTransId="{65DEDE1B-DABF-40EE-8A65-0BEB269B4368}"/>
-    <dgm:cxn modelId="{313ECE78-29B1-45C5-A75F-BB7993218D98}" type="presOf" srcId="{65DEDE1B-DABF-40EE-8A65-0BEB269B4368}" destId="{39D949BD-A995-445C-8CB8-7595001D627E}" srcOrd="0" destOrd="0" presId="urn:microsoft.com/office/officeart/2005/8/layout/vProcess5"/>
-    <dgm:cxn modelId="{1EE60E20-657D-4F5D-9A53-C92435F93B65}" srcId="{91D649F2-0744-4059-B198-952429E3C499}" destId="{371CCC51-D848-4EF8-8A7B-3D1C1AC3AE0C}" srcOrd="0" destOrd="0" parTransId="{2A9B7D3A-9972-40F6-B837-0CD5805BBD24}" sibTransId="{96A62B56-E476-4373-9C1A-7769A9F1D563}"/>
-    <dgm:cxn modelId="{AA147DEF-0370-4D80-AC2D-39170AF61AA1}" srcId="{91D649F2-0744-4059-B198-952429E3C499}" destId="{E28F3113-C101-4A83-AA11-7A6880E73C7B}" srcOrd="2" destOrd="0" parTransId="{FDED3FE7-8BA7-4A4C-BC2E-9C873A1502E2}" sibTransId="{52B727E9-F6BD-43D8-8ACD-10E9CD0FF205}"/>
     <dgm:cxn modelId="{0B591D93-6975-4095-B6E2-F7B42D366929}" type="presParOf" srcId="{35B73DE4-079E-4B4A-8E4D-7E0381A55C35}" destId="{7A684C9B-A86F-4B91-8AF2-3A6609C793FF}" srcOrd="0" destOrd="0" presId="urn:microsoft.com/office/officeart/2005/8/layout/vProcess5"/>
     <dgm:cxn modelId="{4213FCCB-9C9F-4111-A827-54480310F02A}" type="presParOf" srcId="{35B73DE4-079E-4B4A-8E4D-7E0381A55C35}" destId="{455B54F1-4C92-403C-84B1-773C170D586E}" srcOrd="1" destOrd="0" presId="urn:microsoft.com/office/officeart/2005/8/layout/vProcess5"/>
     <dgm:cxn modelId="{EC86E99D-86FE-443F-AE7F-55E1DC50A4CF}" type="presParOf" srcId="{35B73DE4-079E-4B4A-8E4D-7E0381A55C35}" destId="{D64E19B1-F225-4A93-B512-06896EF48871}" srcOrd="2" destOrd="0" presId="urn:microsoft.com/office/officeart/2005/8/layout/vProcess5"/>
@@ -2130,10 +2038,9 @@
         <a:lstStyle/>
         <a:p>
           <a:r>
-            <a:rPr lang="en-US" dirty="0" smtClean="0"/>
+            <a:rPr lang="en-US" dirty="0"/>
             <a:t>Class</a:t>
           </a:r>
-          <a:endParaRPr lang="en-US" dirty="0"/>
         </a:p>
       </dgm:t>
     </dgm:pt>
@@ -2167,10 +2074,9 @@
         <a:lstStyle/>
         <a:p>
           <a:r>
-            <a:rPr lang="en-US" dirty="0" smtClean="0"/>
+            <a:rPr lang="en-US" dirty="0"/>
             <a:t>Function</a:t>
           </a:r>
-          <a:endParaRPr lang="en-US" dirty="0"/>
         </a:p>
       </dgm:t>
     </dgm:pt>
@@ -2204,10 +2110,9 @@
         <a:lstStyle/>
         <a:p>
           <a:r>
-            <a:rPr lang="en-US" dirty="0" smtClean="0"/>
+            <a:rPr lang="en-US" dirty="0"/>
             <a:t>OOP</a:t>
           </a:r>
-          <a:endParaRPr lang="en-US" dirty="0"/>
         </a:p>
       </dgm:t>
     </dgm:pt>
@@ -2241,7 +2146,7 @@
         <a:lstStyle/>
         <a:p>
           <a:r>
-            <a:rPr lang="en-US" dirty="0" smtClean="0"/>
+            <a:rPr lang="en-US" dirty="0"/>
             <a:t>Algorithm</a:t>
           </a:r>
         </a:p>
@@ -2277,10 +2182,9 @@
         <a:lstStyle/>
         <a:p>
           <a:r>
-            <a:rPr lang="en-US" dirty="0" smtClean="0"/>
+            <a:rPr lang="en-US" dirty="0"/>
             <a:t>Array</a:t>
           </a:r>
-          <a:endParaRPr lang="en-US" dirty="0"/>
         </a:p>
       </dgm:t>
     </dgm:pt>
@@ -2315,13 +2219,6 @@
         </dgm:presLayoutVars>
       </dgm:prSet>
       <dgm:spPr/>
-      <dgm:t>
-        <a:bodyPr/>
-        <a:lstStyle/>
-        <a:p>
-          <a:endParaRPr lang="en-US"/>
-        </a:p>
-      </dgm:t>
     </dgm:pt>
     <dgm:pt modelId="{7A684C9B-A86F-4B91-8AF2-3A6609C793FF}" type="pres">
       <dgm:prSet presAssocID="{91D649F2-0744-4059-B198-952429E3C499}" presName="dummyMaxCanvas" presStyleCnt="0">
@@ -2336,13 +2233,6 @@
         </dgm:presLayoutVars>
       </dgm:prSet>
       <dgm:spPr/>
-      <dgm:t>
-        <a:bodyPr/>
-        <a:lstStyle/>
-        <a:p>
-          <a:endParaRPr lang="en-US"/>
-        </a:p>
-      </dgm:t>
     </dgm:pt>
     <dgm:pt modelId="{D64E19B1-F225-4A93-B512-06896EF48871}" type="pres">
       <dgm:prSet presAssocID="{91D649F2-0744-4059-B198-952429E3C499}" presName="FiveNodes_2" presStyleLbl="node1" presStyleIdx="1" presStyleCnt="5">
@@ -2351,13 +2241,6 @@
         </dgm:presLayoutVars>
       </dgm:prSet>
       <dgm:spPr/>
-      <dgm:t>
-        <a:bodyPr/>
-        <a:lstStyle/>
-        <a:p>
-          <a:endParaRPr lang="en-US"/>
-        </a:p>
-      </dgm:t>
     </dgm:pt>
     <dgm:pt modelId="{BFFD6550-729C-47DD-9AFD-89BC7949E632}" type="pres">
       <dgm:prSet presAssocID="{91D649F2-0744-4059-B198-952429E3C499}" presName="FiveNodes_3" presStyleLbl="node1" presStyleIdx="2" presStyleCnt="5">
@@ -2366,13 +2249,6 @@
         </dgm:presLayoutVars>
       </dgm:prSet>
       <dgm:spPr/>
-      <dgm:t>
-        <a:bodyPr/>
-        <a:lstStyle/>
-        <a:p>
-          <a:endParaRPr lang="en-US"/>
-        </a:p>
-      </dgm:t>
     </dgm:pt>
     <dgm:pt modelId="{0CB4AAAA-7946-4B6A-940E-1587BE73884F}" type="pres">
       <dgm:prSet presAssocID="{91D649F2-0744-4059-B198-952429E3C499}" presName="FiveNodes_4" presStyleLbl="node1" presStyleIdx="3" presStyleCnt="5">
@@ -2381,13 +2257,6 @@
         </dgm:presLayoutVars>
       </dgm:prSet>
       <dgm:spPr/>
-      <dgm:t>
-        <a:bodyPr/>
-        <a:lstStyle/>
-        <a:p>
-          <a:endParaRPr lang="en-US"/>
-        </a:p>
-      </dgm:t>
     </dgm:pt>
     <dgm:pt modelId="{9686F47A-C1F9-4E47-A0C6-3B1428C816E8}" type="pres">
       <dgm:prSet presAssocID="{91D649F2-0744-4059-B198-952429E3C499}" presName="FiveNodes_5" presStyleLbl="node1" presStyleIdx="4" presStyleCnt="5">
@@ -2396,13 +2265,6 @@
         </dgm:presLayoutVars>
       </dgm:prSet>
       <dgm:spPr/>
-      <dgm:t>
-        <a:bodyPr/>
-        <a:lstStyle/>
-        <a:p>
-          <a:endParaRPr lang="en-US"/>
-        </a:p>
-      </dgm:t>
     </dgm:pt>
     <dgm:pt modelId="{291E1AD9-098C-40A2-BFD6-A279D3B4286E}" type="pres">
       <dgm:prSet presAssocID="{91D649F2-0744-4059-B198-952429E3C499}" presName="FiveConn_1-2" presStyleLbl="fgAccFollowNode1" presStyleIdx="0" presStyleCnt="4">
@@ -2411,13 +2273,6 @@
         </dgm:presLayoutVars>
       </dgm:prSet>
       <dgm:spPr/>
-      <dgm:t>
-        <a:bodyPr/>
-        <a:lstStyle/>
-        <a:p>
-          <a:endParaRPr lang="en-US"/>
-        </a:p>
-      </dgm:t>
     </dgm:pt>
     <dgm:pt modelId="{39D949BD-A995-445C-8CB8-7595001D627E}" type="pres">
       <dgm:prSet presAssocID="{91D649F2-0744-4059-B198-952429E3C499}" presName="FiveConn_2-3" presStyleLbl="fgAccFollowNode1" presStyleIdx="1" presStyleCnt="4">
@@ -2426,13 +2281,6 @@
         </dgm:presLayoutVars>
       </dgm:prSet>
       <dgm:spPr/>
-      <dgm:t>
-        <a:bodyPr/>
-        <a:lstStyle/>
-        <a:p>
-          <a:endParaRPr lang="en-US"/>
-        </a:p>
-      </dgm:t>
     </dgm:pt>
     <dgm:pt modelId="{9233E3CB-9C79-4C5B-A426-82B0F773B133}" type="pres">
       <dgm:prSet presAssocID="{91D649F2-0744-4059-B198-952429E3C499}" presName="FiveConn_3-4" presStyleLbl="fgAccFollowNode1" presStyleIdx="2" presStyleCnt="4">
@@ -2441,13 +2289,6 @@
         </dgm:presLayoutVars>
       </dgm:prSet>
       <dgm:spPr/>
-      <dgm:t>
-        <a:bodyPr/>
-        <a:lstStyle/>
-        <a:p>
-          <a:endParaRPr lang="en-US"/>
-        </a:p>
-      </dgm:t>
     </dgm:pt>
     <dgm:pt modelId="{10902763-47D0-41B1-8E12-77ABA91D9B3F}" type="pres">
       <dgm:prSet presAssocID="{91D649F2-0744-4059-B198-952429E3C499}" presName="FiveConn_4-5" presStyleLbl="fgAccFollowNode1" presStyleIdx="3" presStyleCnt="4">
@@ -2456,13 +2297,6 @@
         </dgm:presLayoutVars>
       </dgm:prSet>
       <dgm:spPr/>
-      <dgm:t>
-        <a:bodyPr/>
-        <a:lstStyle/>
-        <a:p>
-          <a:endParaRPr lang="en-US"/>
-        </a:p>
-      </dgm:t>
     </dgm:pt>
     <dgm:pt modelId="{FD8B7508-3CD5-4A79-9C45-BF0FECA9A6E3}" type="pres">
       <dgm:prSet presAssocID="{91D649F2-0744-4059-B198-952429E3C499}" presName="FiveNodes_1_text" presStyleLbl="node1" presStyleIdx="4" presStyleCnt="5">
@@ -2471,13 +2305,6 @@
         </dgm:presLayoutVars>
       </dgm:prSet>
       <dgm:spPr/>
-      <dgm:t>
-        <a:bodyPr/>
-        <a:lstStyle/>
-        <a:p>
-          <a:endParaRPr lang="en-US"/>
-        </a:p>
-      </dgm:t>
     </dgm:pt>
     <dgm:pt modelId="{F91A93BB-8EA2-42A3-8EEE-2008F4C35A1E}" type="pres">
       <dgm:prSet presAssocID="{91D649F2-0744-4059-B198-952429E3C499}" presName="FiveNodes_2_text" presStyleLbl="node1" presStyleIdx="4" presStyleCnt="5">
@@ -2486,13 +2313,6 @@
         </dgm:presLayoutVars>
       </dgm:prSet>
       <dgm:spPr/>
-      <dgm:t>
-        <a:bodyPr/>
-        <a:lstStyle/>
-        <a:p>
-          <a:endParaRPr lang="en-US"/>
-        </a:p>
-      </dgm:t>
     </dgm:pt>
     <dgm:pt modelId="{8729B9FD-C2B7-4ED4-BCFB-AB44D0CAC3B6}" type="pres">
       <dgm:prSet presAssocID="{91D649F2-0744-4059-B198-952429E3C499}" presName="FiveNodes_3_text" presStyleLbl="node1" presStyleIdx="4" presStyleCnt="5">
@@ -2501,13 +2321,6 @@
         </dgm:presLayoutVars>
       </dgm:prSet>
       <dgm:spPr/>
-      <dgm:t>
-        <a:bodyPr/>
-        <a:lstStyle/>
-        <a:p>
-          <a:endParaRPr lang="en-US"/>
-        </a:p>
-      </dgm:t>
     </dgm:pt>
     <dgm:pt modelId="{E36649E4-BF60-4D9F-9F9C-387FF1E88161}" type="pres">
       <dgm:prSet presAssocID="{91D649F2-0744-4059-B198-952429E3C499}" presName="FiveNodes_4_text" presStyleLbl="node1" presStyleIdx="4" presStyleCnt="5">
@@ -2516,13 +2329,6 @@
         </dgm:presLayoutVars>
       </dgm:prSet>
       <dgm:spPr/>
-      <dgm:t>
-        <a:bodyPr/>
-        <a:lstStyle/>
-        <a:p>
-          <a:endParaRPr lang="en-US"/>
-        </a:p>
-      </dgm:t>
     </dgm:pt>
     <dgm:pt modelId="{C8AC5CF7-0D90-4018-B533-A2209E449EFE}" type="pres">
       <dgm:prSet presAssocID="{91D649F2-0744-4059-B198-952429E3C499}" presName="FiveNodes_5_text" presStyleLbl="node1" presStyleIdx="4" presStyleCnt="5">
@@ -2531,36 +2337,29 @@
         </dgm:presLayoutVars>
       </dgm:prSet>
       <dgm:spPr/>
-      <dgm:t>
-        <a:bodyPr/>
-        <a:lstStyle/>
-        <a:p>
-          <a:endParaRPr lang="en-US"/>
-        </a:p>
-      </dgm:t>
     </dgm:pt>
   </dgm:ptLst>
   <dgm:cxnLst>
-    <dgm:cxn modelId="{2C82DC64-0DD0-4FD1-B169-C7144A3B7541}" type="presOf" srcId="{96A62B56-E476-4373-9C1A-7769A9F1D563}" destId="{39D949BD-A995-445C-8CB8-7595001D627E}" srcOrd="0" destOrd="0" presId="urn:microsoft.com/office/officeart/2005/8/layout/vProcess5"/>
-    <dgm:cxn modelId="{A357AF6A-C1B2-40C8-8F48-A2B6E37188E9}" srcId="{91D649F2-0744-4059-B198-952429E3C499}" destId="{5A3F9EE3-297F-41BC-ACD6-E5DB23B07609}" srcOrd="3" destOrd="0" parTransId="{8BD07561-5371-43D6-854D-46F3F061CE4E}" sibTransId="{A54CCC0E-A473-4F21-9603-FC9E1109E881}"/>
-    <dgm:cxn modelId="{8A300848-3FCF-4562-A86C-0835740CC00C}" type="presOf" srcId="{A54CCC0E-A473-4F21-9603-FC9E1109E881}" destId="{10902763-47D0-41B1-8E12-77ABA91D9B3F}" srcOrd="0" destOrd="0" presId="urn:microsoft.com/office/officeart/2005/8/layout/vProcess5"/>
-    <dgm:cxn modelId="{E850ECFB-F5FD-4F90-B99A-C47020A01453}" type="presOf" srcId="{E28F3113-C101-4A83-AA11-7A6880E73C7B}" destId="{BFFD6550-729C-47DD-9AFD-89BC7949E632}" srcOrd="0" destOrd="0" presId="urn:microsoft.com/office/officeart/2005/8/layout/vProcess5"/>
-    <dgm:cxn modelId="{569FD086-FCC4-4FCD-B0AA-89B12DAA3EB6}" srcId="{91D649F2-0744-4059-B198-952429E3C499}" destId="{4D989076-282E-490E-9107-81738BA91F25}" srcOrd="4" destOrd="0" parTransId="{4AC3EFCB-355B-4FAF-AFFC-B6FDA414533A}" sibTransId="{458055A7-E982-48FA-9ADD-8A6960547D2E}"/>
+    <dgm:cxn modelId="{1EE60E20-657D-4F5D-9A53-C92435F93B65}" srcId="{91D649F2-0744-4059-B198-952429E3C499}" destId="{371CCC51-D848-4EF8-8A7B-3D1C1AC3AE0C}" srcOrd="1" destOrd="0" parTransId="{2A9B7D3A-9972-40F6-B837-0CD5805BBD24}" sibTransId="{96A62B56-E476-4373-9C1A-7769A9F1D563}"/>
+    <dgm:cxn modelId="{64DCF423-0028-454B-BA52-4BFDAC32479C}" type="presOf" srcId="{5A3F9EE3-297F-41BC-ACD6-E5DB23B07609}" destId="{0CB4AAAA-7946-4B6A-940E-1587BE73884F}" srcOrd="0" destOrd="0" presId="urn:microsoft.com/office/officeart/2005/8/layout/vProcess5"/>
+    <dgm:cxn modelId="{B7D0D22F-7A9E-4EF3-B197-BAE0BA074316}" type="presOf" srcId="{52B727E9-F6BD-43D8-8ACD-10E9CD0FF205}" destId="{9233E3CB-9C79-4C5B-A426-82B0F773B133}" srcOrd="0" destOrd="0" presId="urn:microsoft.com/office/officeart/2005/8/layout/vProcess5"/>
     <dgm:cxn modelId="{628EBE30-CD68-4716-8860-399538D02B8F}" type="presOf" srcId="{E28F3113-C101-4A83-AA11-7A6880E73C7B}" destId="{8729B9FD-C2B7-4ED4-BCFB-AB44D0CAC3B6}" srcOrd="1" destOrd="0" presId="urn:microsoft.com/office/officeart/2005/8/layout/vProcess5"/>
     <dgm:cxn modelId="{DC099131-04A1-4589-AC4A-1C045AED3081}" type="presOf" srcId="{1FD90E2F-ABBE-4E5C-BD58-D5F6A5587736}" destId="{FD8B7508-3CD5-4A79-9C45-BF0FECA9A6E3}" srcOrd="1" destOrd="0" presId="urn:microsoft.com/office/officeart/2005/8/layout/vProcess5"/>
-    <dgm:cxn modelId="{64DCF423-0028-454B-BA52-4BFDAC32479C}" type="presOf" srcId="{5A3F9EE3-297F-41BC-ACD6-E5DB23B07609}" destId="{0CB4AAAA-7946-4B6A-940E-1587BE73884F}" srcOrd="0" destOrd="0" presId="urn:microsoft.com/office/officeart/2005/8/layout/vProcess5"/>
+    <dgm:cxn modelId="{3898CA5D-1D2C-45D8-BF76-F7070ED91D56}" type="presOf" srcId="{1FD90E2F-ABBE-4E5C-BD58-D5F6A5587736}" destId="{455B54F1-4C92-403C-84B1-773C170D586E}" srcOrd="0" destOrd="0" presId="urn:microsoft.com/office/officeart/2005/8/layout/vProcess5"/>
+    <dgm:cxn modelId="{2B6F0B44-DCE6-49B9-BF38-52070B3AE008}" type="presOf" srcId="{91D649F2-0744-4059-B198-952429E3C499}" destId="{35B73DE4-079E-4B4A-8E4D-7E0381A55C35}" srcOrd="0" destOrd="0" presId="urn:microsoft.com/office/officeart/2005/8/layout/vProcess5"/>
+    <dgm:cxn modelId="{2C82DC64-0DD0-4FD1-B169-C7144A3B7541}" type="presOf" srcId="{96A62B56-E476-4373-9C1A-7769A9F1D563}" destId="{39D949BD-A995-445C-8CB8-7595001D627E}" srcOrd="0" destOrd="0" presId="urn:microsoft.com/office/officeart/2005/8/layout/vProcess5"/>
+    <dgm:cxn modelId="{8A300848-3FCF-4562-A86C-0835740CC00C}" type="presOf" srcId="{A54CCC0E-A473-4F21-9603-FC9E1109E881}" destId="{10902763-47D0-41B1-8E12-77ABA91D9B3F}" srcOrd="0" destOrd="0" presId="urn:microsoft.com/office/officeart/2005/8/layout/vProcess5"/>
+    <dgm:cxn modelId="{A357AF6A-C1B2-40C8-8F48-A2B6E37188E9}" srcId="{91D649F2-0744-4059-B198-952429E3C499}" destId="{5A3F9EE3-297F-41BC-ACD6-E5DB23B07609}" srcOrd="3" destOrd="0" parTransId="{8BD07561-5371-43D6-854D-46F3F061CE4E}" sibTransId="{A54CCC0E-A473-4F21-9603-FC9E1109E881}"/>
+    <dgm:cxn modelId="{0DEAE06F-C7C3-4A60-B084-C192FC75302C}" srcId="{91D649F2-0744-4059-B198-952429E3C499}" destId="{1FD90E2F-ABBE-4E5C-BD58-D5F6A5587736}" srcOrd="0" destOrd="0" parTransId="{4B422E98-EF15-4B60-B9B6-0360BD5D250C}" sibTransId="{16A9E1D1-4F22-4EAB-B415-F608EA5CA39E}"/>
+    <dgm:cxn modelId="{5FA6067C-7B99-4BD0-B31D-98D7E700B148}" type="presOf" srcId="{371CCC51-D848-4EF8-8A7B-3D1C1AC3AE0C}" destId="{D64E19B1-F225-4A93-B512-06896EF48871}" srcOrd="0" destOrd="0" presId="urn:microsoft.com/office/officeart/2005/8/layout/vProcess5"/>
+    <dgm:cxn modelId="{E2D8DF85-8AFA-4152-A307-516F6C875A01}" type="presOf" srcId="{4D989076-282E-490E-9107-81738BA91F25}" destId="{C8AC5CF7-0D90-4018-B533-A2209E449EFE}" srcOrd="1" destOrd="0" presId="urn:microsoft.com/office/officeart/2005/8/layout/vProcess5"/>
+    <dgm:cxn modelId="{569FD086-FCC4-4FCD-B0AA-89B12DAA3EB6}" srcId="{91D649F2-0744-4059-B198-952429E3C499}" destId="{4D989076-282E-490E-9107-81738BA91F25}" srcOrd="4" destOrd="0" parTransId="{4AC3EFCB-355B-4FAF-AFFC-B6FDA414533A}" sibTransId="{458055A7-E982-48FA-9ADD-8A6960547D2E}"/>
+    <dgm:cxn modelId="{BB8081A4-FB00-430A-801E-0BE4A39B2ACD}" type="presOf" srcId="{5A3F9EE3-297F-41BC-ACD6-E5DB23B07609}" destId="{E36649E4-BF60-4D9F-9F9C-387FF1E88161}" srcOrd="1" destOrd="0" presId="urn:microsoft.com/office/officeart/2005/8/layout/vProcess5"/>
     <dgm:cxn modelId="{9913C3B2-88B1-4817-8A86-78E7AFC5E004}" type="presOf" srcId="{4D989076-282E-490E-9107-81738BA91F25}" destId="{9686F47A-C1F9-4E47-A0C6-3B1428C816E8}" srcOrd="0" destOrd="0" presId="urn:microsoft.com/office/officeart/2005/8/layout/vProcess5"/>
-    <dgm:cxn modelId="{5FA6067C-7B99-4BD0-B31D-98D7E700B148}" type="presOf" srcId="{371CCC51-D848-4EF8-8A7B-3D1C1AC3AE0C}" destId="{D64E19B1-F225-4A93-B512-06896EF48871}" srcOrd="0" destOrd="0" presId="urn:microsoft.com/office/officeart/2005/8/layout/vProcess5"/>
-    <dgm:cxn modelId="{2B6F0B44-DCE6-49B9-BF38-52070B3AE008}" type="presOf" srcId="{91D649F2-0744-4059-B198-952429E3C499}" destId="{35B73DE4-079E-4B4A-8E4D-7E0381A55C35}" srcOrd="0" destOrd="0" presId="urn:microsoft.com/office/officeart/2005/8/layout/vProcess5"/>
-    <dgm:cxn modelId="{3898CA5D-1D2C-45D8-BF76-F7070ED91D56}" type="presOf" srcId="{1FD90E2F-ABBE-4E5C-BD58-D5F6A5587736}" destId="{455B54F1-4C92-403C-84B1-773C170D586E}" srcOrd="0" destOrd="0" presId="urn:microsoft.com/office/officeart/2005/8/layout/vProcess5"/>
-    <dgm:cxn modelId="{0DEAE06F-C7C3-4A60-B084-C192FC75302C}" srcId="{91D649F2-0744-4059-B198-952429E3C499}" destId="{1FD90E2F-ABBE-4E5C-BD58-D5F6A5587736}" srcOrd="0" destOrd="0" parTransId="{4B422E98-EF15-4B60-B9B6-0360BD5D250C}" sibTransId="{16A9E1D1-4F22-4EAB-B415-F608EA5CA39E}"/>
-    <dgm:cxn modelId="{B7D0D22F-7A9E-4EF3-B197-BAE0BA074316}" type="presOf" srcId="{52B727E9-F6BD-43D8-8ACD-10E9CD0FF205}" destId="{9233E3CB-9C79-4C5B-A426-82B0F773B133}" srcOrd="0" destOrd="0" presId="urn:microsoft.com/office/officeart/2005/8/layout/vProcess5"/>
-    <dgm:cxn modelId="{E2D8DF85-8AFA-4152-A307-516F6C875A01}" type="presOf" srcId="{4D989076-282E-490E-9107-81738BA91F25}" destId="{C8AC5CF7-0D90-4018-B533-A2209E449EFE}" srcOrd="1" destOrd="0" presId="urn:microsoft.com/office/officeart/2005/8/layout/vProcess5"/>
+    <dgm:cxn modelId="{F5164FDC-2BEF-4195-8D1E-F7A12B9BFEE8}" type="presOf" srcId="{16A9E1D1-4F22-4EAB-B415-F608EA5CA39E}" destId="{291E1AD9-098C-40A2-BFD6-A279D3B4286E}" srcOrd="0" destOrd="0" presId="urn:microsoft.com/office/officeart/2005/8/layout/vProcess5"/>
     <dgm:cxn modelId="{BF2D17E3-F2A2-4F51-8D4F-E606D743FC38}" type="presOf" srcId="{371CCC51-D848-4EF8-8A7B-3D1C1AC3AE0C}" destId="{F91A93BB-8EA2-42A3-8EEE-2008F4C35A1E}" srcOrd="1" destOrd="0" presId="urn:microsoft.com/office/officeart/2005/8/layout/vProcess5"/>
-    <dgm:cxn modelId="{1EE60E20-657D-4F5D-9A53-C92435F93B65}" srcId="{91D649F2-0744-4059-B198-952429E3C499}" destId="{371CCC51-D848-4EF8-8A7B-3D1C1AC3AE0C}" srcOrd="1" destOrd="0" parTransId="{2A9B7D3A-9972-40F6-B837-0CD5805BBD24}" sibTransId="{96A62B56-E476-4373-9C1A-7769A9F1D563}"/>
-    <dgm:cxn modelId="{F5164FDC-2BEF-4195-8D1E-F7A12B9BFEE8}" type="presOf" srcId="{16A9E1D1-4F22-4EAB-B415-F608EA5CA39E}" destId="{291E1AD9-098C-40A2-BFD6-A279D3B4286E}" srcOrd="0" destOrd="0" presId="urn:microsoft.com/office/officeart/2005/8/layout/vProcess5"/>
-    <dgm:cxn modelId="{BB8081A4-FB00-430A-801E-0BE4A39B2ACD}" type="presOf" srcId="{5A3F9EE3-297F-41BC-ACD6-E5DB23B07609}" destId="{E36649E4-BF60-4D9F-9F9C-387FF1E88161}" srcOrd="1" destOrd="0" presId="urn:microsoft.com/office/officeart/2005/8/layout/vProcess5"/>
     <dgm:cxn modelId="{AA147DEF-0370-4D80-AC2D-39170AF61AA1}" srcId="{91D649F2-0744-4059-B198-952429E3C499}" destId="{E28F3113-C101-4A83-AA11-7A6880E73C7B}" srcOrd="2" destOrd="0" parTransId="{FDED3FE7-8BA7-4A4C-BC2E-9C873A1502E2}" sibTransId="{52B727E9-F6BD-43D8-8ACD-10E9CD0FF205}"/>
+    <dgm:cxn modelId="{E850ECFB-F5FD-4F90-B99A-C47020A01453}" type="presOf" srcId="{E28F3113-C101-4A83-AA11-7A6880E73C7B}" destId="{BFFD6550-729C-47DD-9AFD-89BC7949E632}" srcOrd="0" destOrd="0" presId="urn:microsoft.com/office/officeart/2005/8/layout/vProcess5"/>
     <dgm:cxn modelId="{159CBA1A-119E-4091-93ED-C6506D06C659}" type="presParOf" srcId="{35B73DE4-079E-4B4A-8E4D-7E0381A55C35}" destId="{7A684C9B-A86F-4B91-8AF2-3A6609C793FF}" srcOrd="0" destOrd="0" presId="urn:microsoft.com/office/officeart/2005/8/layout/vProcess5"/>
     <dgm:cxn modelId="{19802D7F-C1AF-428C-8703-583508D7C4EE}" type="presParOf" srcId="{35B73DE4-079E-4B4A-8E4D-7E0381A55C35}" destId="{455B54F1-4C92-403C-84B1-773C170D586E}" srcOrd="1" destOrd="0" presId="urn:microsoft.com/office/officeart/2005/8/layout/vProcess5"/>
     <dgm:cxn modelId="{CF3A5401-D737-492B-A650-7BBBFEB75D9F}" type="presParOf" srcId="{35B73DE4-079E-4B4A-8E4D-7E0381A55C35}" destId="{D64E19B1-F225-4A93-B512-06896EF48871}" srcOrd="2" destOrd="0" presId="urn:microsoft.com/office/officeart/2005/8/layout/vProcess5"/>
@@ -2651,7 +2450,7 @@
         </a:bodyPr>
         <a:lstStyle/>
         <a:p>
-          <a:pPr lvl="0" algn="l" defTabSz="1244600">
+          <a:pPr marL="0" lvl="0" indent="0" algn="l" defTabSz="1244600">
             <a:lnSpc>
               <a:spcPct val="90000"/>
             </a:lnSpc>
@@ -2661,9 +2460,10 @@
             <a:spcAft>
               <a:spcPct val="35000"/>
             </a:spcAft>
+            <a:buNone/>
           </a:pPr>
           <a:r>
-            <a:rPr lang="en-US" sz="2800" kern="1200" smtClean="0"/>
+            <a:rPr lang="en-US" sz="2800" kern="1200"/>
             <a:t>Introduction</a:t>
           </a:r>
           <a:endParaRPr lang="en-US" sz="2800" kern="1200" dirty="0"/>
@@ -2730,7 +2530,7 @@
         </a:bodyPr>
         <a:lstStyle/>
         <a:p>
-          <a:pPr lvl="0" algn="l" defTabSz="1244600">
+          <a:pPr marL="0" lvl="0" indent="0" algn="l" defTabSz="1244600">
             <a:lnSpc>
               <a:spcPct val="90000"/>
             </a:lnSpc>
@@ -2740,12 +2540,12 @@
             <a:spcAft>
               <a:spcPct val="35000"/>
             </a:spcAft>
+            <a:buNone/>
           </a:pPr>
           <a:r>
-            <a:rPr lang="en-US" sz="2800" kern="1200" dirty="0" smtClean="0"/>
+            <a:rPr lang="en-US" sz="2800" kern="1200" dirty="0"/>
             <a:t>Variable &amp; Data Types</a:t>
           </a:r>
-          <a:endParaRPr lang="en-US" sz="2800" kern="1200" dirty="0"/>
         </a:p>
       </dsp:txBody>
       <dsp:txXfrm>
@@ -2809,7 +2609,7 @@
         </a:bodyPr>
         <a:lstStyle/>
         <a:p>
-          <a:pPr lvl="0" algn="l" defTabSz="1244600">
+          <a:pPr marL="0" lvl="0" indent="0" algn="l" defTabSz="1244600">
             <a:lnSpc>
               <a:spcPct val="90000"/>
             </a:lnSpc>
@@ -2819,12 +2619,12 @@
             <a:spcAft>
               <a:spcPct val="35000"/>
             </a:spcAft>
+            <a:buNone/>
           </a:pPr>
           <a:r>
-            <a:rPr lang="en-US" sz="2800" kern="1200" dirty="0" smtClean="0"/>
+            <a:rPr lang="en-US" sz="2800" kern="1200" dirty="0"/>
             <a:t>Operators</a:t>
           </a:r>
-          <a:endParaRPr lang="en-US" sz="2800" kern="1200" dirty="0"/>
         </a:p>
       </dsp:txBody>
       <dsp:txXfrm>
@@ -2888,7 +2688,7 @@
         </a:bodyPr>
         <a:lstStyle/>
         <a:p>
-          <a:pPr lvl="0" algn="l" defTabSz="1244600">
+          <a:pPr marL="0" lvl="0" indent="0" algn="l" defTabSz="1244600">
             <a:lnSpc>
               <a:spcPct val="90000"/>
             </a:lnSpc>
@@ -2898,12 +2698,12 @@
             <a:spcAft>
               <a:spcPct val="35000"/>
             </a:spcAft>
+            <a:buNone/>
           </a:pPr>
           <a:r>
-            <a:rPr lang="en-US" sz="2800" kern="1200" dirty="0" smtClean="0"/>
+            <a:rPr lang="en-US" sz="2800" kern="1200" dirty="0"/>
             <a:t>Statements</a:t>
           </a:r>
-          <a:endParaRPr lang="en-US" sz="2800" kern="1200" dirty="0"/>
         </a:p>
       </dsp:txBody>
       <dsp:txXfrm>
@@ -2967,7 +2767,7 @@
         </a:bodyPr>
         <a:lstStyle/>
         <a:p>
-          <a:pPr lvl="0" algn="l" defTabSz="1244600">
+          <a:pPr marL="0" lvl="0" indent="0" algn="l" defTabSz="1244600">
             <a:lnSpc>
               <a:spcPct val="90000"/>
             </a:lnSpc>
@@ -2977,9 +2777,10 @@
             <a:spcAft>
               <a:spcPct val="35000"/>
             </a:spcAft>
+            <a:buNone/>
           </a:pPr>
           <a:r>
-            <a:rPr lang="en-US" sz="2800" kern="1200" dirty="0" smtClean="0"/>
+            <a:rPr lang="en-US" sz="2800" kern="1200" dirty="0"/>
             <a:t>Object</a:t>
           </a:r>
         </a:p>
@@ -3048,7 +2849,7 @@
         </a:bodyPr>
         <a:lstStyle/>
         <a:p>
-          <a:pPr lvl="0" algn="ctr" defTabSz="933450">
+          <a:pPr marL="0" lvl="0" indent="0" algn="ctr" defTabSz="933450">
             <a:lnSpc>
               <a:spcPct val="90000"/>
             </a:lnSpc>
@@ -3058,6 +2859,7 @@
             <a:spcAft>
               <a:spcPct val="35000"/>
             </a:spcAft>
+            <a:buNone/>
           </a:pPr>
           <a:endParaRPr lang="en-US" sz="2100" kern="1200"/>
         </a:p>
@@ -3126,7 +2928,7 @@
         </a:bodyPr>
         <a:lstStyle/>
         <a:p>
-          <a:pPr lvl="0" algn="ctr" defTabSz="933450">
+          <a:pPr marL="0" lvl="0" indent="0" algn="ctr" defTabSz="933450">
             <a:lnSpc>
               <a:spcPct val="90000"/>
             </a:lnSpc>
@@ -3136,6 +2938,7 @@
             <a:spcAft>
               <a:spcPct val="35000"/>
             </a:spcAft>
+            <a:buNone/>
           </a:pPr>
           <a:endParaRPr lang="en-US" sz="2100" kern="1200"/>
         </a:p>
@@ -3204,7 +3007,7 @@
         </a:bodyPr>
         <a:lstStyle/>
         <a:p>
-          <a:pPr lvl="0" algn="ctr" defTabSz="933450">
+          <a:pPr marL="0" lvl="0" indent="0" algn="ctr" defTabSz="933450">
             <a:lnSpc>
               <a:spcPct val="90000"/>
             </a:lnSpc>
@@ -3214,6 +3017,7 @@
             <a:spcAft>
               <a:spcPct val="35000"/>
             </a:spcAft>
+            <a:buNone/>
           </a:pPr>
           <a:endParaRPr lang="en-US" sz="2100" kern="1200"/>
         </a:p>
@@ -3282,7 +3086,7 @@
         </a:bodyPr>
         <a:lstStyle/>
         <a:p>
-          <a:pPr lvl="0" algn="ctr" defTabSz="933450">
+          <a:pPr marL="0" lvl="0" indent="0" algn="ctr" defTabSz="933450">
             <a:lnSpc>
               <a:spcPct val="90000"/>
             </a:lnSpc>
@@ -3292,6 +3096,7 @@
             <a:spcAft>
               <a:spcPct val="35000"/>
             </a:spcAft>
+            <a:buNone/>
           </a:pPr>
           <a:endParaRPr lang="en-US" sz="2100" kern="1200"/>
         </a:p>
@@ -3369,7 +3174,7 @@
         </a:bodyPr>
         <a:lstStyle/>
         <a:p>
-          <a:pPr lvl="0" algn="l" defTabSz="1377950">
+          <a:pPr marL="0" lvl="0" indent="0" algn="l" defTabSz="1377950">
             <a:lnSpc>
               <a:spcPct val="90000"/>
             </a:lnSpc>
@@ -3379,12 +3184,12 @@
             <a:spcAft>
               <a:spcPct val="35000"/>
             </a:spcAft>
+            <a:buNone/>
           </a:pPr>
           <a:r>
-            <a:rPr lang="en-US" sz="3100" kern="1200" dirty="0" smtClean="0"/>
+            <a:rPr lang="en-US" sz="3100" kern="1200" dirty="0"/>
             <a:t>Array</a:t>
           </a:r>
-          <a:endParaRPr lang="en-US" sz="3100" kern="1200" dirty="0"/>
         </a:p>
       </dsp:txBody>
       <dsp:txXfrm>
@@ -3448,7 +3253,7 @@
         </a:bodyPr>
         <a:lstStyle/>
         <a:p>
-          <a:pPr lvl="0" algn="l" defTabSz="1377950">
+          <a:pPr marL="0" lvl="0" indent="0" algn="l" defTabSz="1377950">
             <a:lnSpc>
               <a:spcPct val="90000"/>
             </a:lnSpc>
@@ -3458,12 +3263,12 @@
             <a:spcAft>
               <a:spcPct val="35000"/>
             </a:spcAft>
+            <a:buNone/>
           </a:pPr>
           <a:r>
-            <a:rPr lang="en-US" sz="3100" kern="1200" dirty="0" smtClean="0"/>
+            <a:rPr lang="en-US" sz="3100" kern="1200" dirty="0"/>
             <a:t>Function</a:t>
           </a:r>
-          <a:endParaRPr lang="en-US" sz="3100" kern="1200" dirty="0"/>
         </a:p>
       </dsp:txBody>
       <dsp:txXfrm>
@@ -3527,7 +3332,7 @@
         </a:bodyPr>
         <a:lstStyle/>
         <a:p>
-          <a:pPr lvl="0" algn="l" defTabSz="1377950">
+          <a:pPr marL="0" lvl="0" indent="0" algn="l" defTabSz="1377950">
             <a:lnSpc>
               <a:spcPct val="90000"/>
             </a:lnSpc>
@@ -3537,12 +3342,12 @@
             <a:spcAft>
               <a:spcPct val="35000"/>
             </a:spcAft>
+            <a:buNone/>
           </a:pPr>
           <a:r>
-            <a:rPr lang="en-US" sz="3100" kern="1200" dirty="0" smtClean="0"/>
+            <a:rPr lang="en-US" sz="3100" kern="1200" dirty="0"/>
             <a:t>Class</a:t>
           </a:r>
-          <a:endParaRPr lang="en-US" sz="3100" kern="1200" dirty="0"/>
         </a:p>
       </dsp:txBody>
       <dsp:txXfrm>
@@ -3606,7 +3411,7 @@
         </a:bodyPr>
         <a:lstStyle/>
         <a:p>
-          <a:pPr lvl="0" algn="l" defTabSz="1377950">
+          <a:pPr marL="0" lvl="0" indent="0" algn="l" defTabSz="1377950">
             <a:lnSpc>
               <a:spcPct val="90000"/>
             </a:lnSpc>
@@ -3616,12 +3421,12 @@
             <a:spcAft>
               <a:spcPct val="35000"/>
             </a:spcAft>
+            <a:buNone/>
           </a:pPr>
           <a:r>
-            <a:rPr lang="en-US" sz="3100" kern="1200" dirty="0" smtClean="0"/>
+            <a:rPr lang="en-US" sz="3100" kern="1200" dirty="0"/>
             <a:t>OOP</a:t>
           </a:r>
-          <a:endParaRPr lang="en-US" sz="3100" kern="1200" dirty="0"/>
         </a:p>
       </dsp:txBody>
       <dsp:txXfrm>
@@ -3685,7 +3490,7 @@
         </a:bodyPr>
         <a:lstStyle/>
         <a:p>
-          <a:pPr lvl="0" algn="l" defTabSz="1377950">
+          <a:pPr marL="0" lvl="0" indent="0" algn="l" defTabSz="1377950">
             <a:lnSpc>
               <a:spcPct val="90000"/>
             </a:lnSpc>
@@ -3695,9 +3500,10 @@
             <a:spcAft>
               <a:spcPct val="35000"/>
             </a:spcAft>
+            <a:buNone/>
           </a:pPr>
           <a:r>
-            <a:rPr lang="en-US" sz="3100" kern="1200" dirty="0" smtClean="0"/>
+            <a:rPr lang="en-US" sz="3100" kern="1200" dirty="0"/>
             <a:t>Algorithm</a:t>
           </a:r>
         </a:p>
@@ -3766,7 +3572,7 @@
         </a:bodyPr>
         <a:lstStyle/>
         <a:p>
-          <a:pPr lvl="0" algn="ctr" defTabSz="933450">
+          <a:pPr marL="0" lvl="0" indent="0" algn="ctr" defTabSz="933450">
             <a:lnSpc>
               <a:spcPct val="90000"/>
             </a:lnSpc>
@@ -3776,6 +3582,7 @@
             <a:spcAft>
               <a:spcPct val="35000"/>
             </a:spcAft>
+            <a:buNone/>
           </a:pPr>
           <a:endParaRPr lang="en-US" sz="2100" kern="1200"/>
         </a:p>
@@ -3844,7 +3651,7 @@
         </a:bodyPr>
         <a:lstStyle/>
         <a:p>
-          <a:pPr lvl="0" algn="ctr" defTabSz="933450">
+          <a:pPr marL="0" lvl="0" indent="0" algn="ctr" defTabSz="933450">
             <a:lnSpc>
               <a:spcPct val="90000"/>
             </a:lnSpc>
@@ -3854,6 +3661,7 @@
             <a:spcAft>
               <a:spcPct val="35000"/>
             </a:spcAft>
+            <a:buNone/>
           </a:pPr>
           <a:endParaRPr lang="en-US" sz="2100" kern="1200"/>
         </a:p>
@@ -3922,7 +3730,7 @@
         </a:bodyPr>
         <a:lstStyle/>
         <a:p>
-          <a:pPr lvl="0" algn="ctr" defTabSz="933450">
+          <a:pPr marL="0" lvl="0" indent="0" algn="ctr" defTabSz="933450">
             <a:lnSpc>
               <a:spcPct val="90000"/>
             </a:lnSpc>
@@ -3932,6 +3740,7 @@
             <a:spcAft>
               <a:spcPct val="35000"/>
             </a:spcAft>
+            <a:buNone/>
           </a:pPr>
           <a:endParaRPr lang="en-US" sz="2100" kern="1200"/>
         </a:p>
@@ -4000,7 +3809,7 @@
         </a:bodyPr>
         <a:lstStyle/>
         <a:p>
-          <a:pPr lvl="0" algn="ctr" defTabSz="933450">
+          <a:pPr marL="0" lvl="0" indent="0" algn="ctr" defTabSz="933450">
             <a:lnSpc>
               <a:spcPct val="90000"/>
             </a:lnSpc>
@@ -4010,6 +3819,7 @@
             <a:spcAft>
               <a:spcPct val="35000"/>
             </a:spcAft>
+            <a:buNone/>
           </a:pPr>
           <a:endParaRPr lang="en-US" sz="2100" kern="1200"/>
         </a:p>
@@ -8941,7 +8751,7 @@
           </a:lstStyle>
           <a:p>
             <a:r>
-              <a:rPr lang="en-US" smtClean="0"/>
+              <a:rPr lang="en-US"/>
               <a:t>Click to edit Master subtitle style</a:t>
             </a:r>
             <a:endParaRPr lang="en-US" dirty="0"/>
@@ -8966,7 +8776,7 @@
             <a:fld id="{1D8BD707-D9CF-40AE-B4C6-C98DA3205C09}" type="datetimeFigureOut">
               <a:rPr lang="en-US" smtClean="0"/>
               <a:pPr/>
-              <a:t>10/9/2022</a:t>
+              <a:t>10/23/2022</a:t>
             </a:fld>
             <a:endParaRPr lang="en-US"/>
           </a:p>
@@ -9043,7 +8853,7 @@
           </a:lstStyle>
           <a:p>
             <a:r>
-              <a:rPr lang="en-US" smtClean="0"/>
+              <a:rPr lang="en-US"/>
               <a:t>Click to edit Master title style</a:t>
             </a:r>
             <a:endParaRPr lang="en-US" dirty="0"/>
@@ -9055,13 +8865,6 @@
   <p:clrMapOvr>
     <a:masterClrMapping/>
   </p:clrMapOvr>
-  <p:timing>
-    <p:tnLst>
-      <p:par>
-        <p:cTn id="1" dur="indefinite" restart="never" nodeType="tmRoot"/>
-      </p:par>
-    </p:tnLst>
-  </p:timing>
 </p:sldLayout>
 </file>
 
@@ -9098,10 +8901,9 @@
           <a:lstStyle/>
           <a:p>
             <a:r>
-              <a:rPr lang="en-US" smtClean="0"/>
+              <a:rPr lang="en-US"/>
               <a:t>Click to edit Master title style</a:t>
             </a:r>
-            <a:endParaRPr lang="en-US"/>
           </a:p>
         </p:txBody>
       </p:sp>
@@ -9127,38 +8929,37 @@
           <a:p>
             <a:pPr lvl="0"/>
             <a:r>
-              <a:rPr lang="en-US" smtClean="0"/>
+              <a:rPr lang="en-US"/>
               <a:t>Click to edit Master text styles</a:t>
             </a:r>
           </a:p>
           <a:p>
             <a:pPr lvl="1"/>
             <a:r>
-              <a:rPr lang="en-US" smtClean="0"/>
+              <a:rPr lang="en-US"/>
               <a:t>Second level</a:t>
             </a:r>
           </a:p>
           <a:p>
             <a:pPr lvl="2"/>
             <a:r>
-              <a:rPr lang="en-US" smtClean="0"/>
+              <a:rPr lang="en-US"/>
               <a:t>Third level</a:t>
             </a:r>
           </a:p>
           <a:p>
             <a:pPr lvl="3"/>
             <a:r>
-              <a:rPr lang="en-US" smtClean="0"/>
+              <a:rPr lang="en-US"/>
               <a:t>Fourth level</a:t>
             </a:r>
           </a:p>
           <a:p>
             <a:pPr lvl="4"/>
             <a:r>
-              <a:rPr lang="en-US" smtClean="0"/>
+              <a:rPr lang="en-US"/>
               <a:t>Fifth level</a:t>
             </a:r>
-            <a:endParaRPr lang="en-US"/>
           </a:p>
         </p:txBody>
       </p:sp>
@@ -9180,7 +8981,7 @@
             <a:fld id="{1D8BD707-D9CF-40AE-B4C6-C98DA3205C09}" type="datetimeFigureOut">
               <a:rPr lang="en-US" smtClean="0"/>
               <a:pPr/>
-              <a:t>10/9/2022</a:t>
+              <a:t>10/23/2022</a:t>
             </a:fld>
             <a:endParaRPr lang="en-US"/>
           </a:p>
@@ -9234,13 +9035,6 @@
   <p:clrMapOvr>
     <a:masterClrMapping/>
   </p:clrMapOvr>
-  <p:timing>
-    <p:tnLst>
-      <p:par>
-        <p:cTn id="1" dur="indefinite" restart="never" nodeType="tmRoot"/>
-      </p:par>
-    </p:tnLst>
-  </p:timing>
 </p:sldLayout>
 </file>
 
@@ -9287,10 +9081,9 @@
           </a:lstStyle>
           <a:p>
             <a:r>
-              <a:rPr lang="en-US" smtClean="0"/>
+              <a:rPr lang="en-US"/>
               <a:t>Click to edit Master title style</a:t>
             </a:r>
-            <a:endParaRPr lang="en-US"/>
           </a:p>
         </p:txBody>
       </p:sp>
@@ -9316,35 +9109,35 @@
           <a:p>
             <a:pPr lvl="0"/>
             <a:r>
-              <a:rPr lang="en-US" smtClean="0"/>
+              <a:rPr lang="en-US"/>
               <a:t>Click to edit Master text styles</a:t>
             </a:r>
           </a:p>
           <a:p>
             <a:pPr lvl="1"/>
             <a:r>
-              <a:rPr lang="en-US" smtClean="0"/>
+              <a:rPr lang="en-US"/>
               <a:t>Second level</a:t>
             </a:r>
           </a:p>
           <a:p>
             <a:pPr lvl="2"/>
             <a:r>
-              <a:rPr lang="en-US" smtClean="0"/>
+              <a:rPr lang="en-US"/>
               <a:t>Third level</a:t>
             </a:r>
           </a:p>
           <a:p>
             <a:pPr lvl="3"/>
             <a:r>
-              <a:rPr lang="en-US" smtClean="0"/>
+              <a:rPr lang="en-US"/>
               <a:t>Fourth level</a:t>
             </a:r>
           </a:p>
           <a:p>
             <a:pPr lvl="4"/>
             <a:r>
-              <a:rPr lang="en-US" smtClean="0"/>
+              <a:rPr lang="en-US"/>
               <a:t>Fifth level</a:t>
             </a:r>
             <a:endParaRPr lang="en-US" dirty="0"/>
@@ -9369,7 +9162,7 @@
             <a:fld id="{1D8BD707-D9CF-40AE-B4C6-C98DA3205C09}" type="datetimeFigureOut">
               <a:rPr lang="en-US" smtClean="0"/>
               <a:pPr/>
-              <a:t>10/9/2022</a:t>
+              <a:t>10/23/2022</a:t>
             </a:fld>
             <a:endParaRPr lang="en-US"/>
           </a:p>
@@ -9423,13 +9216,6 @@
   <p:clrMapOvr>
     <a:masterClrMapping/>
   </p:clrMapOvr>
-  <p:timing>
-    <p:tnLst>
-      <p:par>
-        <p:cTn id="1" dur="indefinite" restart="never" nodeType="tmRoot"/>
-      </p:par>
-    </p:tnLst>
-  </p:timing>
 </p:sldLayout>
 </file>
 
@@ -9468,7 +9254,7 @@
             <a:fld id="{1D8BD707-D9CF-40AE-B4C6-C98DA3205C09}" type="datetimeFigureOut">
               <a:rPr lang="en-US" smtClean="0"/>
               <a:pPr/>
-              <a:t>10/9/2022</a:t>
+              <a:t>10/23/2022</a:t>
             </a:fld>
             <a:endParaRPr lang="en-US"/>
           </a:p>
@@ -9533,10 +9319,9 @@
           <a:lstStyle/>
           <a:p>
             <a:r>
-              <a:rPr lang="en-US" smtClean="0"/>
+              <a:rPr lang="en-US"/>
               <a:t>Click to edit Master title style</a:t>
             </a:r>
-            <a:endParaRPr lang="en-US"/>
           </a:p>
         </p:txBody>
       </p:sp>
@@ -9562,35 +9347,35 @@
           <a:p>
             <a:pPr lvl="0"/>
             <a:r>
-              <a:rPr lang="en-US" smtClean="0"/>
+              <a:rPr lang="en-US"/>
               <a:t>Click to edit Master text styles</a:t>
             </a:r>
           </a:p>
           <a:p>
             <a:pPr lvl="1"/>
             <a:r>
-              <a:rPr lang="en-US" smtClean="0"/>
+              <a:rPr lang="en-US"/>
               <a:t>Second level</a:t>
             </a:r>
           </a:p>
           <a:p>
             <a:pPr lvl="2"/>
             <a:r>
-              <a:rPr lang="en-US" smtClean="0"/>
+              <a:rPr lang="en-US"/>
               <a:t>Third level</a:t>
             </a:r>
           </a:p>
           <a:p>
             <a:pPr lvl="3"/>
             <a:r>
-              <a:rPr lang="en-US" smtClean="0"/>
+              <a:rPr lang="en-US"/>
               <a:t>Fourth level</a:t>
             </a:r>
           </a:p>
           <a:p>
             <a:pPr lvl="4"/>
             <a:r>
-              <a:rPr lang="en-US" smtClean="0"/>
+              <a:rPr lang="en-US"/>
               <a:t>Fifth level</a:t>
             </a:r>
             <a:endParaRPr lang="en-US" dirty="0"/>
@@ -9602,13 +9387,6 @@
   <p:clrMapOvr>
     <a:masterClrMapping/>
   </p:clrMapOvr>
-  <p:timing>
-    <p:tnLst>
-      <p:par>
-        <p:cTn id="1" dur="indefinite" restart="never" nodeType="tmRoot"/>
-      </p:par>
-    </p:tnLst>
-  </p:timing>
 </p:sldLayout>
 </file>
 
@@ -9924,7 +9702,7 @@
           </a:lstStyle>
           <a:p>
             <a:r>
-              <a:rPr lang="en-US" smtClean="0"/>
+              <a:rPr lang="en-US"/>
               <a:t>Click to edit Master title style</a:t>
             </a:r>
             <a:endParaRPr lang="en-US" dirty="0"/>
@@ -10042,7 +9820,7 @@
           <a:p>
             <a:pPr lvl="0"/>
             <a:r>
-              <a:rPr lang="en-US" smtClean="0"/>
+              <a:rPr lang="en-US"/>
               <a:t>Click to edit Master text styles</a:t>
             </a:r>
           </a:p>
@@ -10066,7 +9844,7 @@
             <a:fld id="{1D8BD707-D9CF-40AE-B4C6-C98DA3205C09}" type="datetimeFigureOut">
               <a:rPr lang="en-US" smtClean="0"/>
               <a:pPr/>
-              <a:t>10/9/2022</a:t>
+              <a:t>10/23/2022</a:t>
             </a:fld>
             <a:endParaRPr lang="en-US"/>
           </a:p>
@@ -10120,13 +9898,6 @@
   <p:clrMapOvr>
     <a:masterClrMapping/>
   </p:clrMapOvr>
-  <p:timing>
-    <p:tnLst>
-      <p:par>
-        <p:cTn id="1" dur="indefinite" restart="never" nodeType="tmRoot"/>
-      </p:par>
-    </p:tnLst>
-  </p:timing>
 </p:sldLayout>
 </file>
 
@@ -10165,7 +9936,7 @@
             <a:fld id="{1D8BD707-D9CF-40AE-B4C6-C98DA3205C09}" type="datetimeFigureOut">
               <a:rPr lang="en-US" smtClean="0"/>
               <a:pPr/>
-              <a:t>10/9/2022</a:t>
+              <a:t>10/23/2022</a:t>
             </a:fld>
             <a:endParaRPr lang="en-US"/>
           </a:p>
@@ -10230,10 +10001,9 @@
           <a:lstStyle/>
           <a:p>
             <a:r>
-              <a:rPr lang="en-US" smtClean="0"/>
+              <a:rPr lang="en-US"/>
               <a:t>Click to edit Master title style</a:t>
             </a:r>
-            <a:endParaRPr lang="en-US"/>
           </a:p>
         </p:txBody>
       </p:sp>
@@ -10259,38 +10029,37 @@
           <a:p>
             <a:pPr lvl="0"/>
             <a:r>
-              <a:rPr lang="en-US" smtClean="0"/>
+              <a:rPr lang="en-US"/>
               <a:t>Click to edit Master text styles</a:t>
             </a:r>
           </a:p>
           <a:p>
             <a:pPr lvl="1"/>
             <a:r>
-              <a:rPr lang="en-US" smtClean="0"/>
+              <a:rPr lang="en-US"/>
               <a:t>Second level</a:t>
             </a:r>
           </a:p>
           <a:p>
             <a:pPr lvl="2"/>
             <a:r>
-              <a:rPr lang="en-US" smtClean="0"/>
+              <a:rPr lang="en-US"/>
               <a:t>Third level</a:t>
             </a:r>
           </a:p>
           <a:p>
             <a:pPr lvl="3"/>
             <a:r>
-              <a:rPr lang="en-US" smtClean="0"/>
+              <a:rPr lang="en-US"/>
               <a:t>Fourth level</a:t>
             </a:r>
           </a:p>
           <a:p>
             <a:pPr lvl="4"/>
             <a:r>
-              <a:rPr lang="en-US" smtClean="0"/>
+              <a:rPr lang="en-US"/>
               <a:t>Fifth level</a:t>
             </a:r>
-            <a:endParaRPr lang="en-US"/>
           </a:p>
         </p:txBody>
       </p:sp>
@@ -10316,38 +10085,37 @@
           <a:p>
             <a:pPr lvl="0"/>
             <a:r>
-              <a:rPr lang="en-US" smtClean="0"/>
+              <a:rPr lang="en-US"/>
               <a:t>Click to edit Master text styles</a:t>
             </a:r>
           </a:p>
           <a:p>
             <a:pPr lvl="1"/>
             <a:r>
-              <a:rPr lang="en-US" smtClean="0"/>
+              <a:rPr lang="en-US"/>
               <a:t>Second level</a:t>
             </a:r>
           </a:p>
           <a:p>
             <a:pPr lvl="2"/>
             <a:r>
-              <a:rPr lang="en-US" smtClean="0"/>
+              <a:rPr lang="en-US"/>
               <a:t>Third level</a:t>
             </a:r>
           </a:p>
           <a:p>
             <a:pPr lvl="3"/>
             <a:r>
-              <a:rPr lang="en-US" smtClean="0"/>
+              <a:rPr lang="en-US"/>
               <a:t>Fourth level</a:t>
             </a:r>
           </a:p>
           <a:p>
             <a:pPr lvl="4"/>
             <a:r>
-              <a:rPr lang="en-US" smtClean="0"/>
+              <a:rPr lang="en-US"/>
               <a:t>Fifth level</a:t>
             </a:r>
-            <a:endParaRPr lang="en-US"/>
           </a:p>
         </p:txBody>
       </p:sp>
@@ -10356,13 +10124,6 @@
   <p:clrMapOvr>
     <a:masterClrMapping/>
   </p:clrMapOvr>
-  <p:timing>
-    <p:tnLst>
-      <p:par>
-        <p:cTn id="1" dur="indefinite" restart="never" nodeType="tmRoot"/>
-      </p:par>
-    </p:tnLst>
-  </p:timing>
 </p:sldLayout>
 </file>
 
@@ -10468,7 +10229,7 @@
           <a:p>
             <a:pPr lvl="0"/>
             <a:r>
-              <a:rPr lang="en-US" smtClean="0"/>
+              <a:rPr lang="en-US"/>
               <a:t>Click to edit Master text styles</a:t>
             </a:r>
           </a:p>
@@ -10526,35 +10287,35 @@
           <a:p>
             <a:pPr lvl="0"/>
             <a:r>
-              <a:rPr lang="en-US" smtClean="0"/>
+              <a:rPr lang="en-US"/>
               <a:t>Click to edit Master text styles</a:t>
             </a:r>
           </a:p>
           <a:p>
             <a:pPr lvl="1"/>
             <a:r>
-              <a:rPr lang="en-US" smtClean="0"/>
+              <a:rPr lang="en-US"/>
               <a:t>Second level</a:t>
             </a:r>
           </a:p>
           <a:p>
             <a:pPr lvl="2"/>
             <a:r>
-              <a:rPr lang="en-US" smtClean="0"/>
+              <a:rPr lang="en-US"/>
               <a:t>Third level</a:t>
             </a:r>
           </a:p>
           <a:p>
             <a:pPr lvl="3"/>
             <a:r>
-              <a:rPr lang="en-US" smtClean="0"/>
+              <a:rPr lang="en-US"/>
               <a:t>Fourth level</a:t>
             </a:r>
           </a:p>
           <a:p>
             <a:pPr lvl="4"/>
             <a:r>
-              <a:rPr lang="en-US" smtClean="0"/>
+              <a:rPr lang="en-US"/>
               <a:t>Fifth level</a:t>
             </a:r>
             <a:endParaRPr lang="en-US" dirty="0"/>
@@ -10661,7 +10422,7 @@
               <a:buNone/>
             </a:pPr>
             <a:r>
-              <a:rPr lang="en-US" smtClean="0"/>
+              <a:rPr lang="en-US"/>
               <a:t>Click to edit Master text styles</a:t>
             </a:r>
           </a:p>
@@ -10719,35 +10480,35 @@
           <a:p>
             <a:pPr lvl="0"/>
             <a:r>
-              <a:rPr lang="en-US" smtClean="0"/>
+              <a:rPr lang="en-US"/>
               <a:t>Click to edit Master text styles</a:t>
             </a:r>
           </a:p>
           <a:p>
             <a:pPr lvl="1"/>
             <a:r>
-              <a:rPr lang="en-US" smtClean="0"/>
+              <a:rPr lang="en-US"/>
               <a:t>Second level</a:t>
             </a:r>
           </a:p>
           <a:p>
             <a:pPr lvl="2"/>
             <a:r>
-              <a:rPr lang="en-US" smtClean="0"/>
+              <a:rPr lang="en-US"/>
               <a:t>Third level</a:t>
             </a:r>
           </a:p>
           <a:p>
             <a:pPr lvl="3"/>
             <a:r>
-              <a:rPr lang="en-US" smtClean="0"/>
+              <a:rPr lang="en-US"/>
               <a:t>Fourth level</a:t>
             </a:r>
           </a:p>
           <a:p>
             <a:pPr lvl="4"/>
             <a:r>
-              <a:rPr lang="en-US" smtClean="0"/>
+              <a:rPr lang="en-US"/>
               <a:t>Fifth level</a:t>
             </a:r>
             <a:endParaRPr lang="en-US" dirty="0"/>
@@ -10772,7 +10533,7 @@
             <a:fld id="{1D8BD707-D9CF-40AE-B4C6-C98DA3205C09}" type="datetimeFigureOut">
               <a:rPr lang="en-US" smtClean="0"/>
               <a:pPr/>
-              <a:t>10/9/2022</a:t>
+              <a:t>10/23/2022</a:t>
             </a:fld>
             <a:endParaRPr lang="en-US"/>
           </a:p>
@@ -10837,7 +10598,7 @@
           <a:lstStyle/>
           <a:p>
             <a:r>
-              <a:rPr lang="en-US" smtClean="0"/>
+              <a:rPr lang="en-US"/>
               <a:t>Click to edit Master title style</a:t>
             </a:r>
             <a:endParaRPr lang="en-US" dirty="0"/>
@@ -10849,13 +10610,6 @@
   <p:clrMapOvr>
     <a:masterClrMapping/>
   </p:clrMapOvr>
-  <p:timing>
-    <p:tnLst>
-      <p:par>
-        <p:cTn id="1" dur="indefinite" restart="never" nodeType="tmRoot"/>
-      </p:par>
-    </p:tnLst>
-  </p:timing>
 </p:sldLayout>
 </file>
 
@@ -10892,7 +10646,7 @@
           <a:lstStyle/>
           <a:p>
             <a:r>
-              <a:rPr lang="en-US" smtClean="0"/>
+              <a:rPr lang="en-US"/>
               <a:t>Click to edit Master title style</a:t>
             </a:r>
             <a:endParaRPr lang="en-US" dirty="0"/>
@@ -10917,7 +10671,7 @@
             <a:fld id="{1D8BD707-D9CF-40AE-B4C6-C98DA3205C09}" type="datetimeFigureOut">
               <a:rPr lang="en-US" smtClean="0"/>
               <a:pPr/>
-              <a:t>10/9/2022</a:t>
+              <a:t>10/23/2022</a:t>
             </a:fld>
             <a:endParaRPr lang="en-US"/>
           </a:p>
@@ -10971,13 +10725,6 @@
   <p:clrMapOvr>
     <a:masterClrMapping/>
   </p:clrMapOvr>
-  <p:timing>
-    <p:tnLst>
-      <p:par>
-        <p:cTn id="1" dur="indefinite" restart="never" nodeType="tmRoot"/>
-      </p:par>
-    </p:tnLst>
-  </p:timing>
 </p:sldLayout>
 </file>
 
@@ -11016,7 +10763,7 @@
             <a:fld id="{1D8BD707-D9CF-40AE-B4C6-C98DA3205C09}" type="datetimeFigureOut">
               <a:rPr lang="en-US" smtClean="0"/>
               <a:pPr/>
-              <a:t>10/9/2022</a:t>
+              <a:t>10/23/2022</a:t>
             </a:fld>
             <a:endParaRPr lang="en-US"/>
           </a:p>
@@ -11070,13 +10817,6 @@
   <p:clrMapOvr>
     <a:masterClrMapping/>
   </p:clrMapOvr>
-  <p:timing>
-    <p:tnLst>
-      <p:par>
-        <p:cTn id="1" dur="indefinite" restart="never" nodeType="tmRoot"/>
-      </p:par>
-    </p:tnLst>
-  </p:timing>
 </p:sldLayout>
 </file>
 
@@ -11127,7 +10867,7 @@
           </a:lstStyle>
           <a:p>
             <a:r>
-              <a:rPr lang="en-US" smtClean="0"/>
+              <a:rPr lang="en-US"/>
               <a:t>Click to edit Master title style</a:t>
             </a:r>
             <a:endParaRPr lang="en-US" dirty="0"/>
@@ -11184,35 +10924,35 @@
           <a:p>
             <a:pPr lvl="0"/>
             <a:r>
-              <a:rPr lang="en-US" smtClean="0"/>
+              <a:rPr lang="en-US"/>
               <a:t>Click to edit Master text styles</a:t>
             </a:r>
           </a:p>
           <a:p>
             <a:pPr lvl="1"/>
             <a:r>
-              <a:rPr lang="en-US" smtClean="0"/>
+              <a:rPr lang="en-US"/>
               <a:t>Second level</a:t>
             </a:r>
           </a:p>
           <a:p>
             <a:pPr lvl="2"/>
             <a:r>
-              <a:rPr lang="en-US" smtClean="0"/>
+              <a:rPr lang="en-US"/>
               <a:t>Third level</a:t>
             </a:r>
           </a:p>
           <a:p>
             <a:pPr lvl="3"/>
             <a:r>
-              <a:rPr lang="en-US" smtClean="0"/>
+              <a:rPr lang="en-US"/>
               <a:t>Fourth level</a:t>
             </a:r>
           </a:p>
           <a:p>
             <a:pPr lvl="4"/>
             <a:r>
-              <a:rPr lang="en-US" smtClean="0"/>
+              <a:rPr lang="en-US"/>
               <a:t>Fifth level</a:t>
             </a:r>
             <a:endParaRPr lang="en-US" dirty="0"/>
@@ -11278,7 +11018,7 @@
           <a:p>
             <a:pPr lvl="0"/>
             <a:r>
-              <a:rPr lang="en-US" smtClean="0"/>
+              <a:rPr lang="en-US"/>
               <a:t>Click to edit Master text styles</a:t>
             </a:r>
           </a:p>
@@ -11302,7 +11042,7 @@
             <a:fld id="{1D8BD707-D9CF-40AE-B4C6-C98DA3205C09}" type="datetimeFigureOut">
               <a:rPr lang="en-US" smtClean="0"/>
               <a:pPr/>
-              <a:t>10/9/2022</a:t>
+              <a:t>10/23/2022</a:t>
             </a:fld>
             <a:endParaRPr lang="en-US"/>
           </a:p>
@@ -11356,13 +11096,6 @@
   <p:clrMapOvr>
     <a:masterClrMapping/>
   </p:clrMapOvr>
-  <p:timing>
-    <p:tnLst>
-      <p:par>
-        <p:cTn id="1" dur="indefinite" restart="never" nodeType="tmRoot"/>
-      </p:par>
-    </p:tnLst>
-  </p:timing>
 </p:sldLayout>
 </file>
 
@@ -11735,7 +11468,7 @@
           </a:lstStyle>
           <a:p>
             <a:r>
-              <a:rPr lang="en-US" smtClean="0"/>
+              <a:rPr lang="en-US"/>
               <a:t>Click icon to add picture</a:t>
             </a:r>
             <a:endParaRPr lang="en-US" dirty="0"/>
@@ -11802,7 +11535,7 @@
           <a:p>
             <a:pPr lvl="0"/>
             <a:r>
-              <a:rPr lang="en-US" smtClean="0"/>
+              <a:rPr lang="en-US"/>
               <a:t>Click to edit Master text styles</a:t>
             </a:r>
           </a:p>
@@ -11826,7 +11559,7 @@
             <a:fld id="{1D8BD707-D9CF-40AE-B4C6-C98DA3205C09}" type="datetimeFigureOut">
               <a:rPr lang="en-US" smtClean="0"/>
               <a:pPr/>
-              <a:t>10/9/2022</a:t>
+              <a:t>10/23/2022</a:t>
             </a:fld>
             <a:endParaRPr lang="en-US"/>
           </a:p>
@@ -11902,7 +11635,7 @@
           </a:lstStyle>
           <a:p>
             <a:r>
-              <a:rPr lang="en-US" smtClean="0"/>
+              <a:rPr lang="en-US"/>
               <a:t>Click to edit Master title style</a:t>
             </a:r>
             <a:endParaRPr lang="en-US" dirty="0"/>
@@ -11914,13 +11647,6 @@
   <p:clrMapOvr>
     <a:masterClrMapping/>
   </p:clrMapOvr>
-  <p:timing>
-    <p:tnLst>
-      <p:par>
-        <p:cTn id="1" dur="indefinite" restart="never" nodeType="tmRoot"/>
-      </p:par>
-    </p:tnLst>
-  </p:timing>
 </p:sldLayout>
 </file>
 
@@ -12242,7 +11968,7 @@
           <a:lstStyle/>
           <a:p>
             <a:r>
-              <a:rPr lang="en-US" smtClean="0"/>
+              <a:rPr lang="en-US"/>
               <a:t>Click to edit Master title style</a:t>
             </a:r>
             <a:endParaRPr lang="en-US" dirty="0"/>
@@ -12276,35 +12002,35 @@
           <a:p>
             <a:pPr lvl="0"/>
             <a:r>
-              <a:rPr lang="en-US" smtClean="0"/>
+              <a:rPr lang="en-US"/>
               <a:t>Click to edit Master text styles</a:t>
             </a:r>
           </a:p>
           <a:p>
             <a:pPr lvl="1"/>
             <a:r>
-              <a:rPr lang="en-US" smtClean="0"/>
+              <a:rPr lang="en-US"/>
               <a:t>Second level</a:t>
             </a:r>
           </a:p>
           <a:p>
             <a:pPr lvl="2"/>
             <a:r>
-              <a:rPr lang="en-US" smtClean="0"/>
+              <a:rPr lang="en-US"/>
               <a:t>Third level</a:t>
             </a:r>
           </a:p>
           <a:p>
             <a:pPr lvl="3"/>
             <a:r>
-              <a:rPr lang="en-US" smtClean="0"/>
+              <a:rPr lang="en-US"/>
               <a:t>Fourth level</a:t>
             </a:r>
           </a:p>
           <a:p>
             <a:pPr lvl="4"/>
             <a:r>
-              <a:rPr lang="en-US" smtClean="0"/>
+              <a:rPr lang="en-US"/>
               <a:t>Fifth level</a:t>
             </a:r>
             <a:endParaRPr lang="en-US" dirty="0"/>
@@ -12348,7 +12074,7 @@
             <a:fld id="{1D8BD707-D9CF-40AE-B4C6-C98DA3205C09}" type="datetimeFigureOut">
               <a:rPr lang="en-US" smtClean="0"/>
               <a:pPr/>
-              <a:t>10/9/2022</a:t>
+              <a:t>10/23/2022</a:t>
             </a:fld>
             <a:endParaRPr lang="en-US"/>
           </a:p>
@@ -12451,13 +12177,6 @@
     <p:sldLayoutId id="2147483670" r:id="rId10"/>
     <p:sldLayoutId id="2147483671" r:id="rId11"/>
   </p:sldLayoutIdLst>
-  <p:timing>
-    <p:tnLst>
-      <p:par>
-        <p:cTn id="1" dur="indefinite" restart="never" nodeType="tmRoot"/>
-      </p:par>
-    </p:tnLst>
-  </p:timing>
   <p:txStyles>
     <p:titleStyle>
       <a:lvl1pPr marL="320040" indent="-320040" algn="r" defTabSz="914400" rtl="0" eaLnBrk="1" latinLnBrk="0" hangingPunct="1">
@@ -12940,22 +12659,21 @@
           <a:p>
             <a:pPr algn="ctr"/>
             <a:r>
-              <a:rPr lang="en-US" dirty="0" err="1" smtClean="0"/>
+              <a:rPr lang="en-US" dirty="0" err="1"/>
               <a:t>Md</a:t>
             </a:r>
             <a:r>
-              <a:rPr lang="en-US" dirty="0" smtClean="0"/>
+              <a:rPr lang="en-US" dirty="0"/>
               <a:t> </a:t>
             </a:r>
             <a:r>
-              <a:rPr lang="en-US" dirty="0" err="1" smtClean="0"/>
+              <a:rPr lang="en-US" dirty="0" err="1"/>
               <a:t>Rakib</a:t>
             </a:r>
             <a:r>
-              <a:rPr lang="en-US" dirty="0" smtClean="0"/>
+              <a:rPr lang="en-US" dirty="0"/>
               <a:t> Hassan</a:t>
             </a:r>
-            <a:endParaRPr lang="en-US" dirty="0"/>
           </a:p>
         </p:txBody>
       </p:sp>
@@ -12983,11 +12701,11 @@
               <a:buNone/>
             </a:pPr>
             <a:r>
-              <a:rPr lang="en-US" dirty="0" smtClean="0"/>
+              <a:rPr lang="en-US" dirty="0"/>
               <a:t>Node </a:t>
             </a:r>
             <a:r>
-              <a:rPr lang="en-US" dirty="0" err="1" smtClean="0"/>
+              <a:rPr lang="en-US" dirty="0" err="1"/>
               <a:t>Js</a:t>
             </a:r>
             <a:endParaRPr lang="en-US" dirty="0"/>
@@ -13004,13 +12722,6 @@
   <p:clrMapOvr>
     <a:masterClrMapping/>
   </p:clrMapOvr>
-  <p:timing>
-    <p:tnLst>
-      <p:par>
-        <p:cTn id="1" dur="indefinite" restart="never" nodeType="tmRoot"/>
-      </p:par>
-    </p:tnLst>
-  </p:timing>
 </p:sld>
 </file>
 
@@ -13055,10 +12766,9 @@
               <a:buNone/>
             </a:pPr>
             <a:r>
-              <a:rPr lang="en-US" dirty="0" smtClean="0"/>
+              <a:rPr lang="en-US" dirty="0"/>
               <a:t>Variable &amp; Data Types</a:t>
             </a:r>
-            <a:endParaRPr lang="en-US" dirty="0"/>
           </a:p>
         </p:txBody>
       </p:sp>
@@ -13329,7 +13039,7 @@
           <a:p>
             <a:pPr rtl="0" eaLnBrk="1" hangingPunct="1"/>
             <a:r>
-              <a:rPr lang="en-US" altLang="en-US" dirty="0" err="1" smtClean="0">
+              <a:rPr lang="en-US" altLang="en-US" dirty="0" err="1">
                 <a:solidFill>
                   <a:schemeClr val="accent1">
                     <a:lumMod val="50000"/>
@@ -13341,7 +13051,7 @@
               <a:t>Practicale</a:t>
             </a:r>
             <a:r>
-              <a:rPr lang="en-US" altLang="en-US" dirty="0" smtClean="0">
+              <a:rPr lang="en-US" altLang="en-US" dirty="0">
                 <a:solidFill>
                   <a:schemeClr val="accent1">
                     <a:lumMod val="50000"/>
@@ -13625,7 +13335,7 @@
                 <a:spcPct val="25000"/>
               </a:spcAft>
             </a:pPr>
-            <a:endParaRPr lang="en-US" altLang="en-US" b="1" dirty="0" smtClean="0">
+            <a:endParaRPr lang="en-US" altLang="en-US" b="1" dirty="0">
               <a:latin typeface="Courier New" pitchFamily="49" charset="0"/>
             </a:endParaRPr>
           </a:p>
@@ -13897,7 +13607,7 @@
           </a:lstStyle>
           <a:p>
             <a:pPr rtl="0" eaLnBrk="1" hangingPunct="1"/>
-            <a:endParaRPr lang="en-US" altLang="en-US" dirty="0" smtClean="0">
+            <a:endParaRPr lang="en-US" altLang="en-US" dirty="0">
               <a:latin typeface="Courier New" pitchFamily="49" charset="0"/>
             </a:endParaRPr>
           </a:p>
@@ -13913,13 +13623,6 @@
   <p:clrMapOvr>
     <a:masterClrMapping/>
   </p:clrMapOvr>
-  <p:timing>
-    <p:tnLst>
-      <p:par>
-        <p:cTn id="1" dur="indefinite" restart="never" nodeType="tmRoot"/>
-      </p:par>
-    </p:tnLst>
-  </p:timing>
 </p:sld>
 </file>
 
@@ -13964,10 +13667,9 @@
               <a:buNone/>
             </a:pPr>
             <a:r>
-              <a:rPr lang="en-US" dirty="0" smtClean="0"/>
+              <a:rPr lang="en-US" dirty="0"/>
               <a:t>Variable &amp; Data Types</a:t>
             </a:r>
-            <a:endParaRPr lang="en-US" dirty="0"/>
           </a:p>
         </p:txBody>
       </p:sp>
@@ -14238,12 +13940,12 @@
           <a:p>
             <a:pPr rtl="0" eaLnBrk="1" hangingPunct="1"/>
             <a:r>
-              <a:rPr lang="en-US" altLang="en-US" dirty="0" err="1" smtClean="0">
+              <a:rPr lang="en-US" altLang="en-US" dirty="0" err="1">
                 <a:latin typeface="Courier New" pitchFamily="49" charset="0"/>
               </a:rPr>
               <a:t>NaN</a:t>
             </a:r>
-            <a:endParaRPr lang="en-US" altLang="en-US" dirty="0" smtClean="0">
+            <a:endParaRPr lang="en-US" altLang="en-US" dirty="0">
               <a:latin typeface="Courier New" pitchFamily="49" charset="0"/>
             </a:endParaRPr>
           </a:p>
@@ -14520,11 +14222,11 @@
               </a:spcAft>
             </a:pPr>
             <a:r>
-              <a:rPr lang="en-US" altLang="en-US" sz="2400" b="1" dirty="0" smtClean="0"/>
+              <a:rPr lang="en-US" altLang="en-US" sz="2400" b="1" dirty="0"/>
               <a:t>Special number: </a:t>
             </a:r>
             <a:r>
-              <a:rPr lang="en-US" altLang="en-US" sz="2400" dirty="0" smtClean="0"/>
+              <a:rPr lang="en-US" altLang="en-US" sz="2400" dirty="0"/>
               <a:t>Not a Number Result of undefined or erroneous operations</a:t>
             </a:r>
           </a:p>
@@ -14535,22 +14237,22 @@
               </a:spcAft>
             </a:pPr>
             <a:r>
-              <a:rPr lang="en-US" altLang="en-US" b="1" dirty="0" err="1" smtClean="0">
+              <a:rPr lang="en-US" altLang="en-US" b="1" dirty="0" err="1">
                 <a:latin typeface="Courier New" pitchFamily="49" charset="0"/>
               </a:rPr>
               <a:t>NaN</a:t>
             </a:r>
             <a:r>
-              <a:rPr lang="en-US" altLang="en-US" dirty="0" smtClean="0"/>
+              <a:rPr lang="en-US" altLang="en-US" dirty="0"/>
               <a:t> is not equal to anything, including </a:t>
             </a:r>
             <a:r>
-              <a:rPr lang="en-US" altLang="en-US" b="1" dirty="0" err="1" smtClean="0">
+              <a:rPr lang="en-US" altLang="en-US" b="1" dirty="0" err="1">
                 <a:latin typeface="Courier New" pitchFamily="49" charset="0"/>
               </a:rPr>
               <a:t>NaN</a:t>
             </a:r>
-            <a:endParaRPr lang="en-US" altLang="en-US" b="1" dirty="0" smtClean="0">
+            <a:endParaRPr lang="en-US" altLang="en-US" b="1" dirty="0">
               <a:latin typeface="Courier New" pitchFamily="49" charset="0"/>
             </a:endParaRPr>
           </a:p>
@@ -14823,7 +14525,7 @@
           <a:p>
             <a:pPr rtl="0" eaLnBrk="1" hangingPunct="1"/>
             <a:r>
-              <a:rPr lang="en-US" altLang="en-US" dirty="0" smtClean="0">
+              <a:rPr lang="en-US" altLang="en-US" dirty="0">
                 <a:latin typeface="Courier New" pitchFamily="49" charset="0"/>
               </a:rPr>
               <a:t>Null</a:t>
@@ -14873,13 +14575,6 @@
   <p:clrMapOvr>
     <a:masterClrMapping/>
   </p:clrMapOvr>
-  <p:timing>
-    <p:tnLst>
-      <p:par>
-        <p:cTn id="1" dur="indefinite" restart="never" nodeType="tmRoot"/>
-      </p:par>
-    </p:tnLst>
-  </p:timing>
 </p:sld>
 </file>
 
@@ -14924,10 +14619,9 @@
               <a:buNone/>
             </a:pPr>
             <a:r>
-              <a:rPr lang="en-US" dirty="0" smtClean="0"/>
+              <a:rPr lang="en-US" dirty="0"/>
               <a:t>Variable &amp; Data Types</a:t>
             </a:r>
-            <a:endParaRPr lang="en-US" dirty="0"/>
           </a:p>
         </p:txBody>
       </p:sp>
@@ -15198,7 +14892,7 @@
           <a:p>
             <a:pPr rtl="0" eaLnBrk="1" hangingPunct="1"/>
             <a:r>
-              <a:rPr lang="en-US" altLang="en-US" dirty="0" err="1" smtClean="0">
+              <a:rPr lang="en-US" altLang="en-US" dirty="0" err="1">
                 <a:solidFill>
                   <a:schemeClr val="accent1">
                     <a:lumMod val="50000"/>
@@ -15210,7 +14904,7 @@
               <a:t>Practicale</a:t>
             </a:r>
             <a:r>
-              <a:rPr lang="en-US" altLang="en-US" dirty="0" smtClean="0">
+              <a:rPr lang="en-US" altLang="en-US" dirty="0">
                 <a:solidFill>
                   <a:schemeClr val="accent1">
                     <a:lumMod val="50000"/>
@@ -15494,7 +15188,7 @@
                 <a:spcPct val="25000"/>
               </a:spcAft>
             </a:pPr>
-            <a:endParaRPr lang="en-US" altLang="en-US" b="1" dirty="0" smtClean="0">
+            <a:endParaRPr lang="en-US" altLang="en-US" b="1" dirty="0">
               <a:latin typeface="Courier New" pitchFamily="49" charset="0"/>
             </a:endParaRPr>
           </a:p>
@@ -15766,7 +15460,7 @@
           </a:lstStyle>
           <a:p>
             <a:pPr rtl="0" eaLnBrk="1" hangingPunct="1"/>
-            <a:endParaRPr lang="en-US" altLang="en-US" dirty="0" smtClean="0">
+            <a:endParaRPr lang="en-US" altLang="en-US" dirty="0">
               <a:latin typeface="Courier New" pitchFamily="49" charset="0"/>
             </a:endParaRPr>
           </a:p>
@@ -15782,13 +15476,6 @@
   <p:clrMapOvr>
     <a:masterClrMapping/>
   </p:clrMapOvr>
-  <p:timing>
-    <p:tnLst>
-      <p:par>
-        <p:cTn id="1" dur="indefinite" restart="never" nodeType="tmRoot"/>
-      </p:par>
-    </p:tnLst>
-  </p:timing>
 </p:sld>
 </file>
 
@@ -15833,10 +15520,9 @@
               <a:buNone/>
             </a:pPr>
             <a:r>
-              <a:rPr lang="en-US" dirty="0" smtClean="0"/>
+              <a:rPr lang="en-US" dirty="0"/>
               <a:t>Variable &amp; Data Types</a:t>
             </a:r>
-            <a:endParaRPr lang="en-US" dirty="0"/>
           </a:p>
         </p:txBody>
       </p:sp>
@@ -16107,10 +15793,10 @@
           <a:p>
             <a:pPr rtl="0" eaLnBrk="1" hangingPunct="1"/>
             <a:r>
-              <a:rPr lang="en-US" altLang="en-US" dirty="0" smtClean="0"/>
+              <a:rPr lang="en-US" altLang="en-US" dirty="0"/>
               <a:t>Comments</a:t>
             </a:r>
-            <a:endParaRPr lang="en-US" altLang="en-US" dirty="0" smtClean="0">
+            <a:endParaRPr lang="en-US" altLang="en-US" dirty="0">
               <a:latin typeface="Courier New" pitchFamily="49" charset="0"/>
             </a:endParaRPr>
           </a:p>
@@ -16383,21 +16069,21 @@
           <a:p>
             <a:pPr lvl="1" algn="l" rtl="0" eaLnBrk="1" hangingPunct="1"/>
             <a:r>
-              <a:rPr lang="en-US" altLang="en-US" b="1" dirty="0" smtClean="0">
+              <a:rPr lang="en-US" altLang="en-US" b="1" dirty="0">
                 <a:latin typeface="Arial" panose="020B0604020202020204" pitchFamily="34" charset="0"/>
                 <a:cs typeface="Arial" panose="020B0604020202020204" pitchFamily="34" charset="0"/>
               </a:rPr>
               <a:t>// </a:t>
             </a:r>
             <a:r>
-              <a:rPr lang="en-US" altLang="en-US" b="1" dirty="0" err="1" smtClean="0">
+              <a:rPr lang="en-US" altLang="en-US" b="1" dirty="0" err="1">
                 <a:latin typeface="Arial" panose="020B0604020202020204" pitchFamily="34" charset="0"/>
                 <a:cs typeface="Arial" panose="020B0604020202020204" pitchFamily="34" charset="0"/>
               </a:rPr>
               <a:t>slashslash</a:t>
             </a:r>
             <a:r>
-              <a:rPr lang="en-US" altLang="en-US" b="1" dirty="0" smtClean="0">
+              <a:rPr lang="en-US" altLang="en-US" b="1" dirty="0">
                 <a:latin typeface="Arial" panose="020B0604020202020204" pitchFamily="34" charset="0"/>
                 <a:cs typeface="Arial" panose="020B0604020202020204" pitchFamily="34" charset="0"/>
               </a:rPr>
@@ -16406,7 +16092,7 @@
           </a:p>
           <a:p>
             <a:pPr lvl="1" algn="l" rtl="0" eaLnBrk="1" hangingPunct="1"/>
-            <a:endParaRPr lang="en-US" altLang="en-US" b="1" dirty="0" smtClean="0">
+            <a:endParaRPr lang="en-US" altLang="en-US" b="1" dirty="0">
               <a:latin typeface="Arial" panose="020B0604020202020204" pitchFamily="34" charset="0"/>
               <a:cs typeface="Arial" panose="020B0604020202020204" pitchFamily="34" charset="0"/>
             </a:endParaRPr>
@@ -16414,7 +16100,7 @@
           <a:p>
             <a:pPr lvl="1" algn="l" rtl="0" eaLnBrk="1" hangingPunct="1"/>
             <a:r>
-              <a:rPr lang="en-US" altLang="en-US" b="1" dirty="0" smtClean="0">
+              <a:rPr lang="en-US" altLang="en-US" b="1" dirty="0">
                 <a:latin typeface="Arial" panose="020B0604020202020204" pitchFamily="34" charset="0"/>
                 <a:cs typeface="Arial" panose="020B0604020202020204" pitchFamily="34" charset="0"/>
               </a:rPr>
@@ -16424,21 +16110,21 @@
           <a:p>
             <a:pPr lvl="1" algn="l" rtl="0" eaLnBrk="1" hangingPunct="1"/>
             <a:r>
-              <a:rPr lang="en-US" altLang="en-US" b="1" dirty="0" smtClean="0">
+              <a:rPr lang="en-US" altLang="en-US" b="1" dirty="0">
                 <a:latin typeface="Arial" panose="020B0604020202020204" pitchFamily="34" charset="0"/>
                 <a:cs typeface="Arial" panose="020B0604020202020204" pitchFamily="34" charset="0"/>
               </a:rPr>
               <a:t>    </a:t>
             </a:r>
             <a:r>
-              <a:rPr lang="en-US" altLang="en-US" b="1" dirty="0" err="1" smtClean="0">
+              <a:rPr lang="en-US" altLang="en-US" b="1" dirty="0" err="1">
                 <a:latin typeface="Arial" panose="020B0604020202020204" pitchFamily="34" charset="0"/>
                 <a:cs typeface="Arial" panose="020B0604020202020204" pitchFamily="34" charset="0"/>
               </a:rPr>
               <a:t>slashstar</a:t>
             </a:r>
             <a:r>
-              <a:rPr lang="en-US" altLang="en-US" b="1" dirty="0" smtClean="0">
+              <a:rPr lang="en-US" altLang="en-US" b="1" dirty="0">
                 <a:latin typeface="Arial" panose="020B0604020202020204" pitchFamily="34" charset="0"/>
                 <a:cs typeface="Arial" panose="020B0604020202020204" pitchFamily="34" charset="0"/>
               </a:rPr>
@@ -16448,7 +16134,7 @@
           <a:p>
             <a:pPr lvl="1" algn="l" rtl="0" eaLnBrk="1" hangingPunct="1"/>
             <a:r>
-              <a:rPr lang="en-US" altLang="en-US" b="1" dirty="0" smtClean="0">
+              <a:rPr lang="en-US" altLang="en-US" b="1" dirty="0">
                 <a:latin typeface="Arial" panose="020B0604020202020204" pitchFamily="34" charset="0"/>
                 <a:cs typeface="Arial" panose="020B0604020202020204" pitchFamily="34" charset="0"/>
               </a:rPr>
@@ -16458,7 +16144,7 @@
           <a:p>
             <a:pPr lvl="1" algn="l" rtl="0" eaLnBrk="1" hangingPunct="1"/>
             <a:r>
-              <a:rPr lang="en-US" altLang="en-US" b="1" dirty="0" smtClean="0">
+              <a:rPr lang="en-US" altLang="en-US" b="1" dirty="0">
                 <a:latin typeface="Arial" panose="020B0604020202020204" pitchFamily="34" charset="0"/>
                 <a:cs typeface="Arial" panose="020B0604020202020204" pitchFamily="34" charset="0"/>
               </a:rPr>
@@ -16468,7 +16154,7 @@
           <a:p>
             <a:pPr lvl="1" algn="l" rtl="0" eaLnBrk="1" hangingPunct="1"/>
             <a:r>
-              <a:rPr lang="en-US" altLang="en-US" b="1" dirty="0" smtClean="0">
+              <a:rPr lang="en-US" altLang="en-US" b="1" dirty="0">
                 <a:latin typeface="Arial" panose="020B0604020202020204" pitchFamily="34" charset="0"/>
                 <a:cs typeface="Arial" panose="020B0604020202020204" pitchFamily="34" charset="0"/>
               </a:rPr>
@@ -16487,1093 +16173,10 @@
   <p:clrMapOvr>
     <a:masterClrMapping/>
   </p:clrMapOvr>
-  <p:timing>
-    <p:tnLst>
-      <p:par>
-        <p:cTn id="1" dur="indefinite" restart="never" nodeType="tmRoot"/>
-      </p:par>
-    </p:tnLst>
-  </p:timing>
 </p:sld>
 </file>
 
 <file path=ppt/slides/slide14.xml><?xml version="1.0" encoding="utf-8"?>
-<p:sld xmlns:a="http://schemas.openxmlformats.org/drawingml/2006/main" xmlns:r="http://schemas.openxmlformats.org/officeDocument/2006/relationships" xmlns:p="http://schemas.openxmlformats.org/presentationml/2006/main">
-  <p:cSld>
-    <p:spTree>
-      <p:nvGrpSpPr>
-        <p:cNvPr id="1" name=""/>
-        <p:cNvGrpSpPr/>
-        <p:nvPr/>
-      </p:nvGrpSpPr>
-      <p:grpSpPr>
-        <a:xfrm>
-          <a:off x="0" y="0"/>
-          <a:ext cx="0" cy="0"/>
-          <a:chOff x="0" y="0"/>
-          <a:chExt cx="0" cy="0"/>
-        </a:xfrm>
-      </p:grpSpPr>
-      <p:sp>
-        <p:nvSpPr>
-          <p:cNvPr id="2" name="Title 1"/>
-          <p:cNvSpPr>
-            <a:spLocks noGrp="1"/>
-          </p:cNvSpPr>
-          <p:nvPr>
-            <p:ph type="ctrTitle"/>
-          </p:nvPr>
-        </p:nvSpPr>
-        <p:spPr>
-          <a:xfrm>
-            <a:off x="0" y="304800"/>
-            <a:ext cx="9144000" cy="1066800"/>
-          </a:xfrm>
-        </p:spPr>
-        <p:txBody>
-          <a:bodyPr/>
-          <a:lstStyle/>
-          <a:p>
-            <a:pPr marL="182880" indent="0" algn="ctr">
-              <a:buNone/>
-            </a:pPr>
-            <a:r>
-              <a:rPr lang="en-US" dirty="0" smtClean="0"/>
-              <a:t>Variable &amp; Data Types</a:t>
-            </a:r>
-            <a:endParaRPr lang="en-US" dirty="0"/>
-          </a:p>
-        </p:txBody>
-      </p:sp>
-      <p:sp>
-        <p:nvSpPr>
-          <p:cNvPr id="4" name="Rectangle 3"/>
-          <p:cNvSpPr>
-            <a:spLocks noGrp="1" noChangeArrowheads="1"/>
-          </p:cNvSpPr>
-          <p:nvPr/>
-        </p:nvSpPr>
-        <p:spPr bwMode="auto">
-          <a:xfrm>
-            <a:off x="0" y="1295400"/>
-            <a:ext cx="9144001" cy="1143000"/>
-          </a:xfrm>
-          <a:prstGeom prst="rect">
-            <a:avLst/>
-          </a:prstGeom>
-          <a:noFill/>
-          <a:ln>
-            <a:noFill/>
-          </a:ln>
-          <a:extLst>
-            <a:ext uri="{909E8E84-426E-40DD-AFC4-6F175D3DCCD1}">
-              <a14:hiddenFill xmlns:a14="http://schemas.microsoft.com/office/drawing/2010/main">
-                <a:solidFill>
-                  <a:srgbClr val="FFFFFF"/>
-                </a:solidFill>
-              </a14:hiddenFill>
-            </a:ext>
-            <a:ext uri="{91240B29-F687-4F45-9708-019B960494DF}">
-              <a14:hiddenLine xmlns:a14="http://schemas.microsoft.com/office/drawing/2010/main" w="9525">
-                <a:solidFill>
-                  <a:srgbClr val="000000"/>
-                </a:solidFill>
-                <a:round/>
-                <a:headEnd/>
-                <a:tailEnd/>
-              </a14:hiddenLine>
-            </a:ext>
-          </a:extLst>
-        </p:spPr>
-        <p:txBody>
-          <a:bodyPr vert="horz" wrap="square" lIns="0" tIns="0" rIns="0" bIns="0" numCol="1" anchor="ctr" anchorCtr="0" compatLnSpc="1">
-            <a:prstTxWarp prst="textNoShape">
-              <a:avLst/>
-            </a:prstTxWarp>
-          </a:bodyPr>
-          <a:lstStyle>
-            <a:lvl1pPr algn="ctr" defTabSz="414338" rtl="1" eaLnBrk="0" fontAlgn="base" hangingPunct="0">
-              <a:lnSpc>
-                <a:spcPct val="93000"/>
-              </a:lnSpc>
-              <a:spcBef>
-                <a:spcPct val="0"/>
-              </a:spcBef>
-              <a:spcAft>
-                <a:spcPct val="0"/>
-              </a:spcAft>
-              <a:buClr>
-                <a:srgbClr val="000000"/>
-              </a:buClr>
-              <a:buSzPct val="100000"/>
-              <a:buFont typeface="Times New Roman" pitchFamily="18" charset="0"/>
-              <a:defRPr sz="4000" b="1">
-                <a:solidFill>
-                  <a:srgbClr val="000000"/>
-                </a:solidFill>
-                <a:latin typeface="+mj-lt"/>
-                <a:ea typeface="+mj-ea"/>
-                <a:cs typeface="+mj-cs"/>
-              </a:defRPr>
-            </a:lvl1pPr>
-            <a:lvl2pPr algn="ctr" defTabSz="414338" rtl="1" eaLnBrk="0" fontAlgn="base" hangingPunct="0">
-              <a:lnSpc>
-                <a:spcPct val="93000"/>
-              </a:lnSpc>
-              <a:spcBef>
-                <a:spcPct val="0"/>
-              </a:spcBef>
-              <a:spcAft>
-                <a:spcPct val="0"/>
-              </a:spcAft>
-              <a:buClr>
-                <a:srgbClr val="000000"/>
-              </a:buClr>
-              <a:buSzPct val="100000"/>
-              <a:buFont typeface="Times New Roman" pitchFamily="18" charset="0"/>
-              <a:defRPr sz="4000" b="1">
-                <a:solidFill>
-                  <a:srgbClr val="000000"/>
-                </a:solidFill>
-                <a:latin typeface="Arial" pitchFamily="34" charset="0"/>
-                <a:ea typeface="SimSun" charset="0"/>
-                <a:cs typeface="SimSun" charset="0"/>
-              </a:defRPr>
-            </a:lvl2pPr>
-            <a:lvl3pPr algn="ctr" defTabSz="414338" rtl="1" eaLnBrk="0" fontAlgn="base" hangingPunct="0">
-              <a:lnSpc>
-                <a:spcPct val="93000"/>
-              </a:lnSpc>
-              <a:spcBef>
-                <a:spcPct val="0"/>
-              </a:spcBef>
-              <a:spcAft>
-                <a:spcPct val="0"/>
-              </a:spcAft>
-              <a:buClr>
-                <a:srgbClr val="000000"/>
-              </a:buClr>
-              <a:buSzPct val="100000"/>
-              <a:buFont typeface="Times New Roman" pitchFamily="18" charset="0"/>
-              <a:defRPr sz="4000" b="1">
-                <a:solidFill>
-                  <a:srgbClr val="000000"/>
-                </a:solidFill>
-                <a:latin typeface="Arial" pitchFamily="34" charset="0"/>
-                <a:ea typeface="SimSun" charset="0"/>
-                <a:cs typeface="SimSun" charset="0"/>
-              </a:defRPr>
-            </a:lvl3pPr>
-            <a:lvl4pPr algn="ctr" defTabSz="414338" rtl="1" eaLnBrk="0" fontAlgn="base" hangingPunct="0">
-              <a:lnSpc>
-                <a:spcPct val="93000"/>
-              </a:lnSpc>
-              <a:spcBef>
-                <a:spcPct val="0"/>
-              </a:spcBef>
-              <a:spcAft>
-                <a:spcPct val="0"/>
-              </a:spcAft>
-              <a:buClr>
-                <a:srgbClr val="000000"/>
-              </a:buClr>
-              <a:buSzPct val="100000"/>
-              <a:buFont typeface="Times New Roman" pitchFamily="18" charset="0"/>
-              <a:defRPr sz="4000" b="1">
-                <a:solidFill>
-                  <a:srgbClr val="000000"/>
-                </a:solidFill>
-                <a:latin typeface="Arial" pitchFamily="34" charset="0"/>
-                <a:ea typeface="SimSun" charset="0"/>
-                <a:cs typeface="SimSun" charset="0"/>
-              </a:defRPr>
-            </a:lvl4pPr>
-            <a:lvl5pPr algn="ctr" defTabSz="414338" rtl="1" eaLnBrk="0" fontAlgn="base" hangingPunct="0">
-              <a:lnSpc>
-                <a:spcPct val="93000"/>
-              </a:lnSpc>
-              <a:spcBef>
-                <a:spcPct val="0"/>
-              </a:spcBef>
-              <a:spcAft>
-                <a:spcPct val="0"/>
-              </a:spcAft>
-              <a:buClr>
-                <a:srgbClr val="000000"/>
-              </a:buClr>
-              <a:buSzPct val="100000"/>
-              <a:buFont typeface="Times New Roman" pitchFamily="18" charset="0"/>
-              <a:defRPr sz="4000" b="1">
-                <a:solidFill>
-                  <a:srgbClr val="000000"/>
-                </a:solidFill>
-                <a:latin typeface="Arial" pitchFamily="34" charset="0"/>
-                <a:ea typeface="SimSun" charset="0"/>
-                <a:cs typeface="SimSun" charset="0"/>
-              </a:defRPr>
-            </a:lvl5pPr>
-            <a:lvl6pPr marL="2280994" indent="-207363" algn="ctr" defTabSz="414726" rtl="1" eaLnBrk="1" fontAlgn="base" hangingPunct="1">
-              <a:lnSpc>
-                <a:spcPct val="93000"/>
-              </a:lnSpc>
-              <a:spcBef>
-                <a:spcPct val="0"/>
-              </a:spcBef>
-              <a:spcAft>
-                <a:spcPct val="0"/>
-              </a:spcAft>
-              <a:buClr>
-                <a:srgbClr val="000000"/>
-              </a:buClr>
-              <a:buSzPct val="100000"/>
-              <a:buFont typeface="Times New Roman" pitchFamily="18" charset="0"/>
-              <a:defRPr sz="4000" b="1">
-                <a:solidFill>
-                  <a:srgbClr val="000000"/>
-                </a:solidFill>
-                <a:latin typeface="Arial" pitchFamily="34" charset="0"/>
-                <a:ea typeface="SimSun" charset="0"/>
-                <a:cs typeface="SimSun" charset="0"/>
-              </a:defRPr>
-            </a:lvl6pPr>
-            <a:lvl7pPr marL="2695720" indent="-207363" algn="ctr" defTabSz="414726" rtl="1" eaLnBrk="1" fontAlgn="base" hangingPunct="1">
-              <a:lnSpc>
-                <a:spcPct val="93000"/>
-              </a:lnSpc>
-              <a:spcBef>
-                <a:spcPct val="0"/>
-              </a:spcBef>
-              <a:spcAft>
-                <a:spcPct val="0"/>
-              </a:spcAft>
-              <a:buClr>
-                <a:srgbClr val="000000"/>
-              </a:buClr>
-              <a:buSzPct val="100000"/>
-              <a:buFont typeface="Times New Roman" pitchFamily="18" charset="0"/>
-              <a:defRPr sz="4000" b="1">
-                <a:solidFill>
-                  <a:srgbClr val="000000"/>
-                </a:solidFill>
-                <a:latin typeface="Arial" pitchFamily="34" charset="0"/>
-                <a:ea typeface="SimSun" charset="0"/>
-                <a:cs typeface="SimSun" charset="0"/>
-              </a:defRPr>
-            </a:lvl7pPr>
-            <a:lvl8pPr marL="3110446" indent="-207363" algn="ctr" defTabSz="414726" rtl="1" eaLnBrk="1" fontAlgn="base" hangingPunct="1">
-              <a:lnSpc>
-                <a:spcPct val="93000"/>
-              </a:lnSpc>
-              <a:spcBef>
-                <a:spcPct val="0"/>
-              </a:spcBef>
-              <a:spcAft>
-                <a:spcPct val="0"/>
-              </a:spcAft>
-              <a:buClr>
-                <a:srgbClr val="000000"/>
-              </a:buClr>
-              <a:buSzPct val="100000"/>
-              <a:buFont typeface="Times New Roman" pitchFamily="18" charset="0"/>
-              <a:defRPr sz="4000" b="1">
-                <a:solidFill>
-                  <a:srgbClr val="000000"/>
-                </a:solidFill>
-                <a:latin typeface="Arial" pitchFamily="34" charset="0"/>
-                <a:ea typeface="SimSun" charset="0"/>
-                <a:cs typeface="SimSun" charset="0"/>
-              </a:defRPr>
-            </a:lvl8pPr>
-            <a:lvl9pPr marL="3525172" indent="-207363" algn="ctr" defTabSz="414726" rtl="1" eaLnBrk="1" fontAlgn="base" hangingPunct="1">
-              <a:lnSpc>
-                <a:spcPct val="93000"/>
-              </a:lnSpc>
-              <a:spcBef>
-                <a:spcPct val="0"/>
-              </a:spcBef>
-              <a:spcAft>
-                <a:spcPct val="0"/>
-              </a:spcAft>
-              <a:buClr>
-                <a:srgbClr val="000000"/>
-              </a:buClr>
-              <a:buSzPct val="100000"/>
-              <a:buFont typeface="Times New Roman" pitchFamily="18" charset="0"/>
-              <a:defRPr sz="4000" b="1">
-                <a:solidFill>
-                  <a:srgbClr val="000000"/>
-                </a:solidFill>
-                <a:latin typeface="Arial" pitchFamily="34" charset="0"/>
-                <a:ea typeface="SimSun" charset="0"/>
-                <a:cs typeface="SimSun" charset="0"/>
-              </a:defRPr>
-            </a:lvl9pPr>
-          </a:lstStyle>
-          <a:p>
-            <a:pPr rtl="0" eaLnBrk="1" hangingPunct="1"/>
-            <a:r>
-              <a:rPr lang="en-US" altLang="en-US" dirty="0"/>
-              <a:t>String Methods</a:t>
-            </a:r>
-            <a:endParaRPr lang="en-US" altLang="en-US" dirty="0" smtClean="0">
-              <a:latin typeface="Courier New" pitchFamily="49" charset="0"/>
-            </a:endParaRPr>
-          </a:p>
-        </p:txBody>
-      </p:sp>
-      <p:sp>
-        <p:nvSpPr>
-          <p:cNvPr id="5" name="Rectangle 4"/>
-          <p:cNvSpPr>
-            <a:spLocks noGrp="1" noChangeArrowheads="1"/>
-          </p:cNvSpPr>
-          <p:nvPr/>
-        </p:nvSpPr>
-        <p:spPr bwMode="auto">
-          <a:xfrm>
-            <a:off x="1936652" y="2819400"/>
-            <a:ext cx="2362200" cy="3352800"/>
-          </a:xfrm>
-          <a:prstGeom prst="rect">
-            <a:avLst/>
-          </a:prstGeom>
-          <a:noFill/>
-          <a:ln>
-            <a:noFill/>
-          </a:ln>
-          <a:extLst>
-            <a:ext uri="{909E8E84-426E-40DD-AFC4-6F175D3DCCD1}">
-              <a14:hiddenFill xmlns:a14="http://schemas.microsoft.com/office/drawing/2010/main">
-                <a:solidFill>
-                  <a:srgbClr val="FFFFFF"/>
-                </a:solidFill>
-              </a14:hiddenFill>
-            </a:ext>
-            <a:ext uri="{91240B29-F687-4F45-9708-019B960494DF}">
-              <a14:hiddenLine xmlns:a14="http://schemas.microsoft.com/office/drawing/2010/main" w="9525">
-                <a:solidFill>
-                  <a:srgbClr val="000000"/>
-                </a:solidFill>
-                <a:round/>
-                <a:headEnd/>
-                <a:tailEnd/>
-              </a14:hiddenLine>
-            </a:ext>
-          </a:extLst>
-        </p:spPr>
-        <p:txBody>
-          <a:bodyPr vert="horz" wrap="square" lIns="0" tIns="25602" rIns="0" bIns="0" numCol="1" anchor="t" anchorCtr="0" compatLnSpc="1">
-            <a:prstTxWarp prst="textNoShape">
-              <a:avLst/>
-            </a:prstTxWarp>
-          </a:bodyPr>
-          <a:lstStyle>
-            <a:lvl1pPr marL="309563" indent="-309563" algn="r" defTabSz="414338" rtl="1" eaLnBrk="0" fontAlgn="base" hangingPunct="0">
-              <a:lnSpc>
-                <a:spcPct val="93000"/>
-              </a:lnSpc>
-              <a:spcBef>
-                <a:spcPct val="0"/>
-              </a:spcBef>
-              <a:spcAft>
-                <a:spcPts val="1288"/>
-              </a:spcAft>
-              <a:buClr>
-                <a:srgbClr val="000000"/>
-              </a:buClr>
-              <a:buSzPct val="100000"/>
-              <a:buFont typeface="Times New Roman" pitchFamily="18" charset="0"/>
-              <a:defRPr sz="2900">
-                <a:solidFill>
-                  <a:srgbClr val="000000"/>
-                </a:solidFill>
-                <a:latin typeface="+mn-lt"/>
-                <a:ea typeface="+mn-ea"/>
-                <a:cs typeface="+mn-cs"/>
-              </a:defRPr>
-            </a:lvl1pPr>
-            <a:lvl2pPr marL="673100" indent="-258763" algn="r" defTabSz="414338" rtl="1" eaLnBrk="0" fontAlgn="base" hangingPunct="0">
-              <a:lnSpc>
-                <a:spcPct val="93000"/>
-              </a:lnSpc>
-              <a:spcBef>
-                <a:spcPct val="0"/>
-              </a:spcBef>
-              <a:spcAft>
-                <a:spcPts val="1038"/>
-              </a:spcAft>
-              <a:buClr>
-                <a:srgbClr val="000000"/>
-              </a:buClr>
-              <a:buSzPct val="100000"/>
-              <a:buFont typeface="Times New Roman" pitchFamily="18" charset="0"/>
-              <a:defRPr sz="2500">
-                <a:solidFill>
-                  <a:srgbClr val="000000"/>
-                </a:solidFill>
-                <a:latin typeface="+mn-lt"/>
-                <a:ea typeface="+mn-ea"/>
-                <a:cs typeface="+mn-cs"/>
-              </a:defRPr>
-            </a:lvl2pPr>
-            <a:lvl3pPr marL="1036638" indent="-206375" algn="r" defTabSz="414338" rtl="1" eaLnBrk="0" fontAlgn="base" hangingPunct="0">
-              <a:lnSpc>
-                <a:spcPct val="93000"/>
-              </a:lnSpc>
-              <a:spcBef>
-                <a:spcPct val="0"/>
-              </a:spcBef>
-              <a:spcAft>
-                <a:spcPts val="775"/>
-              </a:spcAft>
-              <a:buClr>
-                <a:srgbClr val="000000"/>
-              </a:buClr>
-              <a:buSzPct val="100000"/>
-              <a:buFont typeface="Times New Roman" pitchFamily="18" charset="0"/>
-              <a:defRPr sz="2200">
-                <a:solidFill>
-                  <a:srgbClr val="000000"/>
-                </a:solidFill>
-                <a:latin typeface="+mn-lt"/>
-                <a:ea typeface="+mn-ea"/>
-                <a:cs typeface="+mn-cs"/>
-              </a:defRPr>
-            </a:lvl3pPr>
-            <a:lvl4pPr marL="1450975" indent="-206375" algn="r" defTabSz="414338" rtl="1" eaLnBrk="0" fontAlgn="base" hangingPunct="0">
-              <a:lnSpc>
-                <a:spcPct val="93000"/>
-              </a:lnSpc>
-              <a:spcBef>
-                <a:spcPct val="0"/>
-              </a:spcBef>
-              <a:spcAft>
-                <a:spcPts val="525"/>
-              </a:spcAft>
-              <a:buClr>
-                <a:srgbClr val="000000"/>
-              </a:buClr>
-              <a:buSzPct val="100000"/>
-              <a:buFont typeface="Times New Roman" pitchFamily="18" charset="0"/>
-              <a:defRPr>
-                <a:solidFill>
-                  <a:srgbClr val="000000"/>
-                </a:solidFill>
-                <a:latin typeface="+mn-lt"/>
-                <a:ea typeface="+mn-ea"/>
-                <a:cs typeface="+mn-cs"/>
-              </a:defRPr>
-            </a:lvl4pPr>
-            <a:lvl5pPr marL="1865313" indent="-206375" algn="r" defTabSz="414338" rtl="1" eaLnBrk="0" fontAlgn="base" hangingPunct="0">
-              <a:lnSpc>
-                <a:spcPct val="93000"/>
-              </a:lnSpc>
-              <a:spcBef>
-                <a:spcPct val="0"/>
-              </a:spcBef>
-              <a:spcAft>
-                <a:spcPts val="263"/>
-              </a:spcAft>
-              <a:buClr>
-                <a:srgbClr val="000000"/>
-              </a:buClr>
-              <a:buSzPct val="100000"/>
-              <a:buFont typeface="Times New Roman" pitchFamily="18" charset="0"/>
-              <a:defRPr>
-                <a:solidFill>
-                  <a:srgbClr val="000000"/>
-                </a:solidFill>
-                <a:latin typeface="+mn-lt"/>
-                <a:ea typeface="+mn-ea"/>
-                <a:cs typeface="+mn-cs"/>
-              </a:defRPr>
-            </a:lvl5pPr>
-            <a:lvl6pPr marL="2280994" indent="-207363" algn="r" defTabSz="414726" rtl="1" eaLnBrk="1" fontAlgn="base" hangingPunct="1">
-              <a:lnSpc>
-                <a:spcPct val="93000"/>
-              </a:lnSpc>
-              <a:spcBef>
-                <a:spcPct val="0"/>
-              </a:spcBef>
-              <a:spcAft>
-                <a:spcPts val="261"/>
-              </a:spcAft>
-              <a:buClr>
-                <a:srgbClr val="000000"/>
-              </a:buClr>
-              <a:buSzPct val="100000"/>
-              <a:buFont typeface="Times New Roman" pitchFamily="18" charset="0"/>
-              <a:defRPr sz="1800">
-                <a:solidFill>
-                  <a:srgbClr val="000000"/>
-                </a:solidFill>
-                <a:latin typeface="+mn-lt"/>
-                <a:ea typeface="+mn-ea"/>
-                <a:cs typeface="+mn-cs"/>
-              </a:defRPr>
-            </a:lvl6pPr>
-            <a:lvl7pPr marL="2695720" indent="-207363" algn="r" defTabSz="414726" rtl="1" eaLnBrk="1" fontAlgn="base" hangingPunct="1">
-              <a:lnSpc>
-                <a:spcPct val="93000"/>
-              </a:lnSpc>
-              <a:spcBef>
-                <a:spcPct val="0"/>
-              </a:spcBef>
-              <a:spcAft>
-                <a:spcPts val="261"/>
-              </a:spcAft>
-              <a:buClr>
-                <a:srgbClr val="000000"/>
-              </a:buClr>
-              <a:buSzPct val="100000"/>
-              <a:buFont typeface="Times New Roman" pitchFamily="18" charset="0"/>
-              <a:defRPr sz="1800">
-                <a:solidFill>
-                  <a:srgbClr val="000000"/>
-                </a:solidFill>
-                <a:latin typeface="+mn-lt"/>
-                <a:ea typeface="+mn-ea"/>
-                <a:cs typeface="+mn-cs"/>
-              </a:defRPr>
-            </a:lvl7pPr>
-            <a:lvl8pPr marL="3110446" indent="-207363" algn="r" defTabSz="414726" rtl="1" eaLnBrk="1" fontAlgn="base" hangingPunct="1">
-              <a:lnSpc>
-                <a:spcPct val="93000"/>
-              </a:lnSpc>
-              <a:spcBef>
-                <a:spcPct val="0"/>
-              </a:spcBef>
-              <a:spcAft>
-                <a:spcPts val="261"/>
-              </a:spcAft>
-              <a:buClr>
-                <a:srgbClr val="000000"/>
-              </a:buClr>
-              <a:buSzPct val="100000"/>
-              <a:buFont typeface="Times New Roman" pitchFamily="18" charset="0"/>
-              <a:defRPr sz="1800">
-                <a:solidFill>
-                  <a:srgbClr val="000000"/>
-                </a:solidFill>
-                <a:latin typeface="+mn-lt"/>
-                <a:ea typeface="+mn-ea"/>
-                <a:cs typeface="+mn-cs"/>
-              </a:defRPr>
-            </a:lvl8pPr>
-            <a:lvl9pPr marL="3525172" indent="-207363" algn="r" defTabSz="414726" rtl="1" eaLnBrk="1" fontAlgn="base" hangingPunct="1">
-              <a:lnSpc>
-                <a:spcPct val="93000"/>
-              </a:lnSpc>
-              <a:spcBef>
-                <a:spcPct val="0"/>
-              </a:spcBef>
-              <a:spcAft>
-                <a:spcPts val="261"/>
-              </a:spcAft>
-              <a:buClr>
-                <a:srgbClr val="000000"/>
-              </a:buClr>
-              <a:buSzPct val="100000"/>
-              <a:buFont typeface="Times New Roman" pitchFamily="18" charset="0"/>
-              <a:defRPr sz="1800">
-                <a:solidFill>
-                  <a:srgbClr val="000000"/>
-                </a:solidFill>
-                <a:latin typeface="+mn-lt"/>
-                <a:ea typeface="+mn-ea"/>
-                <a:cs typeface="+mn-cs"/>
-              </a:defRPr>
-            </a:lvl9pPr>
-          </a:lstStyle>
-          <a:p>
-            <a:pPr algn="l" rtl="0" eaLnBrk="1" hangingPunct="1">
-              <a:lnSpc>
-                <a:spcPct val="90000"/>
-              </a:lnSpc>
-            </a:pPr>
-            <a:r>
-              <a:rPr lang="en-US" altLang="en-US" sz="1800" b="1" dirty="0" err="1">
-                <a:latin typeface="Berlin Sans FB Demi" panose="020E0802020502020306" pitchFamily="34" charset="0"/>
-              </a:rPr>
-              <a:t>charAt</a:t>
-            </a:r>
-            <a:endParaRPr lang="en-US" altLang="en-US" sz="1800" b="1" dirty="0">
-              <a:latin typeface="Berlin Sans FB Demi" panose="020E0802020502020306" pitchFamily="34" charset="0"/>
-            </a:endParaRPr>
-          </a:p>
-          <a:p>
-            <a:pPr algn="l" rtl="0" eaLnBrk="1" hangingPunct="1">
-              <a:lnSpc>
-                <a:spcPct val="90000"/>
-              </a:lnSpc>
-            </a:pPr>
-            <a:r>
-              <a:rPr lang="en-US" altLang="en-US" sz="1800" b="1" dirty="0" err="1">
-                <a:latin typeface="Berlin Sans FB Demi" panose="020E0802020502020306" pitchFamily="34" charset="0"/>
-              </a:rPr>
-              <a:t>concat</a:t>
-            </a:r>
-            <a:endParaRPr lang="en-US" altLang="en-US" sz="1800" b="1" dirty="0">
-              <a:latin typeface="Berlin Sans FB Demi" panose="020E0802020502020306" pitchFamily="34" charset="0"/>
-            </a:endParaRPr>
-          </a:p>
-          <a:p>
-            <a:pPr algn="l" rtl="0" eaLnBrk="1" hangingPunct="1">
-              <a:lnSpc>
-                <a:spcPct val="90000"/>
-              </a:lnSpc>
-            </a:pPr>
-            <a:r>
-              <a:rPr lang="en-US" altLang="en-US" sz="1800" b="1" dirty="0" err="1">
-                <a:latin typeface="Berlin Sans FB Demi" panose="020E0802020502020306" pitchFamily="34" charset="0"/>
-              </a:rPr>
-              <a:t>indexOf</a:t>
-            </a:r>
-            <a:endParaRPr lang="en-US" altLang="en-US" sz="1800" b="1" dirty="0">
-              <a:latin typeface="Berlin Sans FB Demi" panose="020E0802020502020306" pitchFamily="34" charset="0"/>
-            </a:endParaRPr>
-          </a:p>
-          <a:p>
-            <a:pPr algn="l" rtl="0" eaLnBrk="1" hangingPunct="1">
-              <a:lnSpc>
-                <a:spcPct val="90000"/>
-              </a:lnSpc>
-            </a:pPr>
-            <a:r>
-              <a:rPr lang="en-US" altLang="en-US" sz="1800" b="1" dirty="0" err="1">
-                <a:latin typeface="Berlin Sans FB Demi" panose="020E0802020502020306" pitchFamily="34" charset="0"/>
-              </a:rPr>
-              <a:t>lastIndexOf</a:t>
-            </a:r>
-            <a:endParaRPr lang="en-US" altLang="en-US" sz="1800" b="1" dirty="0">
-              <a:latin typeface="Berlin Sans FB Demi" panose="020E0802020502020306" pitchFamily="34" charset="0"/>
-            </a:endParaRPr>
-          </a:p>
-          <a:p>
-            <a:pPr algn="l" rtl="0" eaLnBrk="1" hangingPunct="1">
-              <a:lnSpc>
-                <a:spcPct val="90000"/>
-              </a:lnSpc>
-            </a:pPr>
-            <a:r>
-              <a:rPr lang="en-US" altLang="en-US" sz="1800" b="1" dirty="0">
-                <a:latin typeface="Berlin Sans FB Demi" panose="020E0802020502020306" pitchFamily="34" charset="0"/>
-              </a:rPr>
-              <a:t>match</a:t>
-            </a:r>
-          </a:p>
-          <a:p>
-            <a:pPr algn="l" rtl="0" eaLnBrk="1" hangingPunct="1">
-              <a:lnSpc>
-                <a:spcPct val="90000"/>
-              </a:lnSpc>
-            </a:pPr>
-            <a:r>
-              <a:rPr lang="en-US" altLang="en-US" sz="1800" b="1" dirty="0">
-                <a:latin typeface="Berlin Sans FB Demi" panose="020E0802020502020306" pitchFamily="34" charset="0"/>
-              </a:rPr>
-              <a:t>replace</a:t>
-            </a:r>
-          </a:p>
-          <a:p>
-            <a:pPr algn="l" rtl="0" eaLnBrk="1" hangingPunct="1">
-              <a:lnSpc>
-                <a:spcPct val="90000"/>
-              </a:lnSpc>
-            </a:pPr>
-            <a:r>
-              <a:rPr lang="en-US" altLang="en-US" sz="1800" b="1" dirty="0">
-                <a:latin typeface="Berlin Sans FB Demi" panose="020E0802020502020306" pitchFamily="34" charset="0"/>
-              </a:rPr>
-              <a:t>search</a:t>
-            </a:r>
-          </a:p>
-          <a:p>
-            <a:pPr algn="l" rtl="0" eaLnBrk="1" hangingPunct="1">
-              <a:lnSpc>
-                <a:spcPct val="90000"/>
-              </a:lnSpc>
-            </a:pPr>
-            <a:r>
-              <a:rPr lang="en-US" altLang="en-US" sz="1800" b="1" dirty="0">
-                <a:latin typeface="Berlin Sans FB Demi" panose="020E0802020502020306" pitchFamily="34" charset="0"/>
-              </a:rPr>
-              <a:t>slice</a:t>
-            </a:r>
-          </a:p>
-          <a:p>
-            <a:pPr algn="l" rtl="0" eaLnBrk="1" hangingPunct="1">
-              <a:spcAft>
-                <a:spcPct val="25000"/>
-              </a:spcAft>
-            </a:pPr>
-            <a:endParaRPr lang="en-US" altLang="en-US" b="1" dirty="0" smtClean="0">
-              <a:latin typeface="Courier New" pitchFamily="49" charset="0"/>
-            </a:endParaRPr>
-          </a:p>
-        </p:txBody>
-      </p:sp>
-      <p:sp>
-        <p:nvSpPr>
-          <p:cNvPr id="6" name="Rectangle 5"/>
-          <p:cNvSpPr>
-            <a:spLocks noGrp="1" noChangeArrowheads="1"/>
-          </p:cNvSpPr>
-          <p:nvPr/>
-        </p:nvSpPr>
-        <p:spPr bwMode="auto">
-          <a:xfrm>
-            <a:off x="5105401" y="2819400"/>
-            <a:ext cx="2362200" cy="3200400"/>
-          </a:xfrm>
-          <a:prstGeom prst="rect">
-            <a:avLst/>
-          </a:prstGeom>
-          <a:noFill/>
-          <a:ln>
-            <a:noFill/>
-          </a:ln>
-          <a:extLst>
-            <a:ext uri="{909E8E84-426E-40DD-AFC4-6F175D3DCCD1}">
-              <a14:hiddenFill xmlns:a14="http://schemas.microsoft.com/office/drawing/2010/main">
-                <a:solidFill>
-                  <a:srgbClr val="FFFFFF"/>
-                </a:solidFill>
-              </a14:hiddenFill>
-            </a:ext>
-            <a:ext uri="{91240B29-F687-4F45-9708-019B960494DF}">
-              <a14:hiddenLine xmlns:a14="http://schemas.microsoft.com/office/drawing/2010/main" w="9525">
-                <a:solidFill>
-                  <a:srgbClr val="000000"/>
-                </a:solidFill>
-                <a:round/>
-                <a:headEnd/>
-                <a:tailEnd/>
-              </a14:hiddenLine>
-            </a:ext>
-          </a:extLst>
-        </p:spPr>
-        <p:txBody>
-          <a:bodyPr vert="horz" wrap="square" lIns="0" tIns="25602" rIns="0" bIns="0" numCol="1" anchor="t" anchorCtr="0" compatLnSpc="1">
-            <a:prstTxWarp prst="textNoShape">
-              <a:avLst/>
-            </a:prstTxWarp>
-          </a:bodyPr>
-          <a:lstStyle>
-            <a:lvl1pPr marL="309563" indent="-309563" algn="r" defTabSz="414338" rtl="1" eaLnBrk="0" fontAlgn="base" hangingPunct="0">
-              <a:lnSpc>
-                <a:spcPct val="93000"/>
-              </a:lnSpc>
-              <a:spcBef>
-                <a:spcPct val="0"/>
-              </a:spcBef>
-              <a:spcAft>
-                <a:spcPts val="1288"/>
-              </a:spcAft>
-              <a:buClr>
-                <a:srgbClr val="000000"/>
-              </a:buClr>
-              <a:buSzPct val="100000"/>
-              <a:buFont typeface="Times New Roman" pitchFamily="18" charset="0"/>
-              <a:defRPr sz="2900">
-                <a:solidFill>
-                  <a:srgbClr val="000000"/>
-                </a:solidFill>
-                <a:latin typeface="+mn-lt"/>
-                <a:ea typeface="+mn-ea"/>
-                <a:cs typeface="+mn-cs"/>
-              </a:defRPr>
-            </a:lvl1pPr>
-            <a:lvl2pPr marL="673100" indent="-258763" algn="r" defTabSz="414338" rtl="1" eaLnBrk="0" fontAlgn="base" hangingPunct="0">
-              <a:lnSpc>
-                <a:spcPct val="93000"/>
-              </a:lnSpc>
-              <a:spcBef>
-                <a:spcPct val="0"/>
-              </a:spcBef>
-              <a:spcAft>
-                <a:spcPts val="1038"/>
-              </a:spcAft>
-              <a:buClr>
-                <a:srgbClr val="000000"/>
-              </a:buClr>
-              <a:buSzPct val="100000"/>
-              <a:buFont typeface="Times New Roman" pitchFamily="18" charset="0"/>
-              <a:defRPr sz="2500">
-                <a:solidFill>
-                  <a:srgbClr val="000000"/>
-                </a:solidFill>
-                <a:latin typeface="+mn-lt"/>
-                <a:ea typeface="+mn-ea"/>
-                <a:cs typeface="+mn-cs"/>
-              </a:defRPr>
-            </a:lvl2pPr>
-            <a:lvl3pPr marL="1036638" indent="-206375" algn="r" defTabSz="414338" rtl="1" eaLnBrk="0" fontAlgn="base" hangingPunct="0">
-              <a:lnSpc>
-                <a:spcPct val="93000"/>
-              </a:lnSpc>
-              <a:spcBef>
-                <a:spcPct val="0"/>
-              </a:spcBef>
-              <a:spcAft>
-                <a:spcPts val="775"/>
-              </a:spcAft>
-              <a:buClr>
-                <a:srgbClr val="000000"/>
-              </a:buClr>
-              <a:buSzPct val="100000"/>
-              <a:buFont typeface="Times New Roman" pitchFamily="18" charset="0"/>
-              <a:defRPr sz="2200">
-                <a:solidFill>
-                  <a:srgbClr val="000000"/>
-                </a:solidFill>
-                <a:latin typeface="+mn-lt"/>
-                <a:ea typeface="+mn-ea"/>
-                <a:cs typeface="+mn-cs"/>
-              </a:defRPr>
-            </a:lvl3pPr>
-            <a:lvl4pPr marL="1450975" indent="-206375" algn="r" defTabSz="414338" rtl="1" eaLnBrk="0" fontAlgn="base" hangingPunct="0">
-              <a:lnSpc>
-                <a:spcPct val="93000"/>
-              </a:lnSpc>
-              <a:spcBef>
-                <a:spcPct val="0"/>
-              </a:spcBef>
-              <a:spcAft>
-                <a:spcPts val="525"/>
-              </a:spcAft>
-              <a:buClr>
-                <a:srgbClr val="000000"/>
-              </a:buClr>
-              <a:buSzPct val="100000"/>
-              <a:buFont typeface="Times New Roman" pitchFamily="18" charset="0"/>
-              <a:defRPr>
-                <a:solidFill>
-                  <a:srgbClr val="000000"/>
-                </a:solidFill>
-                <a:latin typeface="+mn-lt"/>
-                <a:ea typeface="+mn-ea"/>
-                <a:cs typeface="+mn-cs"/>
-              </a:defRPr>
-            </a:lvl4pPr>
-            <a:lvl5pPr marL="1865313" indent="-206375" algn="r" defTabSz="414338" rtl="1" eaLnBrk="0" fontAlgn="base" hangingPunct="0">
-              <a:lnSpc>
-                <a:spcPct val="93000"/>
-              </a:lnSpc>
-              <a:spcBef>
-                <a:spcPct val="0"/>
-              </a:spcBef>
-              <a:spcAft>
-                <a:spcPts val="263"/>
-              </a:spcAft>
-              <a:buClr>
-                <a:srgbClr val="000000"/>
-              </a:buClr>
-              <a:buSzPct val="100000"/>
-              <a:buFont typeface="Times New Roman" pitchFamily="18" charset="0"/>
-              <a:defRPr>
-                <a:solidFill>
-                  <a:srgbClr val="000000"/>
-                </a:solidFill>
-                <a:latin typeface="+mn-lt"/>
-                <a:ea typeface="+mn-ea"/>
-                <a:cs typeface="+mn-cs"/>
-              </a:defRPr>
-            </a:lvl5pPr>
-            <a:lvl6pPr marL="2280994" indent="-207363" algn="r" defTabSz="414726" rtl="1" eaLnBrk="1" fontAlgn="base" hangingPunct="1">
-              <a:lnSpc>
-                <a:spcPct val="93000"/>
-              </a:lnSpc>
-              <a:spcBef>
-                <a:spcPct val="0"/>
-              </a:spcBef>
-              <a:spcAft>
-                <a:spcPts val="261"/>
-              </a:spcAft>
-              <a:buClr>
-                <a:srgbClr val="000000"/>
-              </a:buClr>
-              <a:buSzPct val="100000"/>
-              <a:buFont typeface="Times New Roman" pitchFamily="18" charset="0"/>
-              <a:defRPr sz="1800">
-                <a:solidFill>
-                  <a:srgbClr val="000000"/>
-                </a:solidFill>
-                <a:latin typeface="+mn-lt"/>
-                <a:ea typeface="+mn-ea"/>
-                <a:cs typeface="+mn-cs"/>
-              </a:defRPr>
-            </a:lvl6pPr>
-            <a:lvl7pPr marL="2695720" indent="-207363" algn="r" defTabSz="414726" rtl="1" eaLnBrk="1" fontAlgn="base" hangingPunct="1">
-              <a:lnSpc>
-                <a:spcPct val="93000"/>
-              </a:lnSpc>
-              <a:spcBef>
-                <a:spcPct val="0"/>
-              </a:spcBef>
-              <a:spcAft>
-                <a:spcPts val="261"/>
-              </a:spcAft>
-              <a:buClr>
-                <a:srgbClr val="000000"/>
-              </a:buClr>
-              <a:buSzPct val="100000"/>
-              <a:buFont typeface="Times New Roman" pitchFamily="18" charset="0"/>
-              <a:defRPr sz="1800">
-                <a:solidFill>
-                  <a:srgbClr val="000000"/>
-                </a:solidFill>
-                <a:latin typeface="+mn-lt"/>
-                <a:ea typeface="+mn-ea"/>
-                <a:cs typeface="+mn-cs"/>
-              </a:defRPr>
-            </a:lvl7pPr>
-            <a:lvl8pPr marL="3110446" indent="-207363" algn="r" defTabSz="414726" rtl="1" eaLnBrk="1" fontAlgn="base" hangingPunct="1">
-              <a:lnSpc>
-                <a:spcPct val="93000"/>
-              </a:lnSpc>
-              <a:spcBef>
-                <a:spcPct val="0"/>
-              </a:spcBef>
-              <a:spcAft>
-                <a:spcPts val="261"/>
-              </a:spcAft>
-              <a:buClr>
-                <a:srgbClr val="000000"/>
-              </a:buClr>
-              <a:buSzPct val="100000"/>
-              <a:buFont typeface="Times New Roman" pitchFamily="18" charset="0"/>
-              <a:defRPr sz="1800">
-                <a:solidFill>
-                  <a:srgbClr val="000000"/>
-                </a:solidFill>
-                <a:latin typeface="+mn-lt"/>
-                <a:ea typeface="+mn-ea"/>
-                <a:cs typeface="+mn-cs"/>
-              </a:defRPr>
-            </a:lvl8pPr>
-            <a:lvl9pPr marL="3525172" indent="-207363" algn="r" defTabSz="414726" rtl="1" eaLnBrk="1" fontAlgn="base" hangingPunct="1">
-              <a:lnSpc>
-                <a:spcPct val="93000"/>
-              </a:lnSpc>
-              <a:spcBef>
-                <a:spcPct val="0"/>
-              </a:spcBef>
-              <a:spcAft>
-                <a:spcPts val="261"/>
-              </a:spcAft>
-              <a:buClr>
-                <a:srgbClr val="000000"/>
-              </a:buClr>
-              <a:buSzPct val="100000"/>
-              <a:buFont typeface="Times New Roman" pitchFamily="18" charset="0"/>
-              <a:defRPr sz="1800">
-                <a:solidFill>
-                  <a:srgbClr val="000000"/>
-                </a:solidFill>
-                <a:latin typeface="+mn-lt"/>
-                <a:ea typeface="+mn-ea"/>
-                <a:cs typeface="+mn-cs"/>
-              </a:defRPr>
-            </a:lvl9pPr>
-          </a:lstStyle>
-          <a:p>
-            <a:pPr marL="311045" indent="-311045" algn="l" defTabSz="414726">
-              <a:lnSpc>
-                <a:spcPct val="90000"/>
-              </a:lnSpc>
-              <a:spcAft>
-                <a:spcPts val="1293"/>
-              </a:spcAft>
-              <a:defRPr/>
-            </a:pPr>
-            <a:r>
-              <a:rPr lang="en-US" sz="1800" b="1" kern="0" dirty="0">
-                <a:latin typeface="Berlin Sans FB Demi" panose="020E0802020502020306" pitchFamily="34" charset="0"/>
-              </a:rPr>
-              <a:t>split</a:t>
-            </a:r>
-          </a:p>
-          <a:p>
-            <a:pPr marL="311045" indent="-311045" algn="l" defTabSz="414726">
-              <a:lnSpc>
-                <a:spcPct val="90000"/>
-              </a:lnSpc>
-              <a:spcAft>
-                <a:spcPts val="1293"/>
-              </a:spcAft>
-              <a:defRPr/>
-            </a:pPr>
-            <a:r>
-              <a:rPr lang="en-US" sz="1800" b="1" kern="0" dirty="0">
-                <a:latin typeface="Berlin Sans FB Demi" panose="020E0802020502020306" pitchFamily="34" charset="0"/>
-              </a:rPr>
-              <a:t>substring</a:t>
-            </a:r>
-          </a:p>
-          <a:p>
-            <a:pPr marL="311045" indent="-311045" algn="l" defTabSz="414726">
-              <a:lnSpc>
-                <a:spcPct val="90000"/>
-              </a:lnSpc>
-              <a:spcAft>
-                <a:spcPts val="1293"/>
-              </a:spcAft>
-              <a:defRPr/>
-            </a:pPr>
-            <a:r>
-              <a:rPr lang="en-US" sz="1800" b="1" kern="0" dirty="0" err="1">
-                <a:latin typeface="Berlin Sans FB Demi" panose="020E0802020502020306" pitchFamily="34" charset="0"/>
-              </a:rPr>
-              <a:t>toLowerCase</a:t>
-            </a:r>
-            <a:endParaRPr lang="en-US" sz="1800" b="1" kern="0" dirty="0">
-              <a:latin typeface="Berlin Sans FB Demi" panose="020E0802020502020306" pitchFamily="34" charset="0"/>
-            </a:endParaRPr>
-          </a:p>
-          <a:p>
-            <a:pPr marL="311045" indent="-311045" algn="l" defTabSz="414726">
-              <a:lnSpc>
-                <a:spcPct val="90000"/>
-              </a:lnSpc>
-              <a:spcAft>
-                <a:spcPts val="1293"/>
-              </a:spcAft>
-              <a:defRPr/>
-            </a:pPr>
-            <a:r>
-              <a:rPr lang="en-US" sz="1800" b="1" kern="0" dirty="0" err="1">
-                <a:latin typeface="Berlin Sans FB Demi" panose="020E0802020502020306" pitchFamily="34" charset="0"/>
-              </a:rPr>
-              <a:t>toUpperCase</a:t>
-            </a:r>
-            <a:endParaRPr lang="en-US" sz="1800" b="1" kern="0" dirty="0">
-              <a:latin typeface="Berlin Sans FB Demi" panose="020E0802020502020306" pitchFamily="34" charset="0"/>
-            </a:endParaRPr>
-          </a:p>
-        </p:txBody>
-      </p:sp>
-    </p:spTree>
-    <p:extLst>
-      <p:ext uri="{BB962C8B-B14F-4D97-AF65-F5344CB8AC3E}">
-        <p14:creationId xmlns:p14="http://schemas.microsoft.com/office/powerpoint/2010/main" val="3530770180"/>
-      </p:ext>
-    </p:extLst>
-  </p:cSld>
-  <p:clrMapOvr>
-    <a:masterClrMapping/>
-  </p:clrMapOvr>
-  <p:timing>
-    <p:tnLst>
-      <p:par>
-        <p:cTn id="1" dur="indefinite" restart="never" nodeType="tmRoot"/>
-      </p:par>
-    </p:tnLst>
-  </p:timing>
-</p:sld>
-</file>
-
-<file path=ppt/slides/slide15.xml><?xml version="1.0" encoding="utf-8"?>
 <p:sld xmlns:a="http://schemas.openxmlformats.org/drawingml/2006/main" xmlns:r="http://schemas.openxmlformats.org/officeDocument/2006/relationships" xmlns:p="http://schemas.openxmlformats.org/presentationml/2006/main">
   <p:cSld>
     <p:spTree>
@@ -18028,13 +16631,438 @@
   <p:clrMapOvr>
     <a:masterClrMapping/>
   </p:clrMapOvr>
-  <p:timing>
-    <p:tnLst>
-      <p:par>
-        <p:cTn id="1" dur="indefinite" restart="never" nodeType="tmRoot"/>
-      </p:par>
-    </p:tnLst>
-  </p:timing>
+</p:sld>
+</file>
+
+<file path=ppt/slides/slide15.xml><?xml version="1.0" encoding="utf-8"?>
+<p:sld xmlns:a="http://schemas.openxmlformats.org/drawingml/2006/main" xmlns:r="http://schemas.openxmlformats.org/officeDocument/2006/relationships" xmlns:p="http://schemas.openxmlformats.org/presentationml/2006/main">
+  <p:cSld>
+    <p:spTree>
+      <p:nvGrpSpPr>
+        <p:cNvPr id="1" name=""/>
+        <p:cNvGrpSpPr/>
+        <p:nvPr/>
+      </p:nvGrpSpPr>
+      <p:grpSpPr>
+        <a:xfrm>
+          <a:off x="0" y="0"/>
+          <a:ext cx="0" cy="0"/>
+          <a:chOff x="0" y="0"/>
+          <a:chExt cx="0" cy="0"/>
+        </a:xfrm>
+      </p:grpSpPr>
+      <p:sp>
+        <p:nvSpPr>
+          <p:cNvPr id="2" name="Title 1"/>
+          <p:cNvSpPr>
+            <a:spLocks noGrp="1"/>
+          </p:cNvSpPr>
+          <p:nvPr>
+            <p:ph type="ctrTitle"/>
+          </p:nvPr>
+        </p:nvSpPr>
+        <p:spPr>
+          <a:xfrm>
+            <a:off x="0" y="304800"/>
+            <a:ext cx="9144000" cy="1066800"/>
+          </a:xfrm>
+        </p:spPr>
+        <p:txBody>
+          <a:bodyPr/>
+          <a:lstStyle/>
+          <a:p>
+            <a:pPr marL="182880" indent="0" algn="ctr">
+              <a:buNone/>
+            </a:pPr>
+            <a:r>
+              <a:rPr lang="en-US" dirty="0"/>
+              <a:t>Operator</a:t>
+            </a:r>
+          </a:p>
+        </p:txBody>
+      </p:sp>
+      <p:sp>
+        <p:nvSpPr>
+          <p:cNvPr id="4" name="Rectangle 3"/>
+          <p:cNvSpPr>
+            <a:spLocks noGrp="1" noChangeArrowheads="1"/>
+          </p:cNvSpPr>
+          <p:nvPr/>
+        </p:nvSpPr>
+        <p:spPr bwMode="auto">
+          <a:xfrm>
+            <a:off x="0" y="1295400"/>
+            <a:ext cx="9144001" cy="1143000"/>
+          </a:xfrm>
+          <a:prstGeom prst="rect">
+            <a:avLst/>
+          </a:prstGeom>
+          <a:noFill/>
+          <a:ln>
+            <a:noFill/>
+          </a:ln>
+          <a:extLst>
+            <a:ext uri="{909E8E84-426E-40DD-AFC4-6F175D3DCCD1}">
+              <a14:hiddenFill xmlns:a14="http://schemas.microsoft.com/office/drawing/2010/main">
+                <a:solidFill>
+                  <a:srgbClr val="FFFFFF"/>
+                </a:solidFill>
+              </a14:hiddenFill>
+            </a:ext>
+            <a:ext uri="{91240B29-F687-4F45-9708-019B960494DF}">
+              <a14:hiddenLine xmlns:a14="http://schemas.microsoft.com/office/drawing/2010/main" w="9525">
+                <a:solidFill>
+                  <a:srgbClr val="000000"/>
+                </a:solidFill>
+                <a:round/>
+                <a:headEnd/>
+                <a:tailEnd/>
+              </a14:hiddenLine>
+            </a:ext>
+          </a:extLst>
+        </p:spPr>
+        <p:txBody>
+          <a:bodyPr vert="horz" wrap="square" lIns="0" tIns="0" rIns="0" bIns="0" numCol="1" anchor="ctr" anchorCtr="0" compatLnSpc="1">
+            <a:prstTxWarp prst="textNoShape">
+              <a:avLst/>
+            </a:prstTxWarp>
+          </a:bodyPr>
+          <a:lstStyle>
+            <a:lvl1pPr algn="ctr" defTabSz="414338" rtl="1" eaLnBrk="0" fontAlgn="base" hangingPunct="0">
+              <a:lnSpc>
+                <a:spcPct val="93000"/>
+              </a:lnSpc>
+              <a:spcBef>
+                <a:spcPct val="0"/>
+              </a:spcBef>
+              <a:spcAft>
+                <a:spcPct val="0"/>
+              </a:spcAft>
+              <a:buClr>
+                <a:srgbClr val="000000"/>
+              </a:buClr>
+              <a:buSzPct val="100000"/>
+              <a:buFont typeface="Times New Roman" pitchFamily="18" charset="0"/>
+              <a:defRPr sz="4000" b="1">
+                <a:solidFill>
+                  <a:srgbClr val="000000"/>
+                </a:solidFill>
+                <a:latin typeface="+mj-lt"/>
+                <a:ea typeface="+mj-ea"/>
+                <a:cs typeface="+mj-cs"/>
+              </a:defRPr>
+            </a:lvl1pPr>
+            <a:lvl2pPr algn="ctr" defTabSz="414338" rtl="1" eaLnBrk="0" fontAlgn="base" hangingPunct="0">
+              <a:lnSpc>
+                <a:spcPct val="93000"/>
+              </a:lnSpc>
+              <a:spcBef>
+                <a:spcPct val="0"/>
+              </a:spcBef>
+              <a:spcAft>
+                <a:spcPct val="0"/>
+              </a:spcAft>
+              <a:buClr>
+                <a:srgbClr val="000000"/>
+              </a:buClr>
+              <a:buSzPct val="100000"/>
+              <a:buFont typeface="Times New Roman" pitchFamily="18" charset="0"/>
+              <a:defRPr sz="4000" b="1">
+                <a:solidFill>
+                  <a:srgbClr val="000000"/>
+                </a:solidFill>
+                <a:latin typeface="Arial" pitchFamily="34" charset="0"/>
+                <a:ea typeface="SimSun" charset="0"/>
+                <a:cs typeface="SimSun" charset="0"/>
+              </a:defRPr>
+            </a:lvl2pPr>
+            <a:lvl3pPr algn="ctr" defTabSz="414338" rtl="1" eaLnBrk="0" fontAlgn="base" hangingPunct="0">
+              <a:lnSpc>
+                <a:spcPct val="93000"/>
+              </a:lnSpc>
+              <a:spcBef>
+                <a:spcPct val="0"/>
+              </a:spcBef>
+              <a:spcAft>
+                <a:spcPct val="0"/>
+              </a:spcAft>
+              <a:buClr>
+                <a:srgbClr val="000000"/>
+              </a:buClr>
+              <a:buSzPct val="100000"/>
+              <a:buFont typeface="Times New Roman" pitchFamily="18" charset="0"/>
+              <a:defRPr sz="4000" b="1">
+                <a:solidFill>
+                  <a:srgbClr val="000000"/>
+                </a:solidFill>
+                <a:latin typeface="Arial" pitchFamily="34" charset="0"/>
+                <a:ea typeface="SimSun" charset="0"/>
+                <a:cs typeface="SimSun" charset="0"/>
+              </a:defRPr>
+            </a:lvl3pPr>
+            <a:lvl4pPr algn="ctr" defTabSz="414338" rtl="1" eaLnBrk="0" fontAlgn="base" hangingPunct="0">
+              <a:lnSpc>
+                <a:spcPct val="93000"/>
+              </a:lnSpc>
+              <a:spcBef>
+                <a:spcPct val="0"/>
+              </a:spcBef>
+              <a:spcAft>
+                <a:spcPct val="0"/>
+              </a:spcAft>
+              <a:buClr>
+                <a:srgbClr val="000000"/>
+              </a:buClr>
+              <a:buSzPct val="100000"/>
+              <a:buFont typeface="Times New Roman" pitchFamily="18" charset="0"/>
+              <a:defRPr sz="4000" b="1">
+                <a:solidFill>
+                  <a:srgbClr val="000000"/>
+                </a:solidFill>
+                <a:latin typeface="Arial" pitchFamily="34" charset="0"/>
+                <a:ea typeface="SimSun" charset="0"/>
+                <a:cs typeface="SimSun" charset="0"/>
+              </a:defRPr>
+            </a:lvl4pPr>
+            <a:lvl5pPr algn="ctr" defTabSz="414338" rtl="1" eaLnBrk="0" fontAlgn="base" hangingPunct="0">
+              <a:lnSpc>
+                <a:spcPct val="93000"/>
+              </a:lnSpc>
+              <a:spcBef>
+                <a:spcPct val="0"/>
+              </a:spcBef>
+              <a:spcAft>
+                <a:spcPct val="0"/>
+              </a:spcAft>
+              <a:buClr>
+                <a:srgbClr val="000000"/>
+              </a:buClr>
+              <a:buSzPct val="100000"/>
+              <a:buFont typeface="Times New Roman" pitchFamily="18" charset="0"/>
+              <a:defRPr sz="4000" b="1">
+                <a:solidFill>
+                  <a:srgbClr val="000000"/>
+                </a:solidFill>
+                <a:latin typeface="Arial" pitchFamily="34" charset="0"/>
+                <a:ea typeface="SimSun" charset="0"/>
+                <a:cs typeface="SimSun" charset="0"/>
+              </a:defRPr>
+            </a:lvl5pPr>
+            <a:lvl6pPr marL="2280994" indent="-207363" algn="ctr" defTabSz="414726" rtl="1" eaLnBrk="1" fontAlgn="base" hangingPunct="1">
+              <a:lnSpc>
+                <a:spcPct val="93000"/>
+              </a:lnSpc>
+              <a:spcBef>
+                <a:spcPct val="0"/>
+              </a:spcBef>
+              <a:spcAft>
+                <a:spcPct val="0"/>
+              </a:spcAft>
+              <a:buClr>
+                <a:srgbClr val="000000"/>
+              </a:buClr>
+              <a:buSzPct val="100000"/>
+              <a:buFont typeface="Times New Roman" pitchFamily="18" charset="0"/>
+              <a:defRPr sz="4000" b="1">
+                <a:solidFill>
+                  <a:srgbClr val="000000"/>
+                </a:solidFill>
+                <a:latin typeface="Arial" pitchFamily="34" charset="0"/>
+                <a:ea typeface="SimSun" charset="0"/>
+                <a:cs typeface="SimSun" charset="0"/>
+              </a:defRPr>
+            </a:lvl6pPr>
+            <a:lvl7pPr marL="2695720" indent="-207363" algn="ctr" defTabSz="414726" rtl="1" eaLnBrk="1" fontAlgn="base" hangingPunct="1">
+              <a:lnSpc>
+                <a:spcPct val="93000"/>
+              </a:lnSpc>
+              <a:spcBef>
+                <a:spcPct val="0"/>
+              </a:spcBef>
+              <a:spcAft>
+                <a:spcPct val="0"/>
+              </a:spcAft>
+              <a:buClr>
+                <a:srgbClr val="000000"/>
+              </a:buClr>
+              <a:buSzPct val="100000"/>
+              <a:buFont typeface="Times New Roman" pitchFamily="18" charset="0"/>
+              <a:defRPr sz="4000" b="1">
+                <a:solidFill>
+                  <a:srgbClr val="000000"/>
+                </a:solidFill>
+                <a:latin typeface="Arial" pitchFamily="34" charset="0"/>
+                <a:ea typeface="SimSun" charset="0"/>
+                <a:cs typeface="SimSun" charset="0"/>
+              </a:defRPr>
+            </a:lvl7pPr>
+            <a:lvl8pPr marL="3110446" indent="-207363" algn="ctr" defTabSz="414726" rtl="1" eaLnBrk="1" fontAlgn="base" hangingPunct="1">
+              <a:lnSpc>
+                <a:spcPct val="93000"/>
+              </a:lnSpc>
+              <a:spcBef>
+                <a:spcPct val="0"/>
+              </a:spcBef>
+              <a:spcAft>
+                <a:spcPct val="0"/>
+              </a:spcAft>
+              <a:buClr>
+                <a:srgbClr val="000000"/>
+              </a:buClr>
+              <a:buSzPct val="100000"/>
+              <a:buFont typeface="Times New Roman" pitchFamily="18" charset="0"/>
+              <a:defRPr sz="4000" b="1">
+                <a:solidFill>
+                  <a:srgbClr val="000000"/>
+                </a:solidFill>
+                <a:latin typeface="Arial" pitchFamily="34" charset="0"/>
+                <a:ea typeface="SimSun" charset="0"/>
+                <a:cs typeface="SimSun" charset="0"/>
+              </a:defRPr>
+            </a:lvl8pPr>
+            <a:lvl9pPr marL="3525172" indent="-207363" algn="ctr" defTabSz="414726" rtl="1" eaLnBrk="1" fontAlgn="base" hangingPunct="1">
+              <a:lnSpc>
+                <a:spcPct val="93000"/>
+              </a:lnSpc>
+              <a:spcBef>
+                <a:spcPct val="0"/>
+              </a:spcBef>
+              <a:spcAft>
+                <a:spcPct val="0"/>
+              </a:spcAft>
+              <a:buClr>
+                <a:srgbClr val="000000"/>
+              </a:buClr>
+              <a:buSzPct val="100000"/>
+              <a:buFont typeface="Times New Roman" pitchFamily="18" charset="0"/>
+              <a:defRPr sz="4000" b="1">
+                <a:solidFill>
+                  <a:srgbClr val="000000"/>
+                </a:solidFill>
+                <a:latin typeface="Arial" pitchFamily="34" charset="0"/>
+                <a:ea typeface="SimSun" charset="0"/>
+                <a:cs typeface="SimSun" charset="0"/>
+              </a:defRPr>
+            </a:lvl9pPr>
+          </a:lstStyle>
+          <a:p>
+            <a:pPr rtl="0" eaLnBrk="1" hangingPunct="1"/>
+            <a:r>
+              <a:rPr lang="en-US" altLang="en-US" dirty="0"/>
+              <a:t>Addition and concatenation</a:t>
+            </a:r>
+            <a:r>
+              <a:rPr lang="en-US" altLang="en-US" dirty="0">
+                <a:latin typeface="Courier New" pitchFamily="49" charset="0"/>
+              </a:rPr>
+              <a:t>(+)</a:t>
+            </a:r>
+            <a:endParaRPr lang="en-US" altLang="en-US" dirty="0"/>
+          </a:p>
+        </p:txBody>
+      </p:sp>
+      <p:sp>
+        <p:nvSpPr>
+          <p:cNvPr id="3" name="Rectangle 2"/>
+          <p:cNvSpPr/>
+          <p:nvPr/>
+        </p:nvSpPr>
+        <p:spPr>
+          <a:xfrm>
+            <a:off x="2399657" y="2438400"/>
+            <a:ext cx="3815468" cy="2492990"/>
+          </a:xfrm>
+          <a:prstGeom prst="rect">
+            <a:avLst/>
+          </a:prstGeom>
+        </p:spPr>
+        <p:txBody>
+          <a:bodyPr wrap="none">
+            <a:spAutoFit/>
+          </a:bodyPr>
+          <a:lstStyle/>
+          <a:p>
+            <a:pPr marL="342900" indent="-342900">
+              <a:buFont typeface="Wingdings" panose="05000000000000000000" pitchFamily="2" charset="2"/>
+              <a:buChar char="Ø"/>
+            </a:pPr>
+            <a:r>
+              <a:rPr lang="en-US" altLang="en-US" sz="2400" b="1" dirty="0"/>
+              <a:t>'$' + 3 + 4 = '$34‘</a:t>
+            </a:r>
+          </a:p>
+          <a:p>
+            <a:pPr marL="342900" lvl="1" indent="-342900">
+              <a:buFont typeface="Wingdings" panose="05000000000000000000" pitchFamily="2" charset="2"/>
+              <a:buChar char="Ø"/>
+            </a:pPr>
+            <a:r>
+              <a:rPr lang="en-US" altLang="en-US" sz="2400" b="1" dirty="0"/>
+              <a:t>+"42" = 42</a:t>
+            </a:r>
+          </a:p>
+          <a:p>
+            <a:pPr marL="342900" lvl="1" indent="-342900">
+              <a:buFont typeface="Wingdings" panose="05000000000000000000" pitchFamily="2" charset="2"/>
+              <a:buChar char="Ø"/>
+            </a:pPr>
+            <a:r>
+              <a:rPr lang="en-US" altLang="en-US" sz="2400" b="1" dirty="0"/>
+              <a:t>Number("42") = 42</a:t>
+            </a:r>
+          </a:p>
+          <a:p>
+            <a:pPr marL="342900" lvl="1" indent="-342900">
+              <a:buFont typeface="Wingdings" panose="05000000000000000000" pitchFamily="2" charset="2"/>
+              <a:buChar char="Ø"/>
+            </a:pPr>
+            <a:r>
+              <a:rPr lang="en-US" altLang="en-US" sz="2400" b="1" dirty="0" err="1"/>
+              <a:t>parseInt</a:t>
+            </a:r>
+            <a:r>
+              <a:rPr lang="en-US" altLang="en-US" sz="2400" b="1" dirty="0"/>
+              <a:t>("42", 10) = 42</a:t>
+            </a:r>
+          </a:p>
+          <a:p>
+            <a:pPr marL="342900" lvl="1" indent="-342900">
+              <a:buFont typeface="Wingdings" panose="05000000000000000000" pitchFamily="2" charset="2"/>
+              <a:buChar char="Ø"/>
+            </a:pPr>
+            <a:r>
+              <a:rPr lang="en-US" altLang="en-US" sz="2400" b="1" dirty="0"/>
+              <a:t>+"3" + (+"4") = 7</a:t>
+            </a:r>
+            <a:endParaRPr lang="en-US" altLang="en-US" sz="2400" dirty="0"/>
+          </a:p>
+          <a:p>
+            <a:pPr algn="ctr"/>
+            <a:endParaRPr lang="en-US" altLang="en-US" b="1" dirty="0">
+              <a:latin typeface="Courier New" pitchFamily="49" charset="0"/>
+            </a:endParaRPr>
+          </a:p>
+          <a:p>
+            <a:pPr marL="342900" indent="-342900" algn="ctr">
+              <a:buFont typeface="Wingdings" panose="05000000000000000000" pitchFamily="2" charset="2"/>
+              <a:buChar char="v"/>
+            </a:pPr>
+            <a:endParaRPr lang="en-US" altLang="en-US" b="1" dirty="0">
+              <a:latin typeface="Courier New" pitchFamily="49" charset="0"/>
+            </a:endParaRPr>
+          </a:p>
+        </p:txBody>
+      </p:sp>
+    </p:spTree>
+    <p:extLst>
+      <p:ext uri="{BB962C8B-B14F-4D97-AF65-F5344CB8AC3E}">
+        <p14:creationId xmlns:p14="http://schemas.microsoft.com/office/powerpoint/2010/main" val="2216679364"/>
+      </p:ext>
+    </p:extLst>
+  </p:cSld>
+  <p:clrMapOvr>
+    <a:masterClrMapping/>
+  </p:clrMapOvr>
 </p:sld>
 </file>
 
@@ -18353,17 +17381,16 @@
             <a:pPr rtl="0" eaLnBrk="1" hangingPunct="1"/>
             <a:r>
               <a:rPr lang="en-US" altLang="en-US" dirty="0"/>
-              <a:t>Addition and </a:t>
+              <a:t>Equal and not equal</a:t>
             </a:r>
+          </a:p>
+          <a:p>
+            <a:pPr rtl="0" eaLnBrk="1" hangingPunct="1"/>
             <a:r>
-              <a:rPr lang="en-US" altLang="en-US" dirty="0" smtClean="0"/>
-              <a:t>concatenation</a:t>
-            </a:r>
-            <a:r>
-              <a:rPr lang="en-US" altLang="en-US" dirty="0" smtClean="0">
+              <a:rPr lang="en-US" altLang="en-US" dirty="0">
                 <a:latin typeface="Courier New" pitchFamily="49" charset="0"/>
               </a:rPr>
-              <a:t>(+)</a:t>
+              <a:t>(==,!=)</a:t>
             </a:r>
             <a:endParaRPr lang="en-US" altLang="en-US" dirty="0"/>
           </a:p>
@@ -18371,14 +17398,14 @@
       </p:sp>
       <p:sp>
         <p:nvSpPr>
-          <p:cNvPr id="3" name="Rectangle 2"/>
+          <p:cNvPr id="5" name="Rectangle 4"/>
           <p:cNvSpPr/>
           <p:nvPr/>
         </p:nvSpPr>
         <p:spPr>
           <a:xfrm>
-            <a:off x="2399657" y="2438400"/>
-            <a:ext cx="3815468" cy="2492990"/>
+            <a:off x="2835563" y="3705999"/>
+            <a:ext cx="3472874" cy="461665"/>
           </a:xfrm>
           <a:prstGeom prst="rect">
             <a:avLst/>
@@ -18390,98 +17417,43 @@
           </a:bodyPr>
           <a:lstStyle/>
           <a:p>
-            <a:pPr marL="342900" indent="-342900">
-              <a:buFont typeface="Wingdings" panose="05000000000000000000" pitchFamily="2" charset="2"/>
-              <a:buChar char="Ø"/>
-            </a:pPr>
             <a:r>
-              <a:rPr lang="en-US" altLang="en-US" sz="2400" b="1" dirty="0"/>
-              <a:t>'$' + 3 + 4 = '$</a:t>
+              <a:rPr lang="en-US" altLang="en-US" sz="2400" b="1" dirty="0" err="1">
+                <a:solidFill>
+                  <a:schemeClr val="accent1">
+                    <a:lumMod val="50000"/>
+                  </a:schemeClr>
+                </a:solidFill>
+                <a:latin typeface="Arial Black" panose="020B0A04020102020204" pitchFamily="34" charset="0"/>
+                <a:ea typeface="Cambria" panose="02040503050406030204" pitchFamily="18" charset="0"/>
+              </a:rPr>
+              <a:t>Practicale</a:t>
             </a:r>
             <a:r>
-              <a:rPr lang="en-US" altLang="en-US" sz="2400" b="1" dirty="0" smtClean="0"/>
-              <a:t>34‘</a:t>
+              <a:rPr lang="en-US" altLang="en-US" sz="2400" b="1" dirty="0">
+                <a:solidFill>
+                  <a:schemeClr val="accent1">
+                    <a:lumMod val="50000"/>
+                  </a:schemeClr>
+                </a:solidFill>
+                <a:latin typeface="Arial Black" panose="020B0A04020102020204" pitchFamily="34" charset="0"/>
+                <a:ea typeface="Cambria" panose="02040503050406030204" pitchFamily="18" charset="0"/>
+              </a:rPr>
+              <a:t> Example</a:t>
             </a:r>
-          </a:p>
-          <a:p>
-            <a:pPr marL="342900" lvl="1" indent="-342900">
-              <a:buFont typeface="Wingdings" panose="05000000000000000000" pitchFamily="2" charset="2"/>
-              <a:buChar char="Ø"/>
-            </a:pPr>
-            <a:r>
-              <a:rPr lang="en-US" altLang="en-US" sz="2400" b="1" dirty="0"/>
-              <a:t>+"42" = 42</a:t>
-            </a:r>
-          </a:p>
-          <a:p>
-            <a:pPr marL="342900" lvl="1" indent="-342900">
-              <a:buFont typeface="Wingdings" panose="05000000000000000000" pitchFamily="2" charset="2"/>
-              <a:buChar char="Ø"/>
-            </a:pPr>
-            <a:r>
-              <a:rPr lang="en-US" altLang="en-US" sz="2400" b="1" dirty="0"/>
-              <a:t>Number("42") = 42</a:t>
-            </a:r>
-          </a:p>
-          <a:p>
-            <a:pPr marL="342900" lvl="1" indent="-342900">
-              <a:buFont typeface="Wingdings" panose="05000000000000000000" pitchFamily="2" charset="2"/>
-              <a:buChar char="Ø"/>
-            </a:pPr>
-            <a:r>
-              <a:rPr lang="en-US" altLang="en-US" sz="2400" b="1" dirty="0" err="1"/>
-              <a:t>parseInt</a:t>
-            </a:r>
-            <a:r>
-              <a:rPr lang="en-US" altLang="en-US" sz="2400" b="1" dirty="0"/>
-              <a:t>("42", 10) = 42</a:t>
-            </a:r>
-          </a:p>
-          <a:p>
-            <a:pPr marL="342900" lvl="1" indent="-342900">
-              <a:buFont typeface="Wingdings" panose="05000000000000000000" pitchFamily="2" charset="2"/>
-              <a:buChar char="Ø"/>
-            </a:pPr>
-            <a:r>
-              <a:rPr lang="en-US" altLang="en-US" sz="2400" b="1" dirty="0"/>
-              <a:t>+"3" + (+"4") = 7</a:t>
-            </a:r>
-            <a:endParaRPr lang="en-US" altLang="en-US" sz="2400" dirty="0"/>
-          </a:p>
-          <a:p>
-            <a:pPr algn="ctr"/>
-            <a:endParaRPr lang="en-US" altLang="en-US" b="1" dirty="0" smtClean="0">
-              <a:latin typeface="Courier New" pitchFamily="49" charset="0"/>
-            </a:endParaRPr>
-          </a:p>
-          <a:p>
-            <a:pPr marL="342900" indent="-342900" algn="ctr">
-              <a:buFont typeface="Wingdings" panose="05000000000000000000" pitchFamily="2" charset="2"/>
-              <a:buChar char="v"/>
-            </a:pPr>
-            <a:endParaRPr lang="en-US" altLang="en-US" b="1" dirty="0">
-              <a:latin typeface="Courier New" pitchFamily="49" charset="0"/>
-            </a:endParaRPr>
           </a:p>
         </p:txBody>
       </p:sp>
     </p:spTree>
     <p:extLst>
       <p:ext uri="{BB962C8B-B14F-4D97-AF65-F5344CB8AC3E}">
-        <p14:creationId xmlns:p14="http://schemas.microsoft.com/office/powerpoint/2010/main" val="2216679364"/>
+        <p14:creationId xmlns:p14="http://schemas.microsoft.com/office/powerpoint/2010/main" val="2351476992"/>
       </p:ext>
     </p:extLst>
   </p:cSld>
   <p:clrMapOvr>
     <a:masterClrMapping/>
   </p:clrMapOvr>
-  <p:timing>
-    <p:tnLst>
-      <p:par>
-        <p:cTn id="1" dur="indefinite" restart="never" nodeType="tmRoot"/>
-      </p:par>
-    </p:tnLst>
-  </p:timing>
 </p:sld>
 </file>
 
@@ -18526,10 +17498,9 @@
               <a:buNone/>
             </a:pPr>
             <a:r>
-              <a:rPr lang="en-US" dirty="0" smtClean="0"/>
+              <a:rPr lang="en-US" dirty="0"/>
               <a:t>Operator</a:t>
             </a:r>
-            <a:endParaRPr lang="en-US" dirty="0"/>
           </a:p>
         </p:txBody>
       </p:sp>
@@ -18800,17 +17771,22 @@
           <a:p>
             <a:pPr rtl="0" eaLnBrk="1" hangingPunct="1"/>
             <a:r>
-              <a:rPr lang="en-US" altLang="en-US" dirty="0"/>
-              <a:t>Equal and not equal</a:t>
+              <a:rPr lang="en-US" dirty="0"/>
+              <a:t>The guard operator, aka </a:t>
             </a:r>
+            <a:r>
+              <a:rPr lang="en-US" i="1" dirty="0"/>
+              <a:t>logical and</a:t>
+            </a:r>
+            <a:endParaRPr lang="en-US" altLang="en-US" dirty="0"/>
           </a:p>
           <a:p>
             <a:pPr rtl="0" eaLnBrk="1" hangingPunct="1"/>
             <a:r>
-              <a:rPr lang="en-US" altLang="en-US" dirty="0" smtClean="0">
+              <a:rPr lang="en-US" altLang="en-US" dirty="0">
                 <a:latin typeface="Courier New" pitchFamily="49" charset="0"/>
               </a:rPr>
-              <a:t>(==,!=)</a:t>
+              <a:t>(&amp;&amp;)</a:t>
             </a:r>
             <a:endParaRPr lang="en-US" altLang="en-US" dirty="0"/>
           </a:p>
@@ -18867,20 +17843,13 @@
     </p:spTree>
     <p:extLst>
       <p:ext uri="{BB962C8B-B14F-4D97-AF65-F5344CB8AC3E}">
-        <p14:creationId xmlns:p14="http://schemas.microsoft.com/office/powerpoint/2010/main" val="2351476992"/>
+        <p14:creationId xmlns:p14="http://schemas.microsoft.com/office/powerpoint/2010/main" val="1028957487"/>
       </p:ext>
     </p:extLst>
   </p:cSld>
   <p:clrMapOvr>
     <a:masterClrMapping/>
   </p:clrMapOvr>
-  <p:timing>
-    <p:tnLst>
-      <p:par>
-        <p:cTn id="1" dur="indefinite" restart="never" nodeType="tmRoot"/>
-      </p:par>
-    </p:tnLst>
-  </p:timing>
 </p:sld>
 </file>
 
@@ -18925,10 +17894,9 @@
               <a:buNone/>
             </a:pPr>
             <a:r>
-              <a:rPr lang="en-US" dirty="0" smtClean="0"/>
+              <a:rPr lang="en-US" dirty="0"/>
               <a:t>Operator</a:t>
             </a:r>
-            <a:endParaRPr lang="en-US" dirty="0"/>
           </a:p>
         </p:txBody>
       </p:sp>
@@ -19199,40 +18167,20 @@
           <a:p>
             <a:pPr rtl="0" eaLnBrk="1" hangingPunct="1"/>
             <a:r>
-              <a:rPr lang="en-US" dirty="0"/>
-              <a:t>The guard operator, aka </a:t>
+              <a:rPr lang="en-US" altLang="en-US" dirty="0"/>
+              <a:t>The default operator, aka </a:t>
             </a:r>
             <a:r>
-              <a:rPr lang="en-US" i="1" dirty="0"/>
-              <a:t>logical </a:t>
+              <a:rPr lang="en-US" altLang="en-US" i="1" dirty="0"/>
+              <a:t>logical or</a:t>
             </a:r>
-            <a:r>
-              <a:rPr lang="en-US" i="1" dirty="0" smtClean="0"/>
-              <a:t>and</a:t>
-            </a:r>
-            <a:endParaRPr lang="en-US" altLang="en-US" dirty="0"/>
           </a:p>
           <a:p>
             <a:pPr rtl="0" eaLnBrk="1" hangingPunct="1"/>
             <a:r>
-              <a:rPr lang="en-US" altLang="en-US" dirty="0" smtClean="0">
-                <a:latin typeface="Courier New" pitchFamily="49" charset="0"/>
-              </a:rPr>
-              <a:t>(</a:t>
+              <a:rPr lang="en-US" altLang="en-US" i="1" dirty="0"/>
+              <a:t>(||)</a:t>
             </a:r>
-            <a:r>
-              <a:rPr lang="en-US" altLang="en-US" dirty="0">
-                <a:latin typeface="Courier New" pitchFamily="49" charset="0"/>
-              </a:rPr>
-              <a:t>&amp;&amp;</a:t>
-            </a:r>
-            <a:r>
-              <a:rPr lang="en-US" altLang="en-US" dirty="0" smtClean="0">
-                <a:latin typeface="Courier New" pitchFamily="49" charset="0"/>
-              </a:rPr>
-              <a:t>)</a:t>
-            </a:r>
-            <a:endParaRPr lang="en-US" altLang="en-US" dirty="0"/>
           </a:p>
         </p:txBody>
       </p:sp>
@@ -19287,20 +18235,13 @@
     </p:spTree>
     <p:extLst>
       <p:ext uri="{BB962C8B-B14F-4D97-AF65-F5344CB8AC3E}">
-        <p14:creationId xmlns:p14="http://schemas.microsoft.com/office/powerpoint/2010/main" val="1028957487"/>
+        <p14:creationId xmlns:p14="http://schemas.microsoft.com/office/powerpoint/2010/main" val="1523915994"/>
       </p:ext>
     </p:extLst>
   </p:cSld>
   <p:clrMapOvr>
     <a:masterClrMapping/>
   </p:clrMapOvr>
-  <p:timing>
-    <p:tnLst>
-      <p:par>
-        <p:cTn id="1" dur="indefinite" restart="never" nodeType="tmRoot"/>
-      </p:par>
-    </p:tnLst>
-  </p:timing>
 </p:sld>
 </file>
 
@@ -19345,10 +18286,9 @@
               <a:buNone/>
             </a:pPr>
             <a:r>
-              <a:rPr lang="en-US" dirty="0" smtClean="0"/>
+              <a:rPr lang="en-US" dirty="0"/>
               <a:t>Operator</a:t>
             </a:r>
-            <a:endParaRPr lang="en-US" dirty="0"/>
           </a:p>
         </p:txBody>
       </p:sp>
@@ -19620,22 +18560,7 @@
             <a:pPr rtl="0" eaLnBrk="1" hangingPunct="1"/>
             <a:r>
               <a:rPr lang="en-US" altLang="en-US" dirty="0"/>
-              <a:t>The default operator, aka </a:t>
-            </a:r>
-            <a:r>
-              <a:rPr lang="en-US" altLang="en-US" i="1" dirty="0"/>
-              <a:t>logical </a:t>
-            </a:r>
-            <a:r>
-              <a:rPr lang="en-US" altLang="en-US" i="1" dirty="0" smtClean="0"/>
-              <a:t>or</a:t>
-            </a:r>
-          </a:p>
-          <a:p>
-            <a:pPr rtl="0" eaLnBrk="1" hangingPunct="1"/>
-            <a:r>
-              <a:rPr lang="en-US" altLang="en-US" i="1" dirty="0" smtClean="0"/>
-              <a:t>(||)</a:t>
+              <a:t>Statements</a:t>
             </a:r>
             <a:endParaRPr lang="en-US" altLang="en-US" i="1" dirty="0"/>
           </a:p>
@@ -19644,47 +18569,396 @@
       <p:sp>
         <p:nvSpPr>
           <p:cNvPr id="5" name="Rectangle 4"/>
-          <p:cNvSpPr/>
+          <p:cNvSpPr>
+            <a:spLocks noGrp="1" noChangeArrowheads="1"/>
+          </p:cNvSpPr>
           <p:nvPr/>
         </p:nvSpPr>
-        <p:spPr>
+        <p:spPr bwMode="auto">
           <a:xfrm>
-            <a:off x="2835563" y="3705999"/>
-            <a:ext cx="3472874" cy="461665"/>
+            <a:off x="3276600" y="2057400"/>
+            <a:ext cx="3111500" cy="3962400"/>
           </a:xfrm>
           <a:prstGeom prst="rect">
             <a:avLst/>
           </a:prstGeom>
+          <a:noFill/>
+          <a:ln>
+            <a:noFill/>
+          </a:ln>
+          <a:extLst>
+            <a:ext uri="{909E8E84-426E-40DD-AFC4-6F175D3DCCD1}">
+              <a14:hiddenFill xmlns:a14="http://schemas.microsoft.com/office/drawing/2010/main">
+                <a:solidFill>
+                  <a:srgbClr val="FFFFFF"/>
+                </a:solidFill>
+              </a14:hiddenFill>
+            </a:ext>
+            <a:ext uri="{91240B29-F687-4F45-9708-019B960494DF}">
+              <a14:hiddenLine xmlns:a14="http://schemas.microsoft.com/office/drawing/2010/main" w="9525">
+                <a:solidFill>
+                  <a:srgbClr val="000000"/>
+                </a:solidFill>
+                <a:round/>
+                <a:headEnd/>
+                <a:tailEnd/>
+              </a14:hiddenLine>
+            </a:ext>
+          </a:extLst>
         </p:spPr>
         <p:txBody>
-          <a:bodyPr wrap="none">
-            <a:spAutoFit/>
+          <a:bodyPr vert="horz" wrap="square" lIns="0" tIns="25602" rIns="0" bIns="0" numCol="1" anchor="t" anchorCtr="0" compatLnSpc="1">
+            <a:prstTxWarp prst="textNoShape">
+              <a:avLst/>
+            </a:prstTxWarp>
           </a:bodyPr>
-          <a:lstStyle/>
+          <a:lstStyle>
+            <a:lvl1pPr marL="309563" indent="-309563" algn="r" defTabSz="414338" rtl="1" eaLnBrk="0" fontAlgn="base" hangingPunct="0">
+              <a:lnSpc>
+                <a:spcPct val="93000"/>
+              </a:lnSpc>
+              <a:spcBef>
+                <a:spcPct val="0"/>
+              </a:spcBef>
+              <a:spcAft>
+                <a:spcPts val="1288"/>
+              </a:spcAft>
+              <a:buClr>
+                <a:srgbClr val="000000"/>
+              </a:buClr>
+              <a:buSzPct val="100000"/>
+              <a:buFont typeface="Times New Roman" pitchFamily="18" charset="0"/>
+              <a:defRPr sz="2900">
+                <a:solidFill>
+                  <a:srgbClr val="000000"/>
+                </a:solidFill>
+                <a:latin typeface="+mn-lt"/>
+                <a:ea typeface="+mn-ea"/>
+                <a:cs typeface="+mn-cs"/>
+              </a:defRPr>
+            </a:lvl1pPr>
+            <a:lvl2pPr marL="673100" indent="-258763" algn="r" defTabSz="414338" rtl="1" eaLnBrk="0" fontAlgn="base" hangingPunct="0">
+              <a:lnSpc>
+                <a:spcPct val="93000"/>
+              </a:lnSpc>
+              <a:spcBef>
+                <a:spcPct val="0"/>
+              </a:spcBef>
+              <a:spcAft>
+                <a:spcPts val="1038"/>
+              </a:spcAft>
+              <a:buClr>
+                <a:srgbClr val="000000"/>
+              </a:buClr>
+              <a:buSzPct val="100000"/>
+              <a:buFont typeface="Times New Roman" pitchFamily="18" charset="0"/>
+              <a:defRPr sz="2500">
+                <a:solidFill>
+                  <a:srgbClr val="000000"/>
+                </a:solidFill>
+                <a:latin typeface="+mn-lt"/>
+                <a:ea typeface="+mn-ea"/>
+                <a:cs typeface="+mn-cs"/>
+              </a:defRPr>
+            </a:lvl2pPr>
+            <a:lvl3pPr marL="1036638" indent="-206375" algn="r" defTabSz="414338" rtl="1" eaLnBrk="0" fontAlgn="base" hangingPunct="0">
+              <a:lnSpc>
+                <a:spcPct val="93000"/>
+              </a:lnSpc>
+              <a:spcBef>
+                <a:spcPct val="0"/>
+              </a:spcBef>
+              <a:spcAft>
+                <a:spcPts val="775"/>
+              </a:spcAft>
+              <a:buClr>
+                <a:srgbClr val="000000"/>
+              </a:buClr>
+              <a:buSzPct val="100000"/>
+              <a:buFont typeface="Times New Roman" pitchFamily="18" charset="0"/>
+              <a:defRPr sz="2200">
+                <a:solidFill>
+                  <a:srgbClr val="000000"/>
+                </a:solidFill>
+                <a:latin typeface="+mn-lt"/>
+                <a:ea typeface="+mn-ea"/>
+                <a:cs typeface="+mn-cs"/>
+              </a:defRPr>
+            </a:lvl3pPr>
+            <a:lvl4pPr marL="1450975" indent="-206375" algn="r" defTabSz="414338" rtl="1" eaLnBrk="0" fontAlgn="base" hangingPunct="0">
+              <a:lnSpc>
+                <a:spcPct val="93000"/>
+              </a:lnSpc>
+              <a:spcBef>
+                <a:spcPct val="0"/>
+              </a:spcBef>
+              <a:spcAft>
+                <a:spcPts val="525"/>
+              </a:spcAft>
+              <a:buClr>
+                <a:srgbClr val="000000"/>
+              </a:buClr>
+              <a:buSzPct val="100000"/>
+              <a:buFont typeface="Times New Roman" pitchFamily="18" charset="0"/>
+              <a:defRPr>
+                <a:solidFill>
+                  <a:srgbClr val="000000"/>
+                </a:solidFill>
+                <a:latin typeface="+mn-lt"/>
+                <a:ea typeface="+mn-ea"/>
+                <a:cs typeface="+mn-cs"/>
+              </a:defRPr>
+            </a:lvl4pPr>
+            <a:lvl5pPr marL="1865313" indent="-206375" algn="r" defTabSz="414338" rtl="1" eaLnBrk="0" fontAlgn="base" hangingPunct="0">
+              <a:lnSpc>
+                <a:spcPct val="93000"/>
+              </a:lnSpc>
+              <a:spcBef>
+                <a:spcPct val="0"/>
+              </a:spcBef>
+              <a:spcAft>
+                <a:spcPts val="263"/>
+              </a:spcAft>
+              <a:buClr>
+                <a:srgbClr val="000000"/>
+              </a:buClr>
+              <a:buSzPct val="100000"/>
+              <a:buFont typeface="Times New Roman" pitchFamily="18" charset="0"/>
+              <a:defRPr>
+                <a:solidFill>
+                  <a:srgbClr val="000000"/>
+                </a:solidFill>
+                <a:latin typeface="+mn-lt"/>
+                <a:ea typeface="+mn-ea"/>
+                <a:cs typeface="+mn-cs"/>
+              </a:defRPr>
+            </a:lvl5pPr>
+            <a:lvl6pPr marL="2280994" indent="-207363" algn="r" defTabSz="414726" rtl="1" eaLnBrk="1" fontAlgn="base" hangingPunct="1">
+              <a:lnSpc>
+                <a:spcPct val="93000"/>
+              </a:lnSpc>
+              <a:spcBef>
+                <a:spcPct val="0"/>
+              </a:spcBef>
+              <a:spcAft>
+                <a:spcPts val="261"/>
+              </a:spcAft>
+              <a:buClr>
+                <a:srgbClr val="000000"/>
+              </a:buClr>
+              <a:buSzPct val="100000"/>
+              <a:buFont typeface="Times New Roman" pitchFamily="18" charset="0"/>
+              <a:defRPr sz="1800">
+                <a:solidFill>
+                  <a:srgbClr val="000000"/>
+                </a:solidFill>
+                <a:latin typeface="+mn-lt"/>
+                <a:ea typeface="+mn-ea"/>
+                <a:cs typeface="+mn-cs"/>
+              </a:defRPr>
+            </a:lvl6pPr>
+            <a:lvl7pPr marL="2695720" indent="-207363" algn="r" defTabSz="414726" rtl="1" eaLnBrk="1" fontAlgn="base" hangingPunct="1">
+              <a:lnSpc>
+                <a:spcPct val="93000"/>
+              </a:lnSpc>
+              <a:spcBef>
+                <a:spcPct val="0"/>
+              </a:spcBef>
+              <a:spcAft>
+                <a:spcPts val="261"/>
+              </a:spcAft>
+              <a:buClr>
+                <a:srgbClr val="000000"/>
+              </a:buClr>
+              <a:buSzPct val="100000"/>
+              <a:buFont typeface="Times New Roman" pitchFamily="18" charset="0"/>
+              <a:defRPr sz="1800">
+                <a:solidFill>
+                  <a:srgbClr val="000000"/>
+                </a:solidFill>
+                <a:latin typeface="+mn-lt"/>
+                <a:ea typeface="+mn-ea"/>
+                <a:cs typeface="+mn-cs"/>
+              </a:defRPr>
+            </a:lvl7pPr>
+            <a:lvl8pPr marL="3110446" indent="-207363" algn="r" defTabSz="414726" rtl="1" eaLnBrk="1" fontAlgn="base" hangingPunct="1">
+              <a:lnSpc>
+                <a:spcPct val="93000"/>
+              </a:lnSpc>
+              <a:spcBef>
+                <a:spcPct val="0"/>
+              </a:spcBef>
+              <a:spcAft>
+                <a:spcPts val="261"/>
+              </a:spcAft>
+              <a:buClr>
+                <a:srgbClr val="000000"/>
+              </a:buClr>
+              <a:buSzPct val="100000"/>
+              <a:buFont typeface="Times New Roman" pitchFamily="18" charset="0"/>
+              <a:defRPr sz="1800">
+                <a:solidFill>
+                  <a:srgbClr val="000000"/>
+                </a:solidFill>
+                <a:latin typeface="+mn-lt"/>
+                <a:ea typeface="+mn-ea"/>
+                <a:cs typeface="+mn-cs"/>
+              </a:defRPr>
+            </a:lvl8pPr>
+            <a:lvl9pPr marL="3525172" indent="-207363" algn="r" defTabSz="414726" rtl="1" eaLnBrk="1" fontAlgn="base" hangingPunct="1">
+              <a:lnSpc>
+                <a:spcPct val="93000"/>
+              </a:lnSpc>
+              <a:spcBef>
+                <a:spcPct val="0"/>
+              </a:spcBef>
+              <a:spcAft>
+                <a:spcPts val="261"/>
+              </a:spcAft>
+              <a:buClr>
+                <a:srgbClr val="000000"/>
+              </a:buClr>
+              <a:buSzPct val="100000"/>
+              <a:buFont typeface="Times New Roman" pitchFamily="18" charset="0"/>
+              <a:defRPr sz="1800">
+                <a:solidFill>
+                  <a:srgbClr val="000000"/>
+                </a:solidFill>
+                <a:latin typeface="+mn-lt"/>
+                <a:ea typeface="+mn-ea"/>
+                <a:cs typeface="+mn-cs"/>
+              </a:defRPr>
+            </a:lvl9pPr>
+          </a:lstStyle>
           <a:p>
+            <a:pPr marL="0" indent="0" algn="l" rtl="0" eaLnBrk="1" hangingPunct="1">
+              <a:lnSpc>
+                <a:spcPct val="90000"/>
+              </a:lnSpc>
+            </a:pPr>
+            <a:endParaRPr lang="en-US" altLang="en-US" sz="1800" i="1" dirty="0"/>
+          </a:p>
+          <a:p>
+            <a:pPr algn="l" rtl="0" eaLnBrk="1" hangingPunct="1">
+              <a:lnSpc>
+                <a:spcPct val="90000"/>
+              </a:lnSpc>
+              <a:buFont typeface="Wingdings" panose="05000000000000000000" pitchFamily="2" charset="2"/>
+              <a:buChar char="Ø"/>
+            </a:pPr>
             <a:r>
-              <a:rPr lang="en-US" altLang="en-US" sz="2400" b="1" dirty="0" err="1">
-                <a:solidFill>
-                  <a:schemeClr val="accent1">
-                    <a:lumMod val="50000"/>
-                  </a:schemeClr>
-                </a:solidFill>
-                <a:latin typeface="Arial Black" panose="020B0A04020102020204" pitchFamily="34" charset="0"/>
-                <a:ea typeface="Cambria" panose="02040503050406030204" pitchFamily="18" charset="0"/>
+              <a:rPr lang="en-US" altLang="en-US" sz="1800" b="1" dirty="0"/>
+              <a:t>if</a:t>
+            </a:r>
+          </a:p>
+          <a:p>
+            <a:pPr algn="l" rtl="0" eaLnBrk="1" hangingPunct="1">
+              <a:lnSpc>
+                <a:spcPct val="90000"/>
+              </a:lnSpc>
+              <a:buFont typeface="Wingdings" panose="05000000000000000000" pitchFamily="2" charset="2"/>
+              <a:buChar char="Ø"/>
+            </a:pPr>
+            <a:r>
+              <a:rPr lang="en-US" altLang="en-US" sz="1800" b="1" dirty="0"/>
+              <a:t>switch</a:t>
+            </a:r>
+          </a:p>
+          <a:p>
+            <a:pPr algn="l" rtl="0" eaLnBrk="1" hangingPunct="1">
+              <a:lnSpc>
+                <a:spcPct val="90000"/>
+              </a:lnSpc>
+              <a:buFont typeface="Wingdings" panose="05000000000000000000" pitchFamily="2" charset="2"/>
+              <a:buChar char="Ø"/>
+            </a:pPr>
+            <a:r>
+              <a:rPr lang="en-US" altLang="en-US" sz="1800" b="1" dirty="0"/>
+              <a:t>while</a:t>
+            </a:r>
+          </a:p>
+          <a:p>
+            <a:pPr algn="l" rtl="0" eaLnBrk="1" hangingPunct="1">
+              <a:lnSpc>
+                <a:spcPct val="90000"/>
+              </a:lnSpc>
+              <a:buFont typeface="Wingdings" panose="05000000000000000000" pitchFamily="2" charset="2"/>
+              <a:buChar char="Ø"/>
+            </a:pPr>
+            <a:r>
+              <a:rPr lang="en-US" altLang="en-US" sz="1800" b="1" dirty="0"/>
+              <a:t>do</a:t>
+            </a:r>
+          </a:p>
+          <a:p>
+            <a:pPr algn="l" rtl="0" eaLnBrk="1" hangingPunct="1">
+              <a:lnSpc>
+                <a:spcPct val="90000"/>
+              </a:lnSpc>
+              <a:buFont typeface="Wingdings" panose="05000000000000000000" pitchFamily="2" charset="2"/>
+              <a:buChar char="Ø"/>
+            </a:pPr>
+            <a:r>
+              <a:rPr lang="en-US" altLang="en-US" sz="1800" b="1" dirty="0"/>
+              <a:t>for</a:t>
+            </a:r>
+          </a:p>
+          <a:p>
+            <a:pPr algn="l" rtl="0" eaLnBrk="1" hangingPunct="1">
+              <a:lnSpc>
+                <a:spcPct val="90000"/>
+              </a:lnSpc>
+              <a:buFont typeface="Wingdings" panose="05000000000000000000" pitchFamily="2" charset="2"/>
+              <a:buChar char="Ø"/>
+            </a:pPr>
+            <a:r>
+              <a:rPr lang="en-US" altLang="en-US" sz="1800" b="1" dirty="0"/>
+              <a:t>Break</a:t>
+            </a:r>
+          </a:p>
+          <a:p>
+            <a:pPr algn="l" rtl="0" eaLnBrk="1" hangingPunct="1">
+              <a:lnSpc>
+                <a:spcPct val="90000"/>
+              </a:lnSpc>
+              <a:buFont typeface="Wingdings" panose="05000000000000000000" pitchFamily="2" charset="2"/>
+              <a:buChar char="Ø"/>
+            </a:pPr>
+            <a:r>
+              <a:rPr lang="en-US" sz="1800" b="1" kern="0" dirty="0">
+                <a:latin typeface="+mj-lt"/>
               </a:rPr>
-              <a:t>Practicale</a:t>
+              <a:t>Continue</a:t>
             </a:r>
+          </a:p>
+          <a:p>
+            <a:pPr algn="l" rtl="0" eaLnBrk="1" hangingPunct="1">
+              <a:lnSpc>
+                <a:spcPct val="90000"/>
+              </a:lnSpc>
+              <a:buFont typeface="Wingdings" panose="05000000000000000000" pitchFamily="2" charset="2"/>
+              <a:buChar char="Ø"/>
+            </a:pPr>
             <a:r>
-              <a:rPr lang="en-US" altLang="en-US" sz="2400" b="1" dirty="0">
-                <a:solidFill>
-                  <a:schemeClr val="accent1">
-                    <a:lumMod val="50000"/>
-                  </a:schemeClr>
-                </a:solidFill>
-                <a:latin typeface="Arial Black" panose="020B0A04020102020204" pitchFamily="34" charset="0"/>
-                <a:ea typeface="Cambria" panose="02040503050406030204" pitchFamily="18" charset="0"/>
+              <a:rPr lang="en-US" sz="1800" b="1" kern="0" dirty="0">
+                <a:latin typeface="+mj-lt"/>
               </a:rPr>
-              <a:t> Example</a:t>
+              <a:t>Return</a:t>
+            </a:r>
+          </a:p>
+          <a:p>
+            <a:pPr algn="l" rtl="0" eaLnBrk="1" hangingPunct="1">
+              <a:lnSpc>
+                <a:spcPct val="90000"/>
+              </a:lnSpc>
+              <a:buFont typeface="Wingdings" panose="05000000000000000000" pitchFamily="2" charset="2"/>
+              <a:buChar char="Ø"/>
+            </a:pPr>
+            <a:r>
+              <a:rPr lang="en-US" sz="1800" b="1" kern="0" dirty="0">
+                <a:latin typeface="+mj-lt"/>
+              </a:rPr>
+              <a:t>try/throw</a:t>
             </a:r>
           </a:p>
         </p:txBody>
@@ -19692,20 +18966,13 @@
     </p:spTree>
     <p:extLst>
       <p:ext uri="{BB962C8B-B14F-4D97-AF65-F5344CB8AC3E}">
-        <p14:creationId xmlns:p14="http://schemas.microsoft.com/office/powerpoint/2010/main" val="1523915994"/>
+        <p14:creationId xmlns:p14="http://schemas.microsoft.com/office/powerpoint/2010/main" val="112878807"/>
       </p:ext>
     </p:extLst>
   </p:cSld>
   <p:clrMapOvr>
     <a:masterClrMapping/>
   </p:clrMapOvr>
-  <p:timing>
-    <p:tnLst>
-      <p:par>
-        <p:cTn id="1" dur="indefinite" restart="never" nodeType="tmRoot"/>
-      </p:par>
-    </p:tnLst>
-  </p:timing>
 </p:sld>
 </file>
 
@@ -19750,14 +19017,9 @@
               <a:buNone/>
             </a:pPr>
             <a:r>
-              <a:rPr lang="en-US" dirty="0" smtClean="0"/>
-              <a:t>Course </a:t>
+              <a:rPr lang="en-US" dirty="0"/>
+              <a:t>Course Module</a:t>
             </a:r>
-            <a:r>
-              <a:rPr lang="en-US" dirty="0" smtClean="0"/>
-              <a:t>Module</a:t>
-            </a:r>
-            <a:endParaRPr lang="en-US" dirty="0"/>
           </a:p>
         </p:txBody>
       </p:sp>
@@ -19812,13 +19074,6 @@
   <p:clrMapOvr>
     <a:masterClrMapping/>
   </p:clrMapOvr>
-  <p:timing>
-    <p:tnLst>
-      <p:par>
-        <p:cTn id="1" dur="indefinite" restart="never" nodeType="tmRoot"/>
-      </p:par>
-    </p:tnLst>
-  </p:timing>
 </p:sld>
 </file>
 
@@ -19863,10 +19118,9 @@
               <a:buNone/>
             </a:pPr>
             <a:r>
-              <a:rPr lang="en-US" dirty="0" smtClean="0"/>
-              <a:t>Operator</a:t>
+              <a:rPr lang="en-US" dirty="0"/>
+              <a:t>Variable &amp; Data Types</a:t>
             </a:r>
-            <a:endParaRPr lang="en-US" dirty="0"/>
           </a:p>
         </p:txBody>
       </p:sp>
@@ -20138,408 +19392,10 @@
             <a:pPr rtl="0" eaLnBrk="1" hangingPunct="1"/>
             <a:r>
               <a:rPr lang="en-US" altLang="en-US" dirty="0"/>
-              <a:t>Statements</a:t>
+              <a:t>Objects</a:t>
             </a:r>
-            <a:endParaRPr lang="en-US" altLang="en-US" i="1" dirty="0"/>
-          </a:p>
-        </p:txBody>
-      </p:sp>
-      <p:sp>
-        <p:nvSpPr>
-          <p:cNvPr id="5" name="Rectangle 4"/>
-          <p:cNvSpPr>
-            <a:spLocks noGrp="1" noChangeArrowheads="1"/>
-          </p:cNvSpPr>
-          <p:nvPr/>
-        </p:nvSpPr>
-        <p:spPr bwMode="auto">
-          <a:xfrm>
-            <a:off x="3276600" y="2057400"/>
-            <a:ext cx="3111500" cy="3962400"/>
-          </a:xfrm>
-          <a:prstGeom prst="rect">
-            <a:avLst/>
-          </a:prstGeom>
-          <a:noFill/>
-          <a:ln>
-            <a:noFill/>
-          </a:ln>
-          <a:extLst>
-            <a:ext uri="{909E8E84-426E-40DD-AFC4-6F175D3DCCD1}">
-              <a14:hiddenFill xmlns:a14="http://schemas.microsoft.com/office/drawing/2010/main">
-                <a:solidFill>
-                  <a:srgbClr val="FFFFFF"/>
-                </a:solidFill>
-              </a14:hiddenFill>
-            </a:ext>
-            <a:ext uri="{91240B29-F687-4F45-9708-019B960494DF}">
-              <a14:hiddenLine xmlns:a14="http://schemas.microsoft.com/office/drawing/2010/main" w="9525">
-                <a:solidFill>
-                  <a:srgbClr val="000000"/>
-                </a:solidFill>
-                <a:round/>
-                <a:headEnd/>
-                <a:tailEnd/>
-              </a14:hiddenLine>
-            </a:ext>
-          </a:extLst>
-        </p:spPr>
-        <p:txBody>
-          <a:bodyPr vert="horz" wrap="square" lIns="0" tIns="25602" rIns="0" bIns="0" numCol="1" anchor="t" anchorCtr="0" compatLnSpc="1">
-            <a:prstTxWarp prst="textNoShape">
-              <a:avLst/>
-            </a:prstTxWarp>
-          </a:bodyPr>
-          <a:lstStyle>
-            <a:lvl1pPr marL="309563" indent="-309563" algn="r" defTabSz="414338" rtl="1" eaLnBrk="0" fontAlgn="base" hangingPunct="0">
-              <a:lnSpc>
-                <a:spcPct val="93000"/>
-              </a:lnSpc>
-              <a:spcBef>
-                <a:spcPct val="0"/>
-              </a:spcBef>
-              <a:spcAft>
-                <a:spcPts val="1288"/>
-              </a:spcAft>
-              <a:buClr>
-                <a:srgbClr val="000000"/>
-              </a:buClr>
-              <a:buSzPct val="100000"/>
-              <a:buFont typeface="Times New Roman" pitchFamily="18" charset="0"/>
-              <a:defRPr sz="2900">
-                <a:solidFill>
-                  <a:srgbClr val="000000"/>
-                </a:solidFill>
-                <a:latin typeface="+mn-lt"/>
-                <a:ea typeface="+mn-ea"/>
-                <a:cs typeface="+mn-cs"/>
-              </a:defRPr>
-            </a:lvl1pPr>
-            <a:lvl2pPr marL="673100" indent="-258763" algn="r" defTabSz="414338" rtl="1" eaLnBrk="0" fontAlgn="base" hangingPunct="0">
-              <a:lnSpc>
-                <a:spcPct val="93000"/>
-              </a:lnSpc>
-              <a:spcBef>
-                <a:spcPct val="0"/>
-              </a:spcBef>
-              <a:spcAft>
-                <a:spcPts val="1038"/>
-              </a:spcAft>
-              <a:buClr>
-                <a:srgbClr val="000000"/>
-              </a:buClr>
-              <a:buSzPct val="100000"/>
-              <a:buFont typeface="Times New Roman" pitchFamily="18" charset="0"/>
-              <a:defRPr sz="2500">
-                <a:solidFill>
-                  <a:srgbClr val="000000"/>
-                </a:solidFill>
-                <a:latin typeface="+mn-lt"/>
-                <a:ea typeface="+mn-ea"/>
-                <a:cs typeface="+mn-cs"/>
-              </a:defRPr>
-            </a:lvl2pPr>
-            <a:lvl3pPr marL="1036638" indent="-206375" algn="r" defTabSz="414338" rtl="1" eaLnBrk="0" fontAlgn="base" hangingPunct="0">
-              <a:lnSpc>
-                <a:spcPct val="93000"/>
-              </a:lnSpc>
-              <a:spcBef>
-                <a:spcPct val="0"/>
-              </a:spcBef>
-              <a:spcAft>
-                <a:spcPts val="775"/>
-              </a:spcAft>
-              <a:buClr>
-                <a:srgbClr val="000000"/>
-              </a:buClr>
-              <a:buSzPct val="100000"/>
-              <a:buFont typeface="Times New Roman" pitchFamily="18" charset="0"/>
-              <a:defRPr sz="2200">
-                <a:solidFill>
-                  <a:srgbClr val="000000"/>
-                </a:solidFill>
-                <a:latin typeface="+mn-lt"/>
-                <a:ea typeface="+mn-ea"/>
-                <a:cs typeface="+mn-cs"/>
-              </a:defRPr>
-            </a:lvl3pPr>
-            <a:lvl4pPr marL="1450975" indent="-206375" algn="r" defTabSz="414338" rtl="1" eaLnBrk="0" fontAlgn="base" hangingPunct="0">
-              <a:lnSpc>
-                <a:spcPct val="93000"/>
-              </a:lnSpc>
-              <a:spcBef>
-                <a:spcPct val="0"/>
-              </a:spcBef>
-              <a:spcAft>
-                <a:spcPts val="525"/>
-              </a:spcAft>
-              <a:buClr>
-                <a:srgbClr val="000000"/>
-              </a:buClr>
-              <a:buSzPct val="100000"/>
-              <a:buFont typeface="Times New Roman" pitchFamily="18" charset="0"/>
-              <a:defRPr>
-                <a:solidFill>
-                  <a:srgbClr val="000000"/>
-                </a:solidFill>
-                <a:latin typeface="+mn-lt"/>
-                <a:ea typeface="+mn-ea"/>
-                <a:cs typeface="+mn-cs"/>
-              </a:defRPr>
-            </a:lvl4pPr>
-            <a:lvl5pPr marL="1865313" indent="-206375" algn="r" defTabSz="414338" rtl="1" eaLnBrk="0" fontAlgn="base" hangingPunct="0">
-              <a:lnSpc>
-                <a:spcPct val="93000"/>
-              </a:lnSpc>
-              <a:spcBef>
-                <a:spcPct val="0"/>
-              </a:spcBef>
-              <a:spcAft>
-                <a:spcPts val="263"/>
-              </a:spcAft>
-              <a:buClr>
-                <a:srgbClr val="000000"/>
-              </a:buClr>
-              <a:buSzPct val="100000"/>
-              <a:buFont typeface="Times New Roman" pitchFamily="18" charset="0"/>
-              <a:defRPr>
-                <a:solidFill>
-                  <a:srgbClr val="000000"/>
-                </a:solidFill>
-                <a:latin typeface="+mn-lt"/>
-                <a:ea typeface="+mn-ea"/>
-                <a:cs typeface="+mn-cs"/>
-              </a:defRPr>
-            </a:lvl5pPr>
-            <a:lvl6pPr marL="2280994" indent="-207363" algn="r" defTabSz="414726" rtl="1" eaLnBrk="1" fontAlgn="base" hangingPunct="1">
-              <a:lnSpc>
-                <a:spcPct val="93000"/>
-              </a:lnSpc>
-              <a:spcBef>
-                <a:spcPct val="0"/>
-              </a:spcBef>
-              <a:spcAft>
-                <a:spcPts val="261"/>
-              </a:spcAft>
-              <a:buClr>
-                <a:srgbClr val="000000"/>
-              </a:buClr>
-              <a:buSzPct val="100000"/>
-              <a:buFont typeface="Times New Roman" pitchFamily="18" charset="0"/>
-              <a:defRPr sz="1800">
-                <a:solidFill>
-                  <a:srgbClr val="000000"/>
-                </a:solidFill>
-                <a:latin typeface="+mn-lt"/>
-                <a:ea typeface="+mn-ea"/>
-                <a:cs typeface="+mn-cs"/>
-              </a:defRPr>
-            </a:lvl6pPr>
-            <a:lvl7pPr marL="2695720" indent="-207363" algn="r" defTabSz="414726" rtl="1" eaLnBrk="1" fontAlgn="base" hangingPunct="1">
-              <a:lnSpc>
-                <a:spcPct val="93000"/>
-              </a:lnSpc>
-              <a:spcBef>
-                <a:spcPct val="0"/>
-              </a:spcBef>
-              <a:spcAft>
-                <a:spcPts val="261"/>
-              </a:spcAft>
-              <a:buClr>
-                <a:srgbClr val="000000"/>
-              </a:buClr>
-              <a:buSzPct val="100000"/>
-              <a:buFont typeface="Times New Roman" pitchFamily="18" charset="0"/>
-              <a:defRPr sz="1800">
-                <a:solidFill>
-                  <a:srgbClr val="000000"/>
-                </a:solidFill>
-                <a:latin typeface="+mn-lt"/>
-                <a:ea typeface="+mn-ea"/>
-                <a:cs typeface="+mn-cs"/>
-              </a:defRPr>
-            </a:lvl7pPr>
-            <a:lvl8pPr marL="3110446" indent="-207363" algn="r" defTabSz="414726" rtl="1" eaLnBrk="1" fontAlgn="base" hangingPunct="1">
-              <a:lnSpc>
-                <a:spcPct val="93000"/>
-              </a:lnSpc>
-              <a:spcBef>
-                <a:spcPct val="0"/>
-              </a:spcBef>
-              <a:spcAft>
-                <a:spcPts val="261"/>
-              </a:spcAft>
-              <a:buClr>
-                <a:srgbClr val="000000"/>
-              </a:buClr>
-              <a:buSzPct val="100000"/>
-              <a:buFont typeface="Times New Roman" pitchFamily="18" charset="0"/>
-              <a:defRPr sz="1800">
-                <a:solidFill>
-                  <a:srgbClr val="000000"/>
-                </a:solidFill>
-                <a:latin typeface="+mn-lt"/>
-                <a:ea typeface="+mn-ea"/>
-                <a:cs typeface="+mn-cs"/>
-              </a:defRPr>
-            </a:lvl8pPr>
-            <a:lvl9pPr marL="3525172" indent="-207363" algn="r" defTabSz="414726" rtl="1" eaLnBrk="1" fontAlgn="base" hangingPunct="1">
-              <a:lnSpc>
-                <a:spcPct val="93000"/>
-              </a:lnSpc>
-              <a:spcBef>
-                <a:spcPct val="0"/>
-              </a:spcBef>
-              <a:spcAft>
-                <a:spcPts val="261"/>
-              </a:spcAft>
-              <a:buClr>
-                <a:srgbClr val="000000"/>
-              </a:buClr>
-              <a:buSzPct val="100000"/>
-              <a:buFont typeface="Times New Roman" pitchFamily="18" charset="0"/>
-              <a:defRPr sz="1800">
-                <a:solidFill>
-                  <a:srgbClr val="000000"/>
-                </a:solidFill>
-                <a:latin typeface="+mn-lt"/>
-                <a:ea typeface="+mn-ea"/>
-                <a:cs typeface="+mn-cs"/>
-              </a:defRPr>
-            </a:lvl9pPr>
-          </a:lstStyle>
-          <a:p>
-            <a:pPr marL="0" indent="0" algn="l" rtl="0" eaLnBrk="1" hangingPunct="1">
-              <a:lnSpc>
-                <a:spcPct val="90000"/>
-              </a:lnSpc>
-            </a:pPr>
-            <a:endParaRPr lang="en-US" altLang="en-US" sz="1800" i="1" dirty="0" smtClean="0"/>
-          </a:p>
-          <a:p>
-            <a:pPr algn="l" rtl="0" eaLnBrk="1" hangingPunct="1">
-              <a:lnSpc>
-                <a:spcPct val="90000"/>
-              </a:lnSpc>
-              <a:buFont typeface="Wingdings" panose="05000000000000000000" pitchFamily="2" charset="2"/>
-              <a:buChar char="Ø"/>
-            </a:pPr>
-            <a:r>
-              <a:rPr lang="en-US" altLang="en-US" sz="1800" b="1" dirty="0" smtClean="0"/>
-              <a:t>if</a:t>
-            </a:r>
-          </a:p>
-          <a:p>
-            <a:pPr algn="l" rtl="0" eaLnBrk="1" hangingPunct="1">
-              <a:lnSpc>
-                <a:spcPct val="90000"/>
-              </a:lnSpc>
-              <a:buFont typeface="Wingdings" panose="05000000000000000000" pitchFamily="2" charset="2"/>
-              <a:buChar char="Ø"/>
-            </a:pPr>
-            <a:r>
-              <a:rPr lang="en-US" altLang="en-US" sz="1800" b="1" dirty="0" smtClean="0"/>
-              <a:t>switch</a:t>
-            </a:r>
-          </a:p>
-          <a:p>
-            <a:pPr algn="l" rtl="0" eaLnBrk="1" hangingPunct="1">
-              <a:lnSpc>
-                <a:spcPct val="90000"/>
-              </a:lnSpc>
-              <a:buFont typeface="Wingdings" panose="05000000000000000000" pitchFamily="2" charset="2"/>
-              <a:buChar char="Ø"/>
-            </a:pPr>
-            <a:r>
-              <a:rPr lang="en-US" altLang="en-US" sz="1800" b="1" dirty="0" smtClean="0"/>
-              <a:t>while</a:t>
-            </a:r>
-          </a:p>
-          <a:p>
-            <a:pPr algn="l" rtl="0" eaLnBrk="1" hangingPunct="1">
-              <a:lnSpc>
-                <a:spcPct val="90000"/>
-              </a:lnSpc>
-              <a:buFont typeface="Wingdings" panose="05000000000000000000" pitchFamily="2" charset="2"/>
-              <a:buChar char="Ø"/>
-            </a:pPr>
-            <a:r>
-              <a:rPr lang="en-US" altLang="en-US" sz="1800" b="1" dirty="0" smtClean="0"/>
-              <a:t>do</a:t>
-            </a:r>
-          </a:p>
-          <a:p>
-            <a:pPr algn="l" rtl="0" eaLnBrk="1" hangingPunct="1">
-              <a:lnSpc>
-                <a:spcPct val="90000"/>
-              </a:lnSpc>
-              <a:buFont typeface="Wingdings" panose="05000000000000000000" pitchFamily="2" charset="2"/>
-              <a:buChar char="Ø"/>
-            </a:pPr>
-            <a:r>
-              <a:rPr lang="en-US" altLang="en-US" sz="1800" b="1" dirty="0" smtClean="0"/>
-              <a:t>for</a:t>
-            </a:r>
-          </a:p>
-          <a:p>
-            <a:pPr algn="l" rtl="0" eaLnBrk="1" hangingPunct="1">
-              <a:lnSpc>
-                <a:spcPct val="90000"/>
-              </a:lnSpc>
-              <a:buFont typeface="Wingdings" panose="05000000000000000000" pitchFamily="2" charset="2"/>
-              <a:buChar char="Ø"/>
-            </a:pPr>
-            <a:r>
-              <a:rPr lang="en-US" altLang="en-US" sz="1800" b="1" dirty="0" smtClean="0"/>
-              <a:t>Break</a:t>
-            </a:r>
-          </a:p>
-          <a:p>
-            <a:pPr algn="l" rtl="0" eaLnBrk="1" hangingPunct="1">
-              <a:lnSpc>
-                <a:spcPct val="90000"/>
-              </a:lnSpc>
-              <a:buFont typeface="Wingdings" panose="05000000000000000000" pitchFamily="2" charset="2"/>
-              <a:buChar char="Ø"/>
-            </a:pPr>
-            <a:r>
-              <a:rPr lang="en-US" sz="1800" b="1" kern="0" dirty="0" smtClean="0">
-                <a:latin typeface="+mj-lt"/>
-              </a:rPr>
-              <a:t>Continue</a:t>
-            </a:r>
-          </a:p>
-          <a:p>
-            <a:pPr algn="l" rtl="0" eaLnBrk="1" hangingPunct="1">
-              <a:lnSpc>
-                <a:spcPct val="90000"/>
-              </a:lnSpc>
-              <a:buFont typeface="Wingdings" panose="05000000000000000000" pitchFamily="2" charset="2"/>
-              <a:buChar char="Ø"/>
-            </a:pPr>
-            <a:r>
-              <a:rPr lang="en-US" sz="1800" b="1" kern="0" dirty="0" smtClean="0">
-                <a:latin typeface="+mj-lt"/>
-              </a:rPr>
-              <a:t>Return</a:t>
-            </a:r>
-          </a:p>
-          <a:p>
-            <a:pPr algn="l" rtl="0" eaLnBrk="1" hangingPunct="1">
-              <a:lnSpc>
-                <a:spcPct val="90000"/>
-              </a:lnSpc>
-              <a:buFont typeface="Wingdings" panose="05000000000000000000" pitchFamily="2" charset="2"/>
-              <a:buChar char="Ø"/>
-            </a:pPr>
-            <a:r>
-              <a:rPr lang="en-US" sz="1800" b="1" kern="0" dirty="0" smtClean="0">
-                <a:latin typeface="+mj-lt"/>
-              </a:rPr>
-              <a:t>try/throw</a:t>
-            </a:r>
-            <a:endParaRPr lang="en-US" sz="1800" b="1" kern="0" dirty="0">
-              <a:latin typeface="+mj-lt"/>
+            <a:endParaRPr lang="en-US" altLang="en-US" dirty="0">
+              <a:latin typeface="Courier New" pitchFamily="49" charset="0"/>
             </a:endParaRPr>
           </a:p>
         </p:txBody>
@@ -20547,20 +19403,13 @@
     </p:spTree>
     <p:extLst>
       <p:ext uri="{BB962C8B-B14F-4D97-AF65-F5344CB8AC3E}">
-        <p14:creationId xmlns:p14="http://schemas.microsoft.com/office/powerpoint/2010/main" val="112878807"/>
+        <p14:creationId xmlns:p14="http://schemas.microsoft.com/office/powerpoint/2010/main" val="207986101"/>
       </p:ext>
     </p:extLst>
   </p:cSld>
   <p:clrMapOvr>
     <a:masterClrMapping/>
   </p:clrMapOvr>
-  <p:timing>
-    <p:tnLst>
-      <p:par>
-        <p:cTn id="1" dur="indefinite" restart="never" nodeType="tmRoot"/>
-      </p:par>
-    </p:tnLst>
-  </p:timing>
 </p:sld>
 </file>
 
@@ -20605,10 +19454,9 @@
               <a:buNone/>
             </a:pPr>
             <a:r>
-              <a:rPr lang="en-US" dirty="0" smtClean="0"/>
+              <a:rPr lang="en-US" dirty="0"/>
               <a:t>Variable &amp; Data Types</a:t>
             </a:r>
-            <a:endParaRPr lang="en-US" dirty="0"/>
           </a:p>
         </p:txBody>
       </p:sp>
@@ -20880,10 +19728,742 @@
             <a:pPr rtl="0" eaLnBrk="1" hangingPunct="1"/>
             <a:r>
               <a:rPr lang="en-US" altLang="en-US" dirty="0"/>
-              <a:t>Objects</a:t>
+              <a:t>String Methods</a:t>
             </a:r>
-            <a:endParaRPr lang="en-US" altLang="en-US" dirty="0" smtClean="0">
+            <a:endParaRPr lang="en-US" altLang="en-US" dirty="0">
               <a:latin typeface="Courier New" pitchFamily="49" charset="0"/>
+            </a:endParaRPr>
+          </a:p>
+        </p:txBody>
+      </p:sp>
+      <p:sp>
+        <p:nvSpPr>
+          <p:cNvPr id="5" name="Rectangle 4"/>
+          <p:cNvSpPr>
+            <a:spLocks noGrp="1" noChangeArrowheads="1"/>
+          </p:cNvSpPr>
+          <p:nvPr/>
+        </p:nvSpPr>
+        <p:spPr bwMode="auto">
+          <a:xfrm>
+            <a:off x="1936652" y="2819400"/>
+            <a:ext cx="2362200" cy="3352800"/>
+          </a:xfrm>
+          <a:prstGeom prst="rect">
+            <a:avLst/>
+          </a:prstGeom>
+          <a:noFill/>
+          <a:ln>
+            <a:noFill/>
+          </a:ln>
+          <a:extLst>
+            <a:ext uri="{909E8E84-426E-40DD-AFC4-6F175D3DCCD1}">
+              <a14:hiddenFill xmlns:a14="http://schemas.microsoft.com/office/drawing/2010/main">
+                <a:solidFill>
+                  <a:srgbClr val="FFFFFF"/>
+                </a:solidFill>
+              </a14:hiddenFill>
+            </a:ext>
+            <a:ext uri="{91240B29-F687-4F45-9708-019B960494DF}">
+              <a14:hiddenLine xmlns:a14="http://schemas.microsoft.com/office/drawing/2010/main" w="9525">
+                <a:solidFill>
+                  <a:srgbClr val="000000"/>
+                </a:solidFill>
+                <a:round/>
+                <a:headEnd/>
+                <a:tailEnd/>
+              </a14:hiddenLine>
+            </a:ext>
+          </a:extLst>
+        </p:spPr>
+        <p:txBody>
+          <a:bodyPr vert="horz" wrap="square" lIns="0" tIns="25602" rIns="0" bIns="0" numCol="1" anchor="t" anchorCtr="0" compatLnSpc="1">
+            <a:prstTxWarp prst="textNoShape">
+              <a:avLst/>
+            </a:prstTxWarp>
+          </a:bodyPr>
+          <a:lstStyle>
+            <a:lvl1pPr marL="309563" indent="-309563" algn="r" defTabSz="414338" rtl="1" eaLnBrk="0" fontAlgn="base" hangingPunct="0">
+              <a:lnSpc>
+                <a:spcPct val="93000"/>
+              </a:lnSpc>
+              <a:spcBef>
+                <a:spcPct val="0"/>
+              </a:spcBef>
+              <a:spcAft>
+                <a:spcPts val="1288"/>
+              </a:spcAft>
+              <a:buClr>
+                <a:srgbClr val="000000"/>
+              </a:buClr>
+              <a:buSzPct val="100000"/>
+              <a:buFont typeface="Times New Roman" pitchFamily="18" charset="0"/>
+              <a:defRPr sz="2900">
+                <a:solidFill>
+                  <a:srgbClr val="000000"/>
+                </a:solidFill>
+                <a:latin typeface="+mn-lt"/>
+                <a:ea typeface="+mn-ea"/>
+                <a:cs typeface="+mn-cs"/>
+              </a:defRPr>
+            </a:lvl1pPr>
+            <a:lvl2pPr marL="673100" indent="-258763" algn="r" defTabSz="414338" rtl="1" eaLnBrk="0" fontAlgn="base" hangingPunct="0">
+              <a:lnSpc>
+                <a:spcPct val="93000"/>
+              </a:lnSpc>
+              <a:spcBef>
+                <a:spcPct val="0"/>
+              </a:spcBef>
+              <a:spcAft>
+                <a:spcPts val="1038"/>
+              </a:spcAft>
+              <a:buClr>
+                <a:srgbClr val="000000"/>
+              </a:buClr>
+              <a:buSzPct val="100000"/>
+              <a:buFont typeface="Times New Roman" pitchFamily="18" charset="0"/>
+              <a:defRPr sz="2500">
+                <a:solidFill>
+                  <a:srgbClr val="000000"/>
+                </a:solidFill>
+                <a:latin typeface="+mn-lt"/>
+                <a:ea typeface="+mn-ea"/>
+                <a:cs typeface="+mn-cs"/>
+              </a:defRPr>
+            </a:lvl2pPr>
+            <a:lvl3pPr marL="1036638" indent="-206375" algn="r" defTabSz="414338" rtl="1" eaLnBrk="0" fontAlgn="base" hangingPunct="0">
+              <a:lnSpc>
+                <a:spcPct val="93000"/>
+              </a:lnSpc>
+              <a:spcBef>
+                <a:spcPct val="0"/>
+              </a:spcBef>
+              <a:spcAft>
+                <a:spcPts val="775"/>
+              </a:spcAft>
+              <a:buClr>
+                <a:srgbClr val="000000"/>
+              </a:buClr>
+              <a:buSzPct val="100000"/>
+              <a:buFont typeface="Times New Roman" pitchFamily="18" charset="0"/>
+              <a:defRPr sz="2200">
+                <a:solidFill>
+                  <a:srgbClr val="000000"/>
+                </a:solidFill>
+                <a:latin typeface="+mn-lt"/>
+                <a:ea typeface="+mn-ea"/>
+                <a:cs typeface="+mn-cs"/>
+              </a:defRPr>
+            </a:lvl3pPr>
+            <a:lvl4pPr marL="1450975" indent="-206375" algn="r" defTabSz="414338" rtl="1" eaLnBrk="0" fontAlgn="base" hangingPunct="0">
+              <a:lnSpc>
+                <a:spcPct val="93000"/>
+              </a:lnSpc>
+              <a:spcBef>
+                <a:spcPct val="0"/>
+              </a:spcBef>
+              <a:spcAft>
+                <a:spcPts val="525"/>
+              </a:spcAft>
+              <a:buClr>
+                <a:srgbClr val="000000"/>
+              </a:buClr>
+              <a:buSzPct val="100000"/>
+              <a:buFont typeface="Times New Roman" pitchFamily="18" charset="0"/>
+              <a:defRPr>
+                <a:solidFill>
+                  <a:srgbClr val="000000"/>
+                </a:solidFill>
+                <a:latin typeface="+mn-lt"/>
+                <a:ea typeface="+mn-ea"/>
+                <a:cs typeface="+mn-cs"/>
+              </a:defRPr>
+            </a:lvl4pPr>
+            <a:lvl5pPr marL="1865313" indent="-206375" algn="r" defTabSz="414338" rtl="1" eaLnBrk="0" fontAlgn="base" hangingPunct="0">
+              <a:lnSpc>
+                <a:spcPct val="93000"/>
+              </a:lnSpc>
+              <a:spcBef>
+                <a:spcPct val="0"/>
+              </a:spcBef>
+              <a:spcAft>
+                <a:spcPts val="263"/>
+              </a:spcAft>
+              <a:buClr>
+                <a:srgbClr val="000000"/>
+              </a:buClr>
+              <a:buSzPct val="100000"/>
+              <a:buFont typeface="Times New Roman" pitchFamily="18" charset="0"/>
+              <a:defRPr>
+                <a:solidFill>
+                  <a:srgbClr val="000000"/>
+                </a:solidFill>
+                <a:latin typeface="+mn-lt"/>
+                <a:ea typeface="+mn-ea"/>
+                <a:cs typeface="+mn-cs"/>
+              </a:defRPr>
+            </a:lvl5pPr>
+            <a:lvl6pPr marL="2280994" indent="-207363" algn="r" defTabSz="414726" rtl="1" eaLnBrk="1" fontAlgn="base" hangingPunct="1">
+              <a:lnSpc>
+                <a:spcPct val="93000"/>
+              </a:lnSpc>
+              <a:spcBef>
+                <a:spcPct val="0"/>
+              </a:spcBef>
+              <a:spcAft>
+                <a:spcPts val="261"/>
+              </a:spcAft>
+              <a:buClr>
+                <a:srgbClr val="000000"/>
+              </a:buClr>
+              <a:buSzPct val="100000"/>
+              <a:buFont typeface="Times New Roman" pitchFamily="18" charset="0"/>
+              <a:defRPr sz="1800">
+                <a:solidFill>
+                  <a:srgbClr val="000000"/>
+                </a:solidFill>
+                <a:latin typeface="+mn-lt"/>
+                <a:ea typeface="+mn-ea"/>
+                <a:cs typeface="+mn-cs"/>
+              </a:defRPr>
+            </a:lvl6pPr>
+            <a:lvl7pPr marL="2695720" indent="-207363" algn="r" defTabSz="414726" rtl="1" eaLnBrk="1" fontAlgn="base" hangingPunct="1">
+              <a:lnSpc>
+                <a:spcPct val="93000"/>
+              </a:lnSpc>
+              <a:spcBef>
+                <a:spcPct val="0"/>
+              </a:spcBef>
+              <a:spcAft>
+                <a:spcPts val="261"/>
+              </a:spcAft>
+              <a:buClr>
+                <a:srgbClr val="000000"/>
+              </a:buClr>
+              <a:buSzPct val="100000"/>
+              <a:buFont typeface="Times New Roman" pitchFamily="18" charset="0"/>
+              <a:defRPr sz="1800">
+                <a:solidFill>
+                  <a:srgbClr val="000000"/>
+                </a:solidFill>
+                <a:latin typeface="+mn-lt"/>
+                <a:ea typeface="+mn-ea"/>
+                <a:cs typeface="+mn-cs"/>
+              </a:defRPr>
+            </a:lvl7pPr>
+            <a:lvl8pPr marL="3110446" indent="-207363" algn="r" defTabSz="414726" rtl="1" eaLnBrk="1" fontAlgn="base" hangingPunct="1">
+              <a:lnSpc>
+                <a:spcPct val="93000"/>
+              </a:lnSpc>
+              <a:spcBef>
+                <a:spcPct val="0"/>
+              </a:spcBef>
+              <a:spcAft>
+                <a:spcPts val="261"/>
+              </a:spcAft>
+              <a:buClr>
+                <a:srgbClr val="000000"/>
+              </a:buClr>
+              <a:buSzPct val="100000"/>
+              <a:buFont typeface="Times New Roman" pitchFamily="18" charset="0"/>
+              <a:defRPr sz="1800">
+                <a:solidFill>
+                  <a:srgbClr val="000000"/>
+                </a:solidFill>
+                <a:latin typeface="+mn-lt"/>
+                <a:ea typeface="+mn-ea"/>
+                <a:cs typeface="+mn-cs"/>
+              </a:defRPr>
+            </a:lvl8pPr>
+            <a:lvl9pPr marL="3525172" indent="-207363" algn="r" defTabSz="414726" rtl="1" eaLnBrk="1" fontAlgn="base" hangingPunct="1">
+              <a:lnSpc>
+                <a:spcPct val="93000"/>
+              </a:lnSpc>
+              <a:spcBef>
+                <a:spcPct val="0"/>
+              </a:spcBef>
+              <a:spcAft>
+                <a:spcPts val="261"/>
+              </a:spcAft>
+              <a:buClr>
+                <a:srgbClr val="000000"/>
+              </a:buClr>
+              <a:buSzPct val="100000"/>
+              <a:buFont typeface="Times New Roman" pitchFamily="18" charset="0"/>
+              <a:defRPr sz="1800">
+                <a:solidFill>
+                  <a:srgbClr val="000000"/>
+                </a:solidFill>
+                <a:latin typeface="+mn-lt"/>
+                <a:ea typeface="+mn-ea"/>
+                <a:cs typeface="+mn-cs"/>
+              </a:defRPr>
+            </a:lvl9pPr>
+          </a:lstStyle>
+          <a:p>
+            <a:pPr algn="l" rtl="0" eaLnBrk="1" hangingPunct="1">
+              <a:lnSpc>
+                <a:spcPct val="90000"/>
+              </a:lnSpc>
+            </a:pPr>
+            <a:r>
+              <a:rPr lang="en-US" altLang="en-US" sz="1800" b="1" dirty="0" err="1">
+                <a:latin typeface="Berlin Sans FB Demi" panose="020E0802020502020306" pitchFamily="34" charset="0"/>
+              </a:rPr>
+              <a:t>charAt</a:t>
+            </a:r>
+            <a:endParaRPr lang="en-US" altLang="en-US" sz="1800" b="1" dirty="0">
+              <a:latin typeface="Berlin Sans FB Demi" panose="020E0802020502020306" pitchFamily="34" charset="0"/>
+            </a:endParaRPr>
+          </a:p>
+          <a:p>
+            <a:pPr algn="l" rtl="0" eaLnBrk="1" hangingPunct="1">
+              <a:lnSpc>
+                <a:spcPct val="90000"/>
+              </a:lnSpc>
+            </a:pPr>
+            <a:r>
+              <a:rPr lang="en-US" altLang="en-US" sz="1800" b="1" dirty="0" err="1">
+                <a:latin typeface="Berlin Sans FB Demi" panose="020E0802020502020306" pitchFamily="34" charset="0"/>
+              </a:rPr>
+              <a:t>concat</a:t>
+            </a:r>
+            <a:endParaRPr lang="en-US" altLang="en-US" sz="1800" b="1" dirty="0">
+              <a:latin typeface="Berlin Sans FB Demi" panose="020E0802020502020306" pitchFamily="34" charset="0"/>
+            </a:endParaRPr>
+          </a:p>
+          <a:p>
+            <a:pPr algn="l" rtl="0" eaLnBrk="1" hangingPunct="1">
+              <a:lnSpc>
+                <a:spcPct val="90000"/>
+              </a:lnSpc>
+            </a:pPr>
+            <a:r>
+              <a:rPr lang="en-US" altLang="en-US" sz="1800" b="1" dirty="0" err="1">
+                <a:latin typeface="Berlin Sans FB Demi" panose="020E0802020502020306" pitchFamily="34" charset="0"/>
+              </a:rPr>
+              <a:t>indexOf</a:t>
+            </a:r>
+            <a:endParaRPr lang="en-US" altLang="en-US" sz="1800" b="1" dirty="0">
+              <a:latin typeface="Berlin Sans FB Demi" panose="020E0802020502020306" pitchFamily="34" charset="0"/>
+            </a:endParaRPr>
+          </a:p>
+          <a:p>
+            <a:pPr algn="l" rtl="0" eaLnBrk="1" hangingPunct="1">
+              <a:lnSpc>
+                <a:spcPct val="90000"/>
+              </a:lnSpc>
+            </a:pPr>
+            <a:r>
+              <a:rPr lang="en-US" altLang="en-US" sz="1800" b="1" dirty="0" err="1">
+                <a:latin typeface="Berlin Sans FB Demi" panose="020E0802020502020306" pitchFamily="34" charset="0"/>
+              </a:rPr>
+              <a:t>lastIndexOf</a:t>
+            </a:r>
+            <a:endParaRPr lang="en-US" altLang="en-US" sz="1800" b="1" dirty="0">
+              <a:latin typeface="Berlin Sans FB Demi" panose="020E0802020502020306" pitchFamily="34" charset="0"/>
+            </a:endParaRPr>
+          </a:p>
+          <a:p>
+            <a:pPr algn="l" rtl="0" eaLnBrk="1" hangingPunct="1">
+              <a:lnSpc>
+                <a:spcPct val="90000"/>
+              </a:lnSpc>
+            </a:pPr>
+            <a:r>
+              <a:rPr lang="en-US" altLang="en-US" sz="1800" b="1" dirty="0">
+                <a:latin typeface="Berlin Sans FB Demi" panose="020E0802020502020306" pitchFamily="34" charset="0"/>
+              </a:rPr>
+              <a:t>match</a:t>
+            </a:r>
+          </a:p>
+          <a:p>
+            <a:pPr algn="l" rtl="0" eaLnBrk="1" hangingPunct="1">
+              <a:lnSpc>
+                <a:spcPct val="90000"/>
+              </a:lnSpc>
+            </a:pPr>
+            <a:r>
+              <a:rPr lang="en-US" altLang="en-US" sz="1800" b="1" dirty="0">
+                <a:latin typeface="Berlin Sans FB Demi" panose="020E0802020502020306" pitchFamily="34" charset="0"/>
+              </a:rPr>
+              <a:t>replace</a:t>
+            </a:r>
+          </a:p>
+          <a:p>
+            <a:pPr algn="l" rtl="0" eaLnBrk="1" hangingPunct="1">
+              <a:lnSpc>
+                <a:spcPct val="90000"/>
+              </a:lnSpc>
+            </a:pPr>
+            <a:r>
+              <a:rPr lang="en-US" altLang="en-US" sz="1800" b="1" dirty="0">
+                <a:latin typeface="Berlin Sans FB Demi" panose="020E0802020502020306" pitchFamily="34" charset="0"/>
+              </a:rPr>
+              <a:t>search</a:t>
+            </a:r>
+          </a:p>
+          <a:p>
+            <a:pPr algn="l" rtl="0" eaLnBrk="1" hangingPunct="1">
+              <a:lnSpc>
+                <a:spcPct val="90000"/>
+              </a:lnSpc>
+            </a:pPr>
+            <a:r>
+              <a:rPr lang="en-US" altLang="en-US" sz="1800" b="1" dirty="0">
+                <a:latin typeface="Berlin Sans FB Demi" panose="020E0802020502020306" pitchFamily="34" charset="0"/>
+              </a:rPr>
+              <a:t>slice</a:t>
+            </a:r>
+          </a:p>
+          <a:p>
+            <a:pPr algn="l" rtl="0" eaLnBrk="1" hangingPunct="1">
+              <a:spcAft>
+                <a:spcPct val="25000"/>
+              </a:spcAft>
+            </a:pPr>
+            <a:endParaRPr lang="en-US" altLang="en-US" b="1" dirty="0">
+              <a:latin typeface="Courier New" pitchFamily="49" charset="0"/>
+            </a:endParaRPr>
+          </a:p>
+        </p:txBody>
+      </p:sp>
+      <p:sp>
+        <p:nvSpPr>
+          <p:cNvPr id="6" name="Rectangle 5"/>
+          <p:cNvSpPr>
+            <a:spLocks noGrp="1" noChangeArrowheads="1"/>
+          </p:cNvSpPr>
+          <p:nvPr/>
+        </p:nvSpPr>
+        <p:spPr bwMode="auto">
+          <a:xfrm>
+            <a:off x="5105401" y="2819400"/>
+            <a:ext cx="2362200" cy="3200400"/>
+          </a:xfrm>
+          <a:prstGeom prst="rect">
+            <a:avLst/>
+          </a:prstGeom>
+          <a:noFill/>
+          <a:ln>
+            <a:noFill/>
+          </a:ln>
+          <a:extLst>
+            <a:ext uri="{909E8E84-426E-40DD-AFC4-6F175D3DCCD1}">
+              <a14:hiddenFill xmlns:a14="http://schemas.microsoft.com/office/drawing/2010/main">
+                <a:solidFill>
+                  <a:srgbClr val="FFFFFF"/>
+                </a:solidFill>
+              </a14:hiddenFill>
+            </a:ext>
+            <a:ext uri="{91240B29-F687-4F45-9708-019B960494DF}">
+              <a14:hiddenLine xmlns:a14="http://schemas.microsoft.com/office/drawing/2010/main" w="9525">
+                <a:solidFill>
+                  <a:srgbClr val="000000"/>
+                </a:solidFill>
+                <a:round/>
+                <a:headEnd/>
+                <a:tailEnd/>
+              </a14:hiddenLine>
+            </a:ext>
+          </a:extLst>
+        </p:spPr>
+        <p:txBody>
+          <a:bodyPr vert="horz" wrap="square" lIns="0" tIns="25602" rIns="0" bIns="0" numCol="1" anchor="t" anchorCtr="0" compatLnSpc="1">
+            <a:prstTxWarp prst="textNoShape">
+              <a:avLst/>
+            </a:prstTxWarp>
+          </a:bodyPr>
+          <a:lstStyle>
+            <a:lvl1pPr marL="309563" indent="-309563" algn="r" defTabSz="414338" rtl="1" eaLnBrk="0" fontAlgn="base" hangingPunct="0">
+              <a:lnSpc>
+                <a:spcPct val="93000"/>
+              </a:lnSpc>
+              <a:spcBef>
+                <a:spcPct val="0"/>
+              </a:spcBef>
+              <a:spcAft>
+                <a:spcPts val="1288"/>
+              </a:spcAft>
+              <a:buClr>
+                <a:srgbClr val="000000"/>
+              </a:buClr>
+              <a:buSzPct val="100000"/>
+              <a:buFont typeface="Times New Roman" pitchFamily="18" charset="0"/>
+              <a:defRPr sz="2900">
+                <a:solidFill>
+                  <a:srgbClr val="000000"/>
+                </a:solidFill>
+                <a:latin typeface="+mn-lt"/>
+                <a:ea typeface="+mn-ea"/>
+                <a:cs typeface="+mn-cs"/>
+              </a:defRPr>
+            </a:lvl1pPr>
+            <a:lvl2pPr marL="673100" indent="-258763" algn="r" defTabSz="414338" rtl="1" eaLnBrk="0" fontAlgn="base" hangingPunct="0">
+              <a:lnSpc>
+                <a:spcPct val="93000"/>
+              </a:lnSpc>
+              <a:spcBef>
+                <a:spcPct val="0"/>
+              </a:spcBef>
+              <a:spcAft>
+                <a:spcPts val="1038"/>
+              </a:spcAft>
+              <a:buClr>
+                <a:srgbClr val="000000"/>
+              </a:buClr>
+              <a:buSzPct val="100000"/>
+              <a:buFont typeface="Times New Roman" pitchFamily="18" charset="0"/>
+              <a:defRPr sz="2500">
+                <a:solidFill>
+                  <a:srgbClr val="000000"/>
+                </a:solidFill>
+                <a:latin typeface="+mn-lt"/>
+                <a:ea typeface="+mn-ea"/>
+                <a:cs typeface="+mn-cs"/>
+              </a:defRPr>
+            </a:lvl2pPr>
+            <a:lvl3pPr marL="1036638" indent="-206375" algn="r" defTabSz="414338" rtl="1" eaLnBrk="0" fontAlgn="base" hangingPunct="0">
+              <a:lnSpc>
+                <a:spcPct val="93000"/>
+              </a:lnSpc>
+              <a:spcBef>
+                <a:spcPct val="0"/>
+              </a:spcBef>
+              <a:spcAft>
+                <a:spcPts val="775"/>
+              </a:spcAft>
+              <a:buClr>
+                <a:srgbClr val="000000"/>
+              </a:buClr>
+              <a:buSzPct val="100000"/>
+              <a:buFont typeface="Times New Roman" pitchFamily="18" charset="0"/>
+              <a:defRPr sz="2200">
+                <a:solidFill>
+                  <a:srgbClr val="000000"/>
+                </a:solidFill>
+                <a:latin typeface="+mn-lt"/>
+                <a:ea typeface="+mn-ea"/>
+                <a:cs typeface="+mn-cs"/>
+              </a:defRPr>
+            </a:lvl3pPr>
+            <a:lvl4pPr marL="1450975" indent="-206375" algn="r" defTabSz="414338" rtl="1" eaLnBrk="0" fontAlgn="base" hangingPunct="0">
+              <a:lnSpc>
+                <a:spcPct val="93000"/>
+              </a:lnSpc>
+              <a:spcBef>
+                <a:spcPct val="0"/>
+              </a:spcBef>
+              <a:spcAft>
+                <a:spcPts val="525"/>
+              </a:spcAft>
+              <a:buClr>
+                <a:srgbClr val="000000"/>
+              </a:buClr>
+              <a:buSzPct val="100000"/>
+              <a:buFont typeface="Times New Roman" pitchFamily="18" charset="0"/>
+              <a:defRPr>
+                <a:solidFill>
+                  <a:srgbClr val="000000"/>
+                </a:solidFill>
+                <a:latin typeface="+mn-lt"/>
+                <a:ea typeface="+mn-ea"/>
+                <a:cs typeface="+mn-cs"/>
+              </a:defRPr>
+            </a:lvl4pPr>
+            <a:lvl5pPr marL="1865313" indent="-206375" algn="r" defTabSz="414338" rtl="1" eaLnBrk="0" fontAlgn="base" hangingPunct="0">
+              <a:lnSpc>
+                <a:spcPct val="93000"/>
+              </a:lnSpc>
+              <a:spcBef>
+                <a:spcPct val="0"/>
+              </a:spcBef>
+              <a:spcAft>
+                <a:spcPts val="263"/>
+              </a:spcAft>
+              <a:buClr>
+                <a:srgbClr val="000000"/>
+              </a:buClr>
+              <a:buSzPct val="100000"/>
+              <a:buFont typeface="Times New Roman" pitchFamily="18" charset="0"/>
+              <a:defRPr>
+                <a:solidFill>
+                  <a:srgbClr val="000000"/>
+                </a:solidFill>
+                <a:latin typeface="+mn-lt"/>
+                <a:ea typeface="+mn-ea"/>
+                <a:cs typeface="+mn-cs"/>
+              </a:defRPr>
+            </a:lvl5pPr>
+            <a:lvl6pPr marL="2280994" indent="-207363" algn="r" defTabSz="414726" rtl="1" eaLnBrk="1" fontAlgn="base" hangingPunct="1">
+              <a:lnSpc>
+                <a:spcPct val="93000"/>
+              </a:lnSpc>
+              <a:spcBef>
+                <a:spcPct val="0"/>
+              </a:spcBef>
+              <a:spcAft>
+                <a:spcPts val="261"/>
+              </a:spcAft>
+              <a:buClr>
+                <a:srgbClr val="000000"/>
+              </a:buClr>
+              <a:buSzPct val="100000"/>
+              <a:buFont typeface="Times New Roman" pitchFamily="18" charset="0"/>
+              <a:defRPr sz="1800">
+                <a:solidFill>
+                  <a:srgbClr val="000000"/>
+                </a:solidFill>
+                <a:latin typeface="+mn-lt"/>
+                <a:ea typeface="+mn-ea"/>
+                <a:cs typeface="+mn-cs"/>
+              </a:defRPr>
+            </a:lvl6pPr>
+            <a:lvl7pPr marL="2695720" indent="-207363" algn="r" defTabSz="414726" rtl="1" eaLnBrk="1" fontAlgn="base" hangingPunct="1">
+              <a:lnSpc>
+                <a:spcPct val="93000"/>
+              </a:lnSpc>
+              <a:spcBef>
+                <a:spcPct val="0"/>
+              </a:spcBef>
+              <a:spcAft>
+                <a:spcPts val="261"/>
+              </a:spcAft>
+              <a:buClr>
+                <a:srgbClr val="000000"/>
+              </a:buClr>
+              <a:buSzPct val="100000"/>
+              <a:buFont typeface="Times New Roman" pitchFamily="18" charset="0"/>
+              <a:defRPr sz="1800">
+                <a:solidFill>
+                  <a:srgbClr val="000000"/>
+                </a:solidFill>
+                <a:latin typeface="+mn-lt"/>
+                <a:ea typeface="+mn-ea"/>
+                <a:cs typeface="+mn-cs"/>
+              </a:defRPr>
+            </a:lvl7pPr>
+            <a:lvl8pPr marL="3110446" indent="-207363" algn="r" defTabSz="414726" rtl="1" eaLnBrk="1" fontAlgn="base" hangingPunct="1">
+              <a:lnSpc>
+                <a:spcPct val="93000"/>
+              </a:lnSpc>
+              <a:spcBef>
+                <a:spcPct val="0"/>
+              </a:spcBef>
+              <a:spcAft>
+                <a:spcPts val="261"/>
+              </a:spcAft>
+              <a:buClr>
+                <a:srgbClr val="000000"/>
+              </a:buClr>
+              <a:buSzPct val="100000"/>
+              <a:buFont typeface="Times New Roman" pitchFamily="18" charset="0"/>
+              <a:defRPr sz="1800">
+                <a:solidFill>
+                  <a:srgbClr val="000000"/>
+                </a:solidFill>
+                <a:latin typeface="+mn-lt"/>
+                <a:ea typeface="+mn-ea"/>
+                <a:cs typeface="+mn-cs"/>
+              </a:defRPr>
+            </a:lvl8pPr>
+            <a:lvl9pPr marL="3525172" indent="-207363" algn="r" defTabSz="414726" rtl="1" eaLnBrk="1" fontAlgn="base" hangingPunct="1">
+              <a:lnSpc>
+                <a:spcPct val="93000"/>
+              </a:lnSpc>
+              <a:spcBef>
+                <a:spcPct val="0"/>
+              </a:spcBef>
+              <a:spcAft>
+                <a:spcPts val="261"/>
+              </a:spcAft>
+              <a:buClr>
+                <a:srgbClr val="000000"/>
+              </a:buClr>
+              <a:buSzPct val="100000"/>
+              <a:buFont typeface="Times New Roman" pitchFamily="18" charset="0"/>
+              <a:defRPr sz="1800">
+                <a:solidFill>
+                  <a:srgbClr val="000000"/>
+                </a:solidFill>
+                <a:latin typeface="+mn-lt"/>
+                <a:ea typeface="+mn-ea"/>
+                <a:cs typeface="+mn-cs"/>
+              </a:defRPr>
+            </a:lvl9pPr>
+          </a:lstStyle>
+          <a:p>
+            <a:pPr marL="311045" indent="-311045" algn="l" defTabSz="414726">
+              <a:lnSpc>
+                <a:spcPct val="90000"/>
+              </a:lnSpc>
+              <a:spcAft>
+                <a:spcPts val="1293"/>
+              </a:spcAft>
+              <a:defRPr/>
+            </a:pPr>
+            <a:r>
+              <a:rPr lang="en-US" sz="1800" b="1" kern="0" dirty="0">
+                <a:latin typeface="Berlin Sans FB Demi" panose="020E0802020502020306" pitchFamily="34" charset="0"/>
+              </a:rPr>
+              <a:t>split</a:t>
+            </a:r>
+          </a:p>
+          <a:p>
+            <a:pPr marL="311045" indent="-311045" algn="l" defTabSz="414726">
+              <a:lnSpc>
+                <a:spcPct val="90000"/>
+              </a:lnSpc>
+              <a:spcAft>
+                <a:spcPts val="1293"/>
+              </a:spcAft>
+              <a:defRPr/>
+            </a:pPr>
+            <a:r>
+              <a:rPr lang="en-US" sz="1800" b="1" kern="0" dirty="0">
+                <a:latin typeface="Berlin Sans FB Demi" panose="020E0802020502020306" pitchFamily="34" charset="0"/>
+              </a:rPr>
+              <a:t>substring</a:t>
+            </a:r>
+          </a:p>
+          <a:p>
+            <a:pPr marL="311045" indent="-311045" algn="l" defTabSz="414726">
+              <a:lnSpc>
+                <a:spcPct val="90000"/>
+              </a:lnSpc>
+              <a:spcAft>
+                <a:spcPts val="1293"/>
+              </a:spcAft>
+              <a:defRPr/>
+            </a:pPr>
+            <a:r>
+              <a:rPr lang="en-US" sz="1800" b="1" kern="0" dirty="0" err="1">
+                <a:latin typeface="Berlin Sans FB Demi" panose="020E0802020502020306" pitchFamily="34" charset="0"/>
+              </a:rPr>
+              <a:t>toLowerCase</a:t>
+            </a:r>
+            <a:endParaRPr lang="en-US" sz="1800" b="1" kern="0" dirty="0">
+              <a:latin typeface="Berlin Sans FB Demi" panose="020E0802020502020306" pitchFamily="34" charset="0"/>
+            </a:endParaRPr>
+          </a:p>
+          <a:p>
+            <a:pPr marL="311045" indent="-311045" algn="l" defTabSz="414726">
+              <a:lnSpc>
+                <a:spcPct val="90000"/>
+              </a:lnSpc>
+              <a:spcAft>
+                <a:spcPts val="1293"/>
+              </a:spcAft>
+              <a:defRPr/>
+            </a:pPr>
+            <a:r>
+              <a:rPr lang="en-US" sz="1800" b="1" kern="0" dirty="0" err="1">
+                <a:latin typeface="Berlin Sans FB Demi" panose="020E0802020502020306" pitchFamily="34" charset="0"/>
+              </a:rPr>
+              <a:t>toUpperCase</a:t>
+            </a:r>
+            <a:endParaRPr lang="en-US" sz="1800" b="1" kern="0" dirty="0">
+              <a:latin typeface="Berlin Sans FB Demi" panose="020E0802020502020306" pitchFamily="34" charset="0"/>
             </a:endParaRPr>
           </a:p>
         </p:txBody>
@@ -20891,20 +20471,13 @@
     </p:spTree>
     <p:extLst>
       <p:ext uri="{BB962C8B-B14F-4D97-AF65-F5344CB8AC3E}">
-        <p14:creationId xmlns:p14="http://schemas.microsoft.com/office/powerpoint/2010/main" val="207986101"/>
+        <p14:creationId xmlns:p14="http://schemas.microsoft.com/office/powerpoint/2010/main" val="3530770180"/>
       </p:ext>
     </p:extLst>
   </p:cSld>
   <p:clrMapOvr>
     <a:masterClrMapping/>
   </p:clrMapOvr>
-  <p:timing>
-    <p:tnLst>
-      <p:par>
-        <p:cTn id="1" dur="indefinite" restart="never" nodeType="tmRoot"/>
-      </p:par>
-    </p:tnLst>
-  </p:timing>
 </p:sld>
 </file>
 
@@ -20949,14 +20522,9 @@
               <a:buNone/>
             </a:pPr>
             <a:r>
-              <a:rPr lang="en-US" dirty="0" smtClean="0"/>
-              <a:t>Course </a:t>
+              <a:rPr lang="en-US" dirty="0"/>
+              <a:t>Course Module</a:t>
             </a:r>
-            <a:r>
-              <a:rPr lang="en-US" dirty="0" smtClean="0"/>
-              <a:t>Module</a:t>
-            </a:r>
-            <a:endParaRPr lang="en-US" dirty="0"/>
           </a:p>
         </p:txBody>
       </p:sp>
@@ -21281,13 +20849,6 @@
   <p:clrMapOvr>
     <a:masterClrMapping/>
   </p:clrMapOvr>
-  <p:timing>
-    <p:tnLst>
-      <p:par>
-        <p:cTn id="1" dur="indefinite" restart="never" nodeType="tmRoot"/>
-      </p:par>
-    </p:tnLst>
-  </p:timing>
 </p:sld>
 </file>
 
@@ -21332,18 +20893,17 @@
               <a:buNone/>
             </a:pPr>
             <a:r>
-              <a:rPr lang="en-US" dirty="0" smtClean="0"/>
+              <a:rPr lang="en-US" dirty="0"/>
               <a:t>Topics(</a:t>
             </a:r>
             <a:r>
-              <a:rPr lang="en-US" dirty="0" err="1" smtClean="0"/>
+              <a:rPr lang="en-US" dirty="0" err="1"/>
               <a:t>Js</a:t>
             </a:r>
             <a:r>
-              <a:rPr lang="en-US" dirty="0" smtClean="0"/>
+              <a:rPr lang="en-US" dirty="0"/>
               <a:t>)</a:t>
             </a:r>
-            <a:endParaRPr lang="en-US" dirty="0"/>
           </a:p>
         </p:txBody>
       </p:sp>
@@ -21379,13 +20939,6 @@
   <p:clrMapOvr>
     <a:masterClrMapping/>
   </p:clrMapOvr>
-  <p:timing>
-    <p:tnLst>
-      <p:par>
-        <p:cTn id="1" dur="indefinite" restart="never" nodeType="tmRoot"/>
-      </p:par>
-    </p:tnLst>
-  </p:timing>
 </p:sld>
 </file>
 
@@ -21430,18 +20983,17 @@
               <a:buNone/>
             </a:pPr>
             <a:r>
-              <a:rPr lang="en-US" dirty="0" smtClean="0"/>
+              <a:rPr lang="en-US" dirty="0"/>
               <a:t>Topics(</a:t>
             </a:r>
             <a:r>
-              <a:rPr lang="en-US" dirty="0" err="1" smtClean="0"/>
+              <a:rPr lang="en-US" dirty="0" err="1"/>
               <a:t>Js</a:t>
             </a:r>
             <a:r>
-              <a:rPr lang="en-US" dirty="0" smtClean="0"/>
+              <a:rPr lang="en-US" dirty="0"/>
               <a:t>)</a:t>
             </a:r>
-            <a:endParaRPr lang="en-US" dirty="0"/>
           </a:p>
         </p:txBody>
       </p:sp>
@@ -21477,13 +21029,6 @@
   <p:clrMapOvr>
     <a:masterClrMapping/>
   </p:clrMapOvr>
-  <p:timing>
-    <p:tnLst>
-      <p:par>
-        <p:cTn id="1" dur="indefinite" restart="never" nodeType="tmRoot"/>
-      </p:par>
-    </p:tnLst>
-  </p:timing>
 </p:sld>
 </file>
 
@@ -21528,14 +21073,13 @@
               <a:buNone/>
             </a:pPr>
             <a:r>
-              <a:rPr lang="en-US" dirty="0" err="1" smtClean="0"/>
+              <a:rPr lang="en-US" dirty="0" err="1"/>
               <a:t>Js</a:t>
             </a:r>
             <a:r>
-              <a:rPr lang="en-US" dirty="0" smtClean="0"/>
+              <a:rPr lang="en-US" dirty="0"/>
               <a:t> Intro</a:t>
             </a:r>
-            <a:endParaRPr lang="en-US" dirty="0"/>
           </a:p>
         </p:txBody>
       </p:sp>
@@ -21664,13 +21208,6 @@
   <p:clrMapOvr>
     <a:masterClrMapping/>
   </p:clrMapOvr>
-  <p:timing>
-    <p:tnLst>
-      <p:par>
-        <p:cTn id="1" dur="indefinite" restart="never" nodeType="tmRoot"/>
-      </p:par>
-    </p:tnLst>
-  </p:timing>
 </p:sld>
 </file>
 
@@ -21715,10 +21252,9 @@
               <a:buNone/>
             </a:pPr>
             <a:r>
-              <a:rPr lang="en-US" dirty="0" smtClean="0"/>
+              <a:rPr lang="en-US" dirty="0"/>
               <a:t>Variable &amp; Data Types</a:t>
             </a:r>
-            <a:endParaRPr lang="en-US" dirty="0"/>
           </a:p>
         </p:txBody>
       </p:sp>
@@ -21786,13 +21322,6 @@
   <p:clrMapOvr>
     <a:masterClrMapping/>
   </p:clrMapOvr>
-  <p:timing>
-    <p:tnLst>
-      <p:par>
-        <p:cTn id="1" dur="indefinite" restart="never" nodeType="tmRoot"/>
-      </p:par>
-    </p:tnLst>
-  </p:timing>
 </p:sld>
 </file>
 
@@ -21837,10 +21366,9 @@
               <a:buNone/>
             </a:pPr>
             <a:r>
-              <a:rPr lang="en-US" dirty="0" smtClean="0"/>
+              <a:rPr lang="en-US" dirty="0"/>
               <a:t>Variable &amp; Data Types</a:t>
             </a:r>
-            <a:endParaRPr lang="en-US" dirty="0"/>
           </a:p>
         </p:txBody>
       </p:sp>
@@ -21908,13 +21436,6 @@
   <p:clrMapOvr>
     <a:masterClrMapping/>
   </p:clrMapOvr>
-  <p:timing>
-    <p:tnLst>
-      <p:par>
-        <p:cTn id="1" dur="indefinite" restart="never" nodeType="tmRoot"/>
-      </p:par>
-    </p:tnLst>
-  </p:timing>
 </p:sld>
 </file>
 
@@ -21959,10 +21480,9 @@
               <a:buNone/>
             </a:pPr>
             <a:r>
-              <a:rPr lang="en-US" dirty="0" smtClean="0"/>
+              <a:rPr lang="en-US" dirty="0"/>
               <a:t>Variable &amp; Data Types</a:t>
             </a:r>
-            <a:endParaRPr lang="en-US" dirty="0"/>
           </a:p>
         </p:txBody>
       </p:sp>
@@ -22233,12 +21753,12 @@
           <a:p>
             <a:pPr rtl="0" eaLnBrk="1" hangingPunct="1"/>
             <a:r>
-              <a:rPr lang="en-US" altLang="en-US" dirty="0" err="1" smtClean="0">
+              <a:rPr lang="en-US" altLang="en-US" dirty="0" err="1">
                 <a:latin typeface="Courier New" pitchFamily="49" charset="0"/>
               </a:rPr>
               <a:t>Var</a:t>
             </a:r>
-            <a:endParaRPr lang="en-US" altLang="en-US" dirty="0" smtClean="0">
+            <a:endParaRPr lang="en-US" altLang="en-US" dirty="0">
               <a:latin typeface="Courier New" pitchFamily="49" charset="0"/>
             </a:endParaRPr>
           </a:p>
@@ -22522,7 +22042,7 @@
               <a:rPr lang="en-GB" sz="2400" dirty="0"/>
               <a:t> declarations are globally scoped or function/locally scoped.</a:t>
             </a:r>
-            <a:endParaRPr lang="en-US" altLang="en-US" b="1" dirty="0" smtClean="0">
+            <a:endParaRPr lang="en-US" altLang="en-US" b="1" dirty="0">
               <a:latin typeface="Courier New" pitchFamily="49" charset="0"/>
             </a:endParaRPr>
           </a:p>
@@ -22795,7 +22315,7 @@
           <a:p>
             <a:pPr rtl="0" eaLnBrk="1" hangingPunct="1"/>
             <a:r>
-              <a:rPr lang="en-US" altLang="en-US" dirty="0" smtClean="0">
+              <a:rPr lang="en-US" altLang="en-US" dirty="0">
                 <a:latin typeface="Courier New" pitchFamily="49" charset="0"/>
               </a:rPr>
               <a:t>Let</a:t>
@@ -23099,12 +22619,12 @@
           <a:p>
             <a:pPr rtl="0" eaLnBrk="1" hangingPunct="1"/>
             <a:r>
-              <a:rPr lang="en-US" altLang="en-US" dirty="0" err="1" smtClean="0">
+              <a:rPr lang="en-US" altLang="en-US" dirty="0" err="1">
                 <a:latin typeface="Courier New" pitchFamily="49" charset="0"/>
               </a:rPr>
               <a:t>Const</a:t>
             </a:r>
-            <a:endParaRPr lang="en-US" altLang="en-US" dirty="0" smtClean="0">
+            <a:endParaRPr lang="en-US" altLang="en-US" dirty="0">
               <a:latin typeface="Courier New" pitchFamily="49" charset="0"/>
             </a:endParaRPr>
           </a:p>
@@ -23136,25 +22656,13 @@
               <a:rPr lang="en-GB" sz="2400" dirty="0" err="1">
                 <a:cs typeface="Arial" panose="020B0604020202020204" pitchFamily="34" charset="0"/>
               </a:rPr>
-              <a:t>C</a:t>
-            </a:r>
-            <a:r>
-              <a:rPr lang="en-GB" sz="2400" dirty="0" err="1" smtClean="0">
-                <a:cs typeface="Arial" panose="020B0604020202020204" pitchFamily="34" charset="0"/>
-              </a:rPr>
-              <a:t>onst</a:t>
-            </a:r>
-            <a:r>
-              <a:rPr lang="en-GB" sz="2400" dirty="0" smtClean="0">
-                <a:cs typeface="Arial" panose="020B0604020202020204" pitchFamily="34" charset="0"/>
-              </a:rPr>
-              <a:t> </a:t>
+              <a:t>Const</a:t>
             </a:r>
             <a:r>
               <a:rPr lang="en-GB" sz="2400" dirty="0">
                 <a:cs typeface="Arial" panose="020B0604020202020204" pitchFamily="34" charset="0"/>
               </a:rPr>
-              <a:t>cannot be updated or re-declared</a:t>
+              <a:t> cannot be updated or re-declared</a:t>
             </a:r>
           </a:p>
         </p:txBody>
@@ -23169,13 +22677,6 @@
   <p:clrMapOvr>
     <a:masterClrMapping/>
   </p:clrMapOvr>
-  <p:timing>
-    <p:tnLst>
-      <p:par>
-        <p:cTn id="1" dur="indefinite" restart="never" nodeType="tmRoot"/>
-      </p:par>
-    </p:tnLst>
-  </p:timing>
 </p:sld>
 </file>
 
